--- a/documentation/requisitos.pptx
+++ b/documentation/requisitos.pptx
@@ -4,9 +4,15 @@
   <p:sldMasterIdLst>
     <p:sldMasterId id="2147483648" r:id="rId1"/>
   </p:sldMasterIdLst>
+  <p:notesMasterIdLst>
+    <p:notesMasterId r:id="rId7"/>
+  </p:notesMasterIdLst>
   <p:sldIdLst>
-    <p:sldId id="256" r:id="rId3"/>
-    <p:sldId id="257" r:id="rId4"/>
+    <p:sldId id="256" r:id="rId2"/>
+    <p:sldId id="257" r:id="rId3"/>
+    <p:sldId id="258" r:id="rId4"/>
+    <p:sldId id="259" r:id="rId5"/>
+    <p:sldId id="260" r:id="rId6"/>
   </p:sldIdLst>
   <p:sldSz cx="12192000" cy="6858000"/>
   <p:notesSz cx="6858000" cy="9144000"/>
@@ -105,7 +111,535 @@
       </a:defRPr>
     </a:lvl9pPr>
   </p:defaultTextStyle>
+  <p:extLst>
+    <p:ext uri="{EFAFB233-063F-42B5-8137-9DF3F51BA10A}">
+      <p15:sldGuideLst xmlns:p15="http://schemas.microsoft.com/office/powerpoint/2012/main"/>
+    </p:ext>
+  </p:extLst>
 </p:presentation>
+</file>
+
+<file path=ppt/notesMasters/notesMaster1.xml><?xml version="1.0" encoding="utf-8"?>
+<p:notesMaster xmlns:a="http://schemas.openxmlformats.org/drawingml/2006/main" xmlns:r="http://schemas.openxmlformats.org/officeDocument/2006/relationships" xmlns:p="http://schemas.openxmlformats.org/presentationml/2006/main">
+  <p:cSld>
+    <p:bg>
+      <p:bgRef idx="1001">
+        <a:schemeClr val="bg1"/>
+      </p:bgRef>
+    </p:bg>
+    <p:spTree>
+      <p:nvGrpSpPr>
+        <p:cNvPr id="1" name=""/>
+        <p:cNvGrpSpPr/>
+        <p:nvPr/>
+      </p:nvGrpSpPr>
+      <p:grpSpPr>
+        <a:xfrm>
+          <a:off x="0" y="0"/>
+          <a:ext cx="0" cy="0"/>
+          <a:chOff x="0" y="0"/>
+          <a:chExt cx="0" cy="0"/>
+        </a:xfrm>
+      </p:grpSpPr>
+      <p:sp>
+        <p:nvSpPr>
+          <p:cNvPr id="2" name="Espaço Reservado para Cabeçalho 1"/>
+          <p:cNvSpPr>
+            <a:spLocks noGrp="1"/>
+          </p:cNvSpPr>
+          <p:nvPr>
+            <p:ph type="hdr" sz="quarter"/>
+          </p:nvPr>
+        </p:nvSpPr>
+        <p:spPr>
+          <a:xfrm>
+            <a:off x="0" y="0"/>
+            <a:ext cx="2971800" cy="458788"/>
+          </a:xfrm>
+          <a:prstGeom prst="rect">
+            <a:avLst/>
+          </a:prstGeom>
+        </p:spPr>
+        <p:txBody>
+          <a:bodyPr vert="horz" lIns="91440" tIns="45720" rIns="91440" bIns="45720" rtlCol="0"/>
+          <a:lstStyle>
+            <a:lvl1pPr algn="l">
+              <a:defRPr sz="1200"/>
+            </a:lvl1pPr>
+          </a:lstStyle>
+          <a:p>
+            <a:endParaRPr lang="pt-BR"/>
+          </a:p>
+        </p:txBody>
+      </p:sp>
+      <p:sp>
+        <p:nvSpPr>
+          <p:cNvPr id="3" name="Espaço Reservado para Data 2"/>
+          <p:cNvSpPr>
+            <a:spLocks noGrp="1"/>
+          </p:cNvSpPr>
+          <p:nvPr>
+            <p:ph type="dt" idx="1"/>
+          </p:nvPr>
+        </p:nvSpPr>
+        <p:spPr>
+          <a:xfrm>
+            <a:off x="3884613" y="0"/>
+            <a:ext cx="2971800" cy="458788"/>
+          </a:xfrm>
+          <a:prstGeom prst="rect">
+            <a:avLst/>
+          </a:prstGeom>
+        </p:spPr>
+        <p:txBody>
+          <a:bodyPr vert="horz" lIns="91440" tIns="45720" rIns="91440" bIns="45720" rtlCol="0"/>
+          <a:lstStyle>
+            <a:lvl1pPr algn="r">
+              <a:defRPr sz="1200"/>
+            </a:lvl1pPr>
+          </a:lstStyle>
+          <a:p>
+            <a:fld id="{236DF320-84EC-4EC8-8A35-BB40D3DB8C89}" type="datetimeFigureOut">
+              <a:rPr lang="pt-BR" smtClean="0"/>
+              <a:t>05/07/2024</a:t>
+            </a:fld>
+            <a:endParaRPr lang="pt-BR"/>
+          </a:p>
+        </p:txBody>
+      </p:sp>
+      <p:sp>
+        <p:nvSpPr>
+          <p:cNvPr id="4" name="Espaço Reservado para Imagem de Slide 3"/>
+          <p:cNvSpPr>
+            <a:spLocks noGrp="1" noRot="1" noChangeAspect="1"/>
+          </p:cNvSpPr>
+          <p:nvPr>
+            <p:ph type="sldImg" idx="2"/>
+          </p:nvPr>
+        </p:nvSpPr>
+        <p:spPr>
+          <a:xfrm>
+            <a:off x="685800" y="1143000"/>
+            <a:ext cx="5486400" cy="3086100"/>
+          </a:xfrm>
+          <a:prstGeom prst="rect">
+            <a:avLst/>
+          </a:prstGeom>
+          <a:noFill/>
+          <a:ln w="12700">
+            <a:solidFill>
+              <a:prstClr val="black"/>
+            </a:solidFill>
+          </a:ln>
+        </p:spPr>
+        <p:txBody>
+          <a:bodyPr vert="horz" lIns="91440" tIns="45720" rIns="91440" bIns="45720" rtlCol="0" anchor="ctr"/>
+          <a:lstStyle/>
+          <a:p>
+            <a:endParaRPr lang="pt-BR"/>
+          </a:p>
+        </p:txBody>
+      </p:sp>
+      <p:sp>
+        <p:nvSpPr>
+          <p:cNvPr id="5" name="Espaço Reservado para Anotações 4"/>
+          <p:cNvSpPr>
+            <a:spLocks noGrp="1"/>
+          </p:cNvSpPr>
+          <p:nvPr>
+            <p:ph type="body" sz="quarter" idx="3"/>
+          </p:nvPr>
+        </p:nvSpPr>
+        <p:spPr>
+          <a:xfrm>
+            <a:off x="685800" y="4400550"/>
+            <a:ext cx="5486400" cy="3600450"/>
+          </a:xfrm>
+          <a:prstGeom prst="rect">
+            <a:avLst/>
+          </a:prstGeom>
+        </p:spPr>
+        <p:txBody>
+          <a:bodyPr vert="horz" lIns="91440" tIns="45720" rIns="91440" bIns="45720" rtlCol="0"/>
+          <a:lstStyle/>
+          <a:p>
+            <a:pPr lvl="0"/>
+            <a:r>
+              <a:rPr lang="pt-BR"/>
+              <a:t>Clique para editar os estilos de texto Mestres</a:t>
+            </a:r>
+          </a:p>
+          <a:p>
+            <a:pPr lvl="1"/>
+            <a:r>
+              <a:rPr lang="pt-BR"/>
+              <a:t>Segundo nível</a:t>
+            </a:r>
+          </a:p>
+          <a:p>
+            <a:pPr lvl="2"/>
+            <a:r>
+              <a:rPr lang="pt-BR"/>
+              <a:t>Terceiro nível</a:t>
+            </a:r>
+          </a:p>
+          <a:p>
+            <a:pPr lvl="3"/>
+            <a:r>
+              <a:rPr lang="pt-BR"/>
+              <a:t>Quarto nível</a:t>
+            </a:r>
+          </a:p>
+          <a:p>
+            <a:pPr lvl="4"/>
+            <a:r>
+              <a:rPr lang="pt-BR"/>
+              <a:t>Quinto nível</a:t>
+            </a:r>
+          </a:p>
+        </p:txBody>
+      </p:sp>
+      <p:sp>
+        <p:nvSpPr>
+          <p:cNvPr id="6" name="Espaço Reservado para Rodapé 5"/>
+          <p:cNvSpPr>
+            <a:spLocks noGrp="1"/>
+          </p:cNvSpPr>
+          <p:nvPr>
+            <p:ph type="ftr" sz="quarter" idx="4"/>
+          </p:nvPr>
+        </p:nvSpPr>
+        <p:spPr>
+          <a:xfrm>
+            <a:off x="0" y="8685213"/>
+            <a:ext cx="2971800" cy="458787"/>
+          </a:xfrm>
+          <a:prstGeom prst="rect">
+            <a:avLst/>
+          </a:prstGeom>
+        </p:spPr>
+        <p:txBody>
+          <a:bodyPr vert="horz" lIns="91440" tIns="45720" rIns="91440" bIns="45720" rtlCol="0" anchor="b"/>
+          <a:lstStyle>
+            <a:lvl1pPr algn="l">
+              <a:defRPr sz="1200"/>
+            </a:lvl1pPr>
+          </a:lstStyle>
+          <a:p>
+            <a:endParaRPr lang="pt-BR"/>
+          </a:p>
+        </p:txBody>
+      </p:sp>
+      <p:sp>
+        <p:nvSpPr>
+          <p:cNvPr id="7" name="Espaço Reservado para Número de Slide 6"/>
+          <p:cNvSpPr>
+            <a:spLocks noGrp="1"/>
+          </p:cNvSpPr>
+          <p:nvPr>
+            <p:ph type="sldNum" sz="quarter" idx="5"/>
+          </p:nvPr>
+        </p:nvSpPr>
+        <p:spPr>
+          <a:xfrm>
+            <a:off x="3884613" y="8685213"/>
+            <a:ext cx="2971800" cy="458787"/>
+          </a:xfrm>
+          <a:prstGeom prst="rect">
+            <a:avLst/>
+          </a:prstGeom>
+        </p:spPr>
+        <p:txBody>
+          <a:bodyPr vert="horz" lIns="91440" tIns="45720" rIns="91440" bIns="45720" rtlCol="0" anchor="b"/>
+          <a:lstStyle>
+            <a:lvl1pPr algn="r">
+              <a:defRPr sz="1200"/>
+            </a:lvl1pPr>
+          </a:lstStyle>
+          <a:p>
+            <a:fld id="{D37FCAFB-B478-42BA-B178-D47AEE765D14}" type="slidenum">
+              <a:rPr lang="pt-BR" smtClean="0"/>
+              <a:t>‹nº›</a:t>
+            </a:fld>
+            <a:endParaRPr lang="pt-BR"/>
+          </a:p>
+        </p:txBody>
+      </p:sp>
+    </p:spTree>
+    <p:extLst>
+      <p:ext uri="{BB962C8B-B14F-4D97-AF65-F5344CB8AC3E}">
+        <p14:creationId xmlns:p14="http://schemas.microsoft.com/office/powerpoint/2010/main" val="438721051"/>
+      </p:ext>
+    </p:extLst>
+  </p:cSld>
+  <p:clrMap bg1="lt1" tx1="dk1" bg2="lt2" tx2="dk2" accent1="accent1" accent2="accent2" accent3="accent3" accent4="accent4" accent5="accent5" accent6="accent6" hlink="hlink" folHlink="folHlink"/>
+  <p:notesStyle>
+    <a:lvl1pPr marL="0" algn="l" defTabSz="914400" rtl="0" eaLnBrk="1" latinLnBrk="0" hangingPunct="1">
+      <a:defRPr sz="1200" kern="1200">
+        <a:solidFill>
+          <a:schemeClr val="tx1"/>
+        </a:solidFill>
+        <a:latin typeface="+mn-lt"/>
+        <a:ea typeface="+mn-ea"/>
+        <a:cs typeface="+mn-cs"/>
+      </a:defRPr>
+    </a:lvl1pPr>
+    <a:lvl2pPr marL="457200" algn="l" defTabSz="914400" rtl="0" eaLnBrk="1" latinLnBrk="0" hangingPunct="1">
+      <a:defRPr sz="1200" kern="1200">
+        <a:solidFill>
+          <a:schemeClr val="tx1"/>
+        </a:solidFill>
+        <a:latin typeface="+mn-lt"/>
+        <a:ea typeface="+mn-ea"/>
+        <a:cs typeface="+mn-cs"/>
+      </a:defRPr>
+    </a:lvl2pPr>
+    <a:lvl3pPr marL="914400" algn="l" defTabSz="914400" rtl="0" eaLnBrk="1" latinLnBrk="0" hangingPunct="1">
+      <a:defRPr sz="1200" kern="1200">
+        <a:solidFill>
+          <a:schemeClr val="tx1"/>
+        </a:solidFill>
+        <a:latin typeface="+mn-lt"/>
+        <a:ea typeface="+mn-ea"/>
+        <a:cs typeface="+mn-cs"/>
+      </a:defRPr>
+    </a:lvl3pPr>
+    <a:lvl4pPr marL="1371600" algn="l" defTabSz="914400" rtl="0" eaLnBrk="1" latinLnBrk="0" hangingPunct="1">
+      <a:defRPr sz="1200" kern="1200">
+        <a:solidFill>
+          <a:schemeClr val="tx1"/>
+        </a:solidFill>
+        <a:latin typeface="+mn-lt"/>
+        <a:ea typeface="+mn-ea"/>
+        <a:cs typeface="+mn-cs"/>
+      </a:defRPr>
+    </a:lvl4pPr>
+    <a:lvl5pPr marL="1828800" algn="l" defTabSz="914400" rtl="0" eaLnBrk="1" latinLnBrk="0" hangingPunct="1">
+      <a:defRPr sz="1200" kern="1200">
+        <a:solidFill>
+          <a:schemeClr val="tx1"/>
+        </a:solidFill>
+        <a:latin typeface="+mn-lt"/>
+        <a:ea typeface="+mn-ea"/>
+        <a:cs typeface="+mn-cs"/>
+      </a:defRPr>
+    </a:lvl5pPr>
+    <a:lvl6pPr marL="2286000" algn="l" defTabSz="914400" rtl="0" eaLnBrk="1" latinLnBrk="0" hangingPunct="1">
+      <a:defRPr sz="1200" kern="1200">
+        <a:solidFill>
+          <a:schemeClr val="tx1"/>
+        </a:solidFill>
+        <a:latin typeface="+mn-lt"/>
+        <a:ea typeface="+mn-ea"/>
+        <a:cs typeface="+mn-cs"/>
+      </a:defRPr>
+    </a:lvl6pPr>
+    <a:lvl7pPr marL="2743200" algn="l" defTabSz="914400" rtl="0" eaLnBrk="1" latinLnBrk="0" hangingPunct="1">
+      <a:defRPr sz="1200" kern="1200">
+        <a:solidFill>
+          <a:schemeClr val="tx1"/>
+        </a:solidFill>
+        <a:latin typeface="+mn-lt"/>
+        <a:ea typeface="+mn-ea"/>
+        <a:cs typeface="+mn-cs"/>
+      </a:defRPr>
+    </a:lvl7pPr>
+    <a:lvl8pPr marL="3200400" algn="l" defTabSz="914400" rtl="0" eaLnBrk="1" latinLnBrk="0" hangingPunct="1">
+      <a:defRPr sz="1200" kern="1200">
+        <a:solidFill>
+          <a:schemeClr val="tx1"/>
+        </a:solidFill>
+        <a:latin typeface="+mn-lt"/>
+        <a:ea typeface="+mn-ea"/>
+        <a:cs typeface="+mn-cs"/>
+      </a:defRPr>
+    </a:lvl8pPr>
+    <a:lvl9pPr marL="3657600" algn="l" defTabSz="914400" rtl="0" eaLnBrk="1" latinLnBrk="0" hangingPunct="1">
+      <a:defRPr sz="1200" kern="1200">
+        <a:solidFill>
+          <a:schemeClr val="tx1"/>
+        </a:solidFill>
+        <a:latin typeface="+mn-lt"/>
+        <a:ea typeface="+mn-ea"/>
+        <a:cs typeface="+mn-cs"/>
+      </a:defRPr>
+    </a:lvl9pPr>
+  </p:notesStyle>
+</p:notesMaster>
+</file>
+
+<file path=ppt/notesSlides/notesSlide1.xml><?xml version="1.0" encoding="utf-8"?>
+<p:notes xmlns:a="http://schemas.openxmlformats.org/drawingml/2006/main" xmlns:r="http://schemas.openxmlformats.org/officeDocument/2006/relationships" xmlns:p="http://schemas.openxmlformats.org/presentationml/2006/main">
+  <p:cSld>
+    <p:spTree>
+      <p:nvGrpSpPr>
+        <p:cNvPr id="1" name=""/>
+        <p:cNvGrpSpPr/>
+        <p:nvPr/>
+      </p:nvGrpSpPr>
+      <p:grpSpPr>
+        <a:xfrm>
+          <a:off x="0" y="0"/>
+          <a:ext cx="0" cy="0"/>
+          <a:chOff x="0" y="0"/>
+          <a:chExt cx="0" cy="0"/>
+        </a:xfrm>
+      </p:grpSpPr>
+      <p:sp>
+        <p:nvSpPr>
+          <p:cNvPr id="2" name="Espaço Reservado para Imagem de Slide 1"/>
+          <p:cNvSpPr>
+            <a:spLocks noGrp="1" noRot="1" noChangeAspect="1"/>
+          </p:cNvSpPr>
+          <p:nvPr>
+            <p:ph type="sldImg"/>
+          </p:nvPr>
+        </p:nvSpPr>
+        <p:spPr/>
+      </p:sp>
+      <p:sp>
+        <p:nvSpPr>
+          <p:cNvPr id="3" name="Espaço Reservado para Anotações 2"/>
+          <p:cNvSpPr>
+            <a:spLocks noGrp="1"/>
+          </p:cNvSpPr>
+          <p:nvPr>
+            <p:ph type="body" idx="1"/>
+          </p:nvPr>
+        </p:nvSpPr>
+        <p:spPr/>
+        <p:txBody>
+          <a:bodyPr/>
+          <a:lstStyle/>
+          <a:p>
+            <a:r>
+              <a:rPr lang="pt-BR" dirty="0"/>
+              <a:t>O ultimo card deve permitir todos os horários ao mesmo tempo ou não</a:t>
+            </a:r>
+          </a:p>
+        </p:txBody>
+      </p:sp>
+      <p:sp>
+        <p:nvSpPr>
+          <p:cNvPr id="4" name="Espaço Reservado para Número de Slide 3"/>
+          <p:cNvSpPr>
+            <a:spLocks noGrp="1"/>
+          </p:cNvSpPr>
+          <p:nvPr>
+            <p:ph type="sldNum" sz="quarter" idx="5"/>
+          </p:nvPr>
+        </p:nvSpPr>
+        <p:spPr/>
+        <p:txBody>
+          <a:bodyPr/>
+          <a:lstStyle/>
+          <a:p>
+            <a:fld id="{D37FCAFB-B478-42BA-B178-D47AEE765D14}" type="slidenum">
+              <a:rPr lang="pt-BR" smtClean="0"/>
+              <a:t>4</a:t>
+            </a:fld>
+            <a:endParaRPr lang="pt-BR"/>
+          </a:p>
+        </p:txBody>
+      </p:sp>
+    </p:spTree>
+    <p:extLst>
+      <p:ext uri="{BB962C8B-B14F-4D97-AF65-F5344CB8AC3E}">
+        <p14:creationId xmlns:p14="http://schemas.microsoft.com/office/powerpoint/2010/main" val="1155988202"/>
+      </p:ext>
+    </p:extLst>
+  </p:cSld>
+  <p:clrMapOvr>
+    <a:masterClrMapping/>
+  </p:clrMapOvr>
+</p:notes>
+</file>
+
+<file path=ppt/notesSlides/notesSlide2.xml><?xml version="1.0" encoding="utf-8"?>
+<p:notes xmlns:a="http://schemas.openxmlformats.org/drawingml/2006/main" xmlns:r="http://schemas.openxmlformats.org/officeDocument/2006/relationships" xmlns:p="http://schemas.openxmlformats.org/presentationml/2006/main">
+  <p:cSld>
+    <p:spTree>
+      <p:nvGrpSpPr>
+        <p:cNvPr id="1" name=""/>
+        <p:cNvGrpSpPr/>
+        <p:nvPr/>
+      </p:nvGrpSpPr>
+      <p:grpSpPr>
+        <a:xfrm>
+          <a:off x="0" y="0"/>
+          <a:ext cx="0" cy="0"/>
+          <a:chOff x="0" y="0"/>
+          <a:chExt cx="0" cy="0"/>
+        </a:xfrm>
+      </p:grpSpPr>
+      <p:sp>
+        <p:nvSpPr>
+          <p:cNvPr id="2" name="Espaço Reservado para Imagem de Slide 1"/>
+          <p:cNvSpPr>
+            <a:spLocks noGrp="1" noRot="1" noChangeAspect="1"/>
+          </p:cNvSpPr>
+          <p:nvPr>
+            <p:ph type="sldImg"/>
+          </p:nvPr>
+        </p:nvSpPr>
+        <p:spPr/>
+      </p:sp>
+      <p:sp>
+        <p:nvSpPr>
+          <p:cNvPr id="3" name="Espaço Reservado para Anotações 2"/>
+          <p:cNvSpPr>
+            <a:spLocks noGrp="1"/>
+          </p:cNvSpPr>
+          <p:nvPr>
+            <p:ph type="body" idx="1"/>
+          </p:nvPr>
+        </p:nvSpPr>
+        <p:spPr/>
+        <p:txBody>
+          <a:bodyPr/>
+          <a:lstStyle/>
+          <a:p>
+            <a:r>
+              <a:rPr lang="pt-BR" dirty="0"/>
+              <a:t>O ultimo card deve permitir todos os horários ao mesmo tempo ou não</a:t>
+            </a:r>
+          </a:p>
+        </p:txBody>
+      </p:sp>
+      <p:sp>
+        <p:nvSpPr>
+          <p:cNvPr id="4" name="Espaço Reservado para Número de Slide 3"/>
+          <p:cNvSpPr>
+            <a:spLocks noGrp="1"/>
+          </p:cNvSpPr>
+          <p:nvPr>
+            <p:ph type="sldNum" sz="quarter" idx="5"/>
+          </p:nvPr>
+        </p:nvSpPr>
+        <p:spPr/>
+        <p:txBody>
+          <a:bodyPr/>
+          <a:lstStyle/>
+          <a:p>
+            <a:fld id="{D37FCAFB-B478-42BA-B178-D47AEE765D14}" type="slidenum">
+              <a:rPr lang="pt-BR" smtClean="0"/>
+              <a:t>5</a:t>
+            </a:fld>
+            <a:endParaRPr lang="pt-BR"/>
+          </a:p>
+        </p:txBody>
+      </p:sp>
+    </p:spTree>
+    <p:extLst>
+      <p:ext uri="{BB962C8B-B14F-4D97-AF65-F5344CB8AC3E}">
+        <p14:creationId xmlns:p14="http://schemas.microsoft.com/office/powerpoint/2010/main" val="727298677"/>
+      </p:ext>
+    </p:extLst>
+  </p:cSld>
+  <p:clrMapOvr>
+    <a:masterClrMapping/>
+  </p:clrMapOvr>
+</p:notes>
 </file>
 
 <file path=ppt/slideLayouts/slideLayout1.xml><?xml version="1.0" encoding="utf-8"?>
@@ -150,10 +684,9 @@
           </a:lstStyle>
           <a:p>
             <a:r>
-              <a:rPr lang="pt-BR" smtClean="0"/>
+              <a:rPr lang="pt-BR"/>
               <a:t>Clique para editar o título mestre</a:t>
             </a:r>
-            <a:endParaRPr lang="pt-BR"/>
           </a:p>
         </p:txBody>
       </p:sp>
@@ -215,10 +748,9 @@
           </a:lstStyle>
           <a:p>
             <a:r>
-              <a:rPr lang="pt-BR" smtClean="0"/>
+              <a:rPr lang="pt-BR"/>
               <a:t>Clique para editar o estilo do subtítulo Mestre</a:t>
             </a:r>
-            <a:endParaRPr lang="pt-BR"/>
           </a:p>
         </p:txBody>
       </p:sp>
@@ -239,6 +771,7 @@
           <a:p>
             <a:fld id="{F3A711B5-2115-45C1-8945-4CD8CCC3DB36}" type="datetimeFigureOut">
               <a:rPr lang="pt-BR" smtClean="0"/>
+              <a:t>05/07/2024</a:t>
             </a:fld>
             <a:endParaRPr lang="pt-BR"/>
           </a:p>
@@ -280,6 +813,7 @@
           <a:p>
             <a:fld id="{CD179989-2F28-4935-9FD0-F71FBA1F1C24}" type="slidenum">
               <a:rPr lang="pt-BR" smtClean="0"/>
+              <a:t>‹nº›</a:t>
             </a:fld>
             <a:endParaRPr lang="pt-BR"/>
           </a:p>
@@ -326,10 +860,9 @@
           <a:lstStyle/>
           <a:p>
             <a:r>
-              <a:rPr lang="pt-BR" smtClean="0"/>
+              <a:rPr lang="pt-BR"/>
               <a:t>Clique para editar o título mestre</a:t>
             </a:r>
-            <a:endParaRPr lang="pt-BR"/>
           </a:p>
         </p:txBody>
       </p:sp>
@@ -350,42 +883,37 @@
           <a:p>
             <a:pPr lvl="0"/>
             <a:r>
-              <a:rPr lang="pt-BR" smtClean="0"/>
+              <a:rPr lang="pt-BR"/>
               <a:t>Editar estilos de texto Mestre</a:t>
             </a:r>
-            <a:endParaRPr lang="pt-BR" smtClean="0"/>
           </a:p>
           <a:p>
             <a:pPr lvl="1"/>
             <a:r>
-              <a:rPr lang="pt-BR" smtClean="0"/>
+              <a:rPr lang="pt-BR"/>
               <a:t>Segundo nível</a:t>
             </a:r>
-            <a:endParaRPr lang="pt-BR" smtClean="0"/>
           </a:p>
           <a:p>
             <a:pPr lvl="2"/>
             <a:r>
-              <a:rPr lang="pt-BR" smtClean="0"/>
+              <a:rPr lang="pt-BR"/>
               <a:t>Terceiro nível</a:t>
             </a:r>
-            <a:endParaRPr lang="pt-BR" smtClean="0"/>
           </a:p>
           <a:p>
             <a:pPr lvl="3"/>
             <a:r>
-              <a:rPr lang="pt-BR" smtClean="0"/>
+              <a:rPr lang="pt-BR"/>
               <a:t>Quarto nível</a:t>
             </a:r>
-            <a:endParaRPr lang="pt-BR" smtClean="0"/>
           </a:p>
           <a:p>
             <a:pPr lvl="4"/>
             <a:r>
-              <a:rPr lang="pt-BR" smtClean="0"/>
+              <a:rPr lang="pt-BR"/>
               <a:t>Quinto nível</a:t>
             </a:r>
-            <a:endParaRPr lang="pt-BR"/>
           </a:p>
         </p:txBody>
       </p:sp>
@@ -406,6 +934,7 @@
           <a:p>
             <a:fld id="{F3A711B5-2115-45C1-8945-4CD8CCC3DB36}" type="datetimeFigureOut">
               <a:rPr lang="pt-BR" smtClean="0"/>
+              <a:t>05/07/2024</a:t>
             </a:fld>
             <a:endParaRPr lang="pt-BR"/>
           </a:p>
@@ -447,6 +976,7 @@
           <a:p>
             <a:fld id="{CD179989-2F28-4935-9FD0-F71FBA1F1C24}" type="slidenum">
               <a:rPr lang="pt-BR" smtClean="0"/>
+              <a:t>‹nº›</a:t>
             </a:fld>
             <a:endParaRPr lang="pt-BR"/>
           </a:p>
@@ -498,10 +1028,9 @@
           <a:lstStyle/>
           <a:p>
             <a:r>
-              <a:rPr lang="pt-BR" smtClean="0"/>
+              <a:rPr lang="pt-BR"/>
               <a:t>Clique para editar o título mestre</a:t>
             </a:r>
-            <a:endParaRPr lang="pt-BR"/>
           </a:p>
         </p:txBody>
       </p:sp>
@@ -527,42 +1056,37 @@
           <a:p>
             <a:pPr lvl="0"/>
             <a:r>
-              <a:rPr lang="pt-BR" smtClean="0"/>
+              <a:rPr lang="pt-BR"/>
               <a:t>Editar estilos de texto Mestre</a:t>
             </a:r>
-            <a:endParaRPr lang="pt-BR" smtClean="0"/>
           </a:p>
           <a:p>
             <a:pPr lvl="1"/>
             <a:r>
-              <a:rPr lang="pt-BR" smtClean="0"/>
+              <a:rPr lang="pt-BR"/>
               <a:t>Segundo nível</a:t>
             </a:r>
-            <a:endParaRPr lang="pt-BR" smtClean="0"/>
           </a:p>
           <a:p>
             <a:pPr lvl="2"/>
             <a:r>
-              <a:rPr lang="pt-BR" smtClean="0"/>
+              <a:rPr lang="pt-BR"/>
               <a:t>Terceiro nível</a:t>
             </a:r>
-            <a:endParaRPr lang="pt-BR" smtClean="0"/>
           </a:p>
           <a:p>
             <a:pPr lvl="3"/>
             <a:r>
-              <a:rPr lang="pt-BR" smtClean="0"/>
+              <a:rPr lang="pt-BR"/>
               <a:t>Quarto nível</a:t>
             </a:r>
-            <a:endParaRPr lang="pt-BR" smtClean="0"/>
           </a:p>
           <a:p>
             <a:pPr lvl="4"/>
             <a:r>
-              <a:rPr lang="pt-BR" smtClean="0"/>
+              <a:rPr lang="pt-BR"/>
               <a:t>Quinto nível</a:t>
             </a:r>
-            <a:endParaRPr lang="pt-BR"/>
           </a:p>
         </p:txBody>
       </p:sp>
@@ -583,6 +1107,7 @@
           <a:p>
             <a:fld id="{F3A711B5-2115-45C1-8945-4CD8CCC3DB36}" type="datetimeFigureOut">
               <a:rPr lang="pt-BR" smtClean="0"/>
+              <a:t>05/07/2024</a:t>
             </a:fld>
             <a:endParaRPr lang="pt-BR"/>
           </a:p>
@@ -624,6 +1149,7 @@
           <a:p>
             <a:fld id="{CD179989-2F28-4935-9FD0-F71FBA1F1C24}" type="slidenum">
               <a:rPr lang="pt-BR" smtClean="0"/>
+              <a:t>‹nº›</a:t>
             </a:fld>
             <a:endParaRPr lang="pt-BR"/>
           </a:p>
@@ -670,10 +1196,9 @@
           <a:lstStyle/>
           <a:p>
             <a:r>
-              <a:rPr lang="pt-BR" smtClean="0"/>
+              <a:rPr lang="pt-BR"/>
               <a:t>Clique para editar o título mestre</a:t>
             </a:r>
-            <a:endParaRPr lang="pt-BR"/>
           </a:p>
         </p:txBody>
       </p:sp>
@@ -694,42 +1219,37 @@
           <a:p>
             <a:pPr lvl="0"/>
             <a:r>
-              <a:rPr lang="pt-BR" smtClean="0"/>
+              <a:rPr lang="pt-BR"/>
               <a:t>Editar estilos de texto Mestre</a:t>
             </a:r>
-            <a:endParaRPr lang="pt-BR" smtClean="0"/>
           </a:p>
           <a:p>
             <a:pPr lvl="1"/>
             <a:r>
-              <a:rPr lang="pt-BR" smtClean="0"/>
+              <a:rPr lang="pt-BR"/>
               <a:t>Segundo nível</a:t>
             </a:r>
-            <a:endParaRPr lang="pt-BR" smtClean="0"/>
           </a:p>
           <a:p>
             <a:pPr lvl="2"/>
             <a:r>
-              <a:rPr lang="pt-BR" smtClean="0"/>
+              <a:rPr lang="pt-BR"/>
               <a:t>Terceiro nível</a:t>
             </a:r>
-            <a:endParaRPr lang="pt-BR" smtClean="0"/>
           </a:p>
           <a:p>
             <a:pPr lvl="3"/>
             <a:r>
-              <a:rPr lang="pt-BR" smtClean="0"/>
+              <a:rPr lang="pt-BR"/>
               <a:t>Quarto nível</a:t>
             </a:r>
-            <a:endParaRPr lang="pt-BR" smtClean="0"/>
           </a:p>
           <a:p>
             <a:pPr lvl="4"/>
             <a:r>
-              <a:rPr lang="pt-BR" smtClean="0"/>
+              <a:rPr lang="pt-BR"/>
               <a:t>Quinto nível</a:t>
             </a:r>
-            <a:endParaRPr lang="pt-BR"/>
           </a:p>
         </p:txBody>
       </p:sp>
@@ -750,6 +1270,7 @@
           <a:p>
             <a:fld id="{F3A711B5-2115-45C1-8945-4CD8CCC3DB36}" type="datetimeFigureOut">
               <a:rPr lang="pt-BR" smtClean="0"/>
+              <a:t>05/07/2024</a:t>
             </a:fld>
             <a:endParaRPr lang="pt-BR"/>
           </a:p>
@@ -791,6 +1312,7 @@
           <a:p>
             <a:fld id="{CD179989-2F28-4935-9FD0-F71FBA1F1C24}" type="slidenum">
               <a:rPr lang="pt-BR" smtClean="0"/>
+              <a:t>‹nº›</a:t>
             </a:fld>
             <a:endParaRPr lang="pt-BR"/>
           </a:p>
@@ -846,10 +1368,9 @@
           </a:lstStyle>
           <a:p>
             <a:r>
-              <a:rPr lang="pt-BR" smtClean="0"/>
+              <a:rPr lang="pt-BR"/>
               <a:t>Clique para editar o título mestre</a:t>
             </a:r>
-            <a:endParaRPr lang="pt-BR"/>
           </a:p>
         </p:txBody>
       </p:sp>
@@ -966,10 +1487,9 @@
           <a:p>
             <a:pPr lvl="0"/>
             <a:r>
-              <a:rPr lang="pt-BR" smtClean="0"/>
+              <a:rPr lang="pt-BR"/>
               <a:t>Editar estilos de texto Mestre</a:t>
             </a:r>
-            <a:endParaRPr lang="pt-BR" smtClean="0"/>
           </a:p>
         </p:txBody>
       </p:sp>
@@ -990,6 +1510,7 @@
           <a:p>
             <a:fld id="{F3A711B5-2115-45C1-8945-4CD8CCC3DB36}" type="datetimeFigureOut">
               <a:rPr lang="pt-BR" smtClean="0"/>
+              <a:t>05/07/2024</a:t>
             </a:fld>
             <a:endParaRPr lang="pt-BR"/>
           </a:p>
@@ -1031,6 +1552,7 @@
           <a:p>
             <a:fld id="{CD179989-2F28-4935-9FD0-F71FBA1F1C24}" type="slidenum">
               <a:rPr lang="pt-BR" smtClean="0"/>
+              <a:t>‹nº›</a:t>
             </a:fld>
             <a:endParaRPr lang="pt-BR"/>
           </a:p>
@@ -1077,10 +1599,9 @@
           <a:lstStyle/>
           <a:p>
             <a:r>
-              <a:rPr lang="pt-BR" smtClean="0"/>
+              <a:rPr lang="pt-BR"/>
               <a:t>Clique para editar o título mestre</a:t>
             </a:r>
-            <a:endParaRPr lang="pt-BR"/>
           </a:p>
         </p:txBody>
       </p:sp>
@@ -1106,42 +1627,37 @@
           <a:p>
             <a:pPr lvl="0"/>
             <a:r>
-              <a:rPr lang="pt-BR" smtClean="0"/>
+              <a:rPr lang="pt-BR"/>
               <a:t>Editar estilos de texto Mestre</a:t>
             </a:r>
-            <a:endParaRPr lang="pt-BR" smtClean="0"/>
           </a:p>
           <a:p>
             <a:pPr lvl="1"/>
             <a:r>
-              <a:rPr lang="pt-BR" smtClean="0"/>
+              <a:rPr lang="pt-BR"/>
               <a:t>Segundo nível</a:t>
             </a:r>
-            <a:endParaRPr lang="pt-BR" smtClean="0"/>
           </a:p>
           <a:p>
             <a:pPr lvl="2"/>
             <a:r>
-              <a:rPr lang="pt-BR" smtClean="0"/>
+              <a:rPr lang="pt-BR"/>
               <a:t>Terceiro nível</a:t>
             </a:r>
-            <a:endParaRPr lang="pt-BR" smtClean="0"/>
           </a:p>
           <a:p>
             <a:pPr lvl="3"/>
             <a:r>
-              <a:rPr lang="pt-BR" smtClean="0"/>
+              <a:rPr lang="pt-BR"/>
               <a:t>Quarto nível</a:t>
             </a:r>
-            <a:endParaRPr lang="pt-BR" smtClean="0"/>
           </a:p>
           <a:p>
             <a:pPr lvl="4"/>
             <a:r>
-              <a:rPr lang="pt-BR" smtClean="0"/>
+              <a:rPr lang="pt-BR"/>
               <a:t>Quinto nível</a:t>
             </a:r>
-            <a:endParaRPr lang="pt-BR"/>
           </a:p>
         </p:txBody>
       </p:sp>
@@ -1167,42 +1683,37 @@
           <a:p>
             <a:pPr lvl="0"/>
             <a:r>
-              <a:rPr lang="pt-BR" smtClean="0"/>
+              <a:rPr lang="pt-BR"/>
               <a:t>Editar estilos de texto Mestre</a:t>
             </a:r>
-            <a:endParaRPr lang="pt-BR" smtClean="0"/>
           </a:p>
           <a:p>
             <a:pPr lvl="1"/>
             <a:r>
-              <a:rPr lang="pt-BR" smtClean="0"/>
+              <a:rPr lang="pt-BR"/>
               <a:t>Segundo nível</a:t>
             </a:r>
-            <a:endParaRPr lang="pt-BR" smtClean="0"/>
           </a:p>
           <a:p>
             <a:pPr lvl="2"/>
             <a:r>
-              <a:rPr lang="pt-BR" smtClean="0"/>
+              <a:rPr lang="pt-BR"/>
               <a:t>Terceiro nível</a:t>
             </a:r>
-            <a:endParaRPr lang="pt-BR" smtClean="0"/>
           </a:p>
           <a:p>
             <a:pPr lvl="3"/>
             <a:r>
-              <a:rPr lang="pt-BR" smtClean="0"/>
+              <a:rPr lang="pt-BR"/>
               <a:t>Quarto nível</a:t>
             </a:r>
-            <a:endParaRPr lang="pt-BR" smtClean="0"/>
           </a:p>
           <a:p>
             <a:pPr lvl="4"/>
             <a:r>
-              <a:rPr lang="pt-BR" smtClean="0"/>
+              <a:rPr lang="pt-BR"/>
               <a:t>Quinto nível</a:t>
             </a:r>
-            <a:endParaRPr lang="pt-BR"/>
           </a:p>
         </p:txBody>
       </p:sp>
@@ -1223,6 +1734,7 @@
           <a:p>
             <a:fld id="{F3A711B5-2115-45C1-8945-4CD8CCC3DB36}" type="datetimeFigureOut">
               <a:rPr lang="pt-BR" smtClean="0"/>
+              <a:t>05/07/2024</a:t>
             </a:fld>
             <a:endParaRPr lang="pt-BR"/>
           </a:p>
@@ -1264,6 +1776,7 @@
           <a:p>
             <a:fld id="{CD179989-2F28-4935-9FD0-F71FBA1F1C24}" type="slidenum">
               <a:rPr lang="pt-BR" smtClean="0"/>
+              <a:t>‹nº›</a:t>
             </a:fld>
             <a:endParaRPr lang="pt-BR"/>
           </a:p>
@@ -1315,10 +1828,9 @@
           <a:lstStyle/>
           <a:p>
             <a:r>
-              <a:rPr lang="pt-BR" smtClean="0"/>
+              <a:rPr lang="pt-BR"/>
               <a:t>Clique para editar o título mestre</a:t>
             </a:r>
-            <a:endParaRPr lang="pt-BR"/>
           </a:p>
         </p:txBody>
       </p:sp>
@@ -1381,10 +1893,9 @@
           <a:p>
             <a:pPr lvl="0"/>
             <a:r>
-              <a:rPr lang="pt-BR" smtClean="0"/>
+              <a:rPr lang="pt-BR"/>
               <a:t>Editar estilos de texto Mestre</a:t>
             </a:r>
-            <a:endParaRPr lang="pt-BR" smtClean="0"/>
           </a:p>
         </p:txBody>
       </p:sp>
@@ -1410,42 +1921,37 @@
           <a:p>
             <a:pPr lvl="0"/>
             <a:r>
-              <a:rPr lang="pt-BR" smtClean="0"/>
+              <a:rPr lang="pt-BR"/>
               <a:t>Editar estilos de texto Mestre</a:t>
             </a:r>
-            <a:endParaRPr lang="pt-BR" smtClean="0"/>
           </a:p>
           <a:p>
             <a:pPr lvl="1"/>
             <a:r>
-              <a:rPr lang="pt-BR" smtClean="0"/>
+              <a:rPr lang="pt-BR"/>
               <a:t>Segundo nível</a:t>
             </a:r>
-            <a:endParaRPr lang="pt-BR" smtClean="0"/>
           </a:p>
           <a:p>
             <a:pPr lvl="2"/>
             <a:r>
-              <a:rPr lang="pt-BR" smtClean="0"/>
+              <a:rPr lang="pt-BR"/>
               <a:t>Terceiro nível</a:t>
             </a:r>
-            <a:endParaRPr lang="pt-BR" smtClean="0"/>
           </a:p>
           <a:p>
             <a:pPr lvl="3"/>
             <a:r>
-              <a:rPr lang="pt-BR" smtClean="0"/>
+              <a:rPr lang="pt-BR"/>
               <a:t>Quarto nível</a:t>
             </a:r>
-            <a:endParaRPr lang="pt-BR" smtClean="0"/>
           </a:p>
           <a:p>
             <a:pPr lvl="4"/>
             <a:r>
-              <a:rPr lang="pt-BR" smtClean="0"/>
+              <a:rPr lang="pt-BR"/>
               <a:t>Quinto nível</a:t>
             </a:r>
-            <a:endParaRPr lang="pt-BR"/>
           </a:p>
         </p:txBody>
       </p:sp>
@@ -1508,10 +2014,9 @@
           <a:p>
             <a:pPr lvl="0"/>
             <a:r>
-              <a:rPr lang="pt-BR" smtClean="0"/>
+              <a:rPr lang="pt-BR"/>
               <a:t>Editar estilos de texto Mestre</a:t>
             </a:r>
-            <a:endParaRPr lang="pt-BR" smtClean="0"/>
           </a:p>
         </p:txBody>
       </p:sp>
@@ -1537,42 +2042,37 @@
           <a:p>
             <a:pPr lvl="0"/>
             <a:r>
-              <a:rPr lang="pt-BR" smtClean="0"/>
+              <a:rPr lang="pt-BR"/>
               <a:t>Editar estilos de texto Mestre</a:t>
             </a:r>
-            <a:endParaRPr lang="pt-BR" smtClean="0"/>
           </a:p>
           <a:p>
             <a:pPr lvl="1"/>
             <a:r>
-              <a:rPr lang="pt-BR" smtClean="0"/>
+              <a:rPr lang="pt-BR"/>
               <a:t>Segundo nível</a:t>
             </a:r>
-            <a:endParaRPr lang="pt-BR" smtClean="0"/>
           </a:p>
           <a:p>
             <a:pPr lvl="2"/>
             <a:r>
-              <a:rPr lang="pt-BR" smtClean="0"/>
+              <a:rPr lang="pt-BR"/>
               <a:t>Terceiro nível</a:t>
             </a:r>
-            <a:endParaRPr lang="pt-BR" smtClean="0"/>
           </a:p>
           <a:p>
             <a:pPr lvl="3"/>
             <a:r>
-              <a:rPr lang="pt-BR" smtClean="0"/>
+              <a:rPr lang="pt-BR"/>
               <a:t>Quarto nível</a:t>
             </a:r>
-            <a:endParaRPr lang="pt-BR" smtClean="0"/>
           </a:p>
           <a:p>
             <a:pPr lvl="4"/>
             <a:r>
-              <a:rPr lang="pt-BR" smtClean="0"/>
+              <a:rPr lang="pt-BR"/>
               <a:t>Quinto nível</a:t>
             </a:r>
-            <a:endParaRPr lang="pt-BR"/>
           </a:p>
         </p:txBody>
       </p:sp>
@@ -1593,6 +2093,7 @@
           <a:p>
             <a:fld id="{F3A711B5-2115-45C1-8945-4CD8CCC3DB36}" type="datetimeFigureOut">
               <a:rPr lang="pt-BR" smtClean="0"/>
+              <a:t>05/07/2024</a:t>
             </a:fld>
             <a:endParaRPr lang="pt-BR"/>
           </a:p>
@@ -1634,6 +2135,7 @@
           <a:p>
             <a:fld id="{CD179989-2F28-4935-9FD0-F71FBA1F1C24}" type="slidenum">
               <a:rPr lang="pt-BR" smtClean="0"/>
+              <a:t>‹nº›</a:t>
             </a:fld>
             <a:endParaRPr lang="pt-BR"/>
           </a:p>
@@ -1680,10 +2182,9 @@
           <a:lstStyle/>
           <a:p>
             <a:r>
-              <a:rPr lang="pt-BR" smtClean="0"/>
+              <a:rPr lang="pt-BR"/>
               <a:t>Clique para editar o título mestre</a:t>
             </a:r>
-            <a:endParaRPr lang="pt-BR"/>
           </a:p>
         </p:txBody>
       </p:sp>
@@ -1704,6 +2205,7 @@
           <a:p>
             <a:fld id="{F3A711B5-2115-45C1-8945-4CD8CCC3DB36}" type="datetimeFigureOut">
               <a:rPr lang="pt-BR" smtClean="0"/>
+              <a:t>05/07/2024</a:t>
             </a:fld>
             <a:endParaRPr lang="pt-BR"/>
           </a:p>
@@ -1745,6 +2247,7 @@
           <a:p>
             <a:fld id="{CD179989-2F28-4935-9FD0-F71FBA1F1C24}" type="slidenum">
               <a:rPr lang="pt-BR" smtClean="0"/>
+              <a:t>‹nº›</a:t>
             </a:fld>
             <a:endParaRPr lang="pt-BR"/>
           </a:p>
@@ -1792,6 +2295,7 @@
           <a:p>
             <a:fld id="{F3A711B5-2115-45C1-8945-4CD8CCC3DB36}" type="datetimeFigureOut">
               <a:rPr lang="pt-BR" smtClean="0"/>
+              <a:t>05/07/2024</a:t>
             </a:fld>
             <a:endParaRPr lang="pt-BR"/>
           </a:p>
@@ -1833,6 +2337,7 @@
           <a:p>
             <a:fld id="{CD179989-2F28-4935-9FD0-F71FBA1F1C24}" type="slidenum">
               <a:rPr lang="pt-BR" smtClean="0"/>
+              <a:t>‹nº›</a:t>
             </a:fld>
             <a:endParaRPr lang="pt-BR"/>
           </a:p>
@@ -1888,10 +2393,9 @@
           </a:lstStyle>
           <a:p>
             <a:r>
-              <a:rPr lang="pt-BR" smtClean="0"/>
+              <a:rPr lang="pt-BR"/>
               <a:t>Clique para editar o título mestre</a:t>
             </a:r>
-            <a:endParaRPr lang="pt-BR"/>
           </a:p>
         </p:txBody>
       </p:sp>
@@ -1945,42 +2449,37 @@
           <a:p>
             <a:pPr lvl="0"/>
             <a:r>
-              <a:rPr lang="pt-BR" smtClean="0"/>
+              <a:rPr lang="pt-BR"/>
               <a:t>Editar estilos de texto Mestre</a:t>
             </a:r>
-            <a:endParaRPr lang="pt-BR" smtClean="0"/>
           </a:p>
           <a:p>
             <a:pPr lvl="1"/>
             <a:r>
-              <a:rPr lang="pt-BR" smtClean="0"/>
+              <a:rPr lang="pt-BR"/>
               <a:t>Segundo nível</a:t>
             </a:r>
-            <a:endParaRPr lang="pt-BR" smtClean="0"/>
           </a:p>
           <a:p>
             <a:pPr lvl="2"/>
             <a:r>
-              <a:rPr lang="pt-BR" smtClean="0"/>
+              <a:rPr lang="pt-BR"/>
               <a:t>Terceiro nível</a:t>
             </a:r>
-            <a:endParaRPr lang="pt-BR" smtClean="0"/>
           </a:p>
           <a:p>
             <a:pPr lvl="3"/>
             <a:r>
-              <a:rPr lang="pt-BR" smtClean="0"/>
+              <a:rPr lang="pt-BR"/>
               <a:t>Quarto nível</a:t>
             </a:r>
-            <a:endParaRPr lang="pt-BR" smtClean="0"/>
           </a:p>
           <a:p>
             <a:pPr lvl="4"/>
             <a:r>
-              <a:rPr lang="pt-BR" smtClean="0"/>
+              <a:rPr lang="pt-BR"/>
               <a:t>Quinto nível</a:t>
             </a:r>
-            <a:endParaRPr lang="pt-BR"/>
           </a:p>
         </p:txBody>
       </p:sp>
@@ -2043,10 +2542,9 @@
           <a:p>
             <a:pPr lvl="0"/>
             <a:r>
-              <a:rPr lang="pt-BR" smtClean="0"/>
+              <a:rPr lang="pt-BR"/>
               <a:t>Editar estilos de texto Mestre</a:t>
             </a:r>
-            <a:endParaRPr lang="pt-BR" smtClean="0"/>
           </a:p>
         </p:txBody>
       </p:sp>
@@ -2067,6 +2565,7 @@
           <a:p>
             <a:fld id="{F3A711B5-2115-45C1-8945-4CD8CCC3DB36}" type="datetimeFigureOut">
               <a:rPr lang="pt-BR" smtClean="0"/>
+              <a:t>05/07/2024</a:t>
             </a:fld>
             <a:endParaRPr lang="pt-BR"/>
           </a:p>
@@ -2108,6 +2607,7 @@
           <a:p>
             <a:fld id="{CD179989-2F28-4935-9FD0-F71FBA1F1C24}" type="slidenum">
               <a:rPr lang="pt-BR" smtClean="0"/>
+              <a:t>‹nº›</a:t>
             </a:fld>
             <a:endParaRPr lang="pt-BR"/>
           </a:p>
@@ -2163,10 +2663,9 @@
           </a:lstStyle>
           <a:p>
             <a:r>
-              <a:rPr lang="pt-BR" smtClean="0"/>
+              <a:rPr lang="pt-BR"/>
               <a:t>Clique para editar o título mestre</a:t>
             </a:r>
-            <a:endParaRPr lang="pt-BR"/>
           </a:p>
         </p:txBody>
       </p:sp>
@@ -2290,10 +2789,9 @@
           <a:p>
             <a:pPr lvl="0"/>
             <a:r>
-              <a:rPr lang="pt-BR" smtClean="0"/>
+              <a:rPr lang="pt-BR"/>
               <a:t>Editar estilos de texto Mestre</a:t>
             </a:r>
-            <a:endParaRPr lang="pt-BR" smtClean="0"/>
           </a:p>
         </p:txBody>
       </p:sp>
@@ -2314,6 +2812,7 @@
           <a:p>
             <a:fld id="{F3A711B5-2115-45C1-8945-4CD8CCC3DB36}" type="datetimeFigureOut">
               <a:rPr lang="pt-BR" smtClean="0"/>
+              <a:t>05/07/2024</a:t>
             </a:fld>
             <a:endParaRPr lang="pt-BR"/>
           </a:p>
@@ -2355,6 +2854,7 @@
           <a:p>
             <a:fld id="{CD179989-2F28-4935-9FD0-F71FBA1F1C24}" type="slidenum">
               <a:rPr lang="pt-BR" smtClean="0"/>
+              <a:t>‹nº›</a:t>
             </a:fld>
             <a:endParaRPr lang="pt-BR"/>
           </a:p>
@@ -2416,10 +2916,9 @@
           <a:lstStyle/>
           <a:p>
             <a:r>
-              <a:rPr lang="pt-BR" smtClean="0"/>
+              <a:rPr lang="pt-BR"/>
               <a:t>Clique para editar o título mestre</a:t>
             </a:r>
-            <a:endParaRPr lang="pt-BR"/>
           </a:p>
         </p:txBody>
       </p:sp>
@@ -2450,42 +2949,37 @@
           <a:p>
             <a:pPr lvl="0"/>
             <a:r>
-              <a:rPr lang="pt-BR" smtClean="0"/>
+              <a:rPr lang="pt-BR"/>
               <a:t>Editar estilos de texto Mestre</a:t>
             </a:r>
-            <a:endParaRPr lang="pt-BR" smtClean="0"/>
           </a:p>
           <a:p>
             <a:pPr lvl="1"/>
             <a:r>
-              <a:rPr lang="pt-BR" smtClean="0"/>
+              <a:rPr lang="pt-BR"/>
               <a:t>Segundo nível</a:t>
             </a:r>
-            <a:endParaRPr lang="pt-BR" smtClean="0"/>
           </a:p>
           <a:p>
             <a:pPr lvl="2"/>
             <a:r>
-              <a:rPr lang="pt-BR" smtClean="0"/>
+              <a:rPr lang="pt-BR"/>
               <a:t>Terceiro nível</a:t>
             </a:r>
-            <a:endParaRPr lang="pt-BR" smtClean="0"/>
           </a:p>
           <a:p>
             <a:pPr lvl="3"/>
             <a:r>
-              <a:rPr lang="pt-BR" smtClean="0"/>
+              <a:rPr lang="pt-BR"/>
               <a:t>Quarto nível</a:t>
             </a:r>
-            <a:endParaRPr lang="pt-BR" smtClean="0"/>
           </a:p>
           <a:p>
             <a:pPr lvl="4"/>
             <a:r>
-              <a:rPr lang="pt-BR" smtClean="0"/>
+              <a:rPr lang="pt-BR"/>
               <a:t>Quinto nível</a:t>
             </a:r>
-            <a:endParaRPr lang="pt-BR"/>
           </a:p>
         </p:txBody>
       </p:sp>
@@ -2524,6 +3018,7 @@
           <a:p>
             <a:fld id="{F3A711B5-2115-45C1-8945-4CD8CCC3DB36}" type="datetimeFigureOut">
               <a:rPr lang="pt-BR" smtClean="0"/>
+              <a:t>05/07/2024</a:t>
             </a:fld>
             <a:endParaRPr lang="pt-BR"/>
           </a:p>
@@ -2601,6 +3096,7 @@
           <a:p>
             <a:fld id="{CD179989-2F28-4935-9FD0-F71FBA1F1C24}" type="slidenum">
               <a:rPr lang="pt-BR" smtClean="0"/>
+              <a:t>‹nº›</a:t>
             </a:fld>
             <a:endParaRPr lang="pt-BR"/>
           </a:p>
@@ -2955,6 +3451,7 @@
         </p:style>
         <p:txBody>
           <a:bodyPr rtlCol="0" anchor="ctr"/>
+          <a:lstStyle/>
           <a:p>
             <a:pPr algn="ctr"/>
             <a:endParaRPr lang="pt-BR" altLang="en-US"/>
@@ -2994,6 +3491,7 @@
         </p:style>
         <p:txBody>
           <a:bodyPr rtlCol="0" anchor="ctr"/>
+          <a:lstStyle/>
           <a:p>
             <a:pPr algn="ctr"/>
             <a:endParaRPr lang="pt-BR" altLang="en-US"/>
@@ -3033,6 +3531,7 @@
         </p:style>
         <p:txBody>
           <a:bodyPr rtlCol="0" anchor="ctr"/>
+          <a:lstStyle/>
           <a:p>
             <a:pPr algn="ctr"/>
             <a:endParaRPr lang="pt-BR" altLang="en-US"/>
@@ -3059,13 +3558,13 @@
           <a:bodyPr wrap="square" rtlCol="0">
             <a:spAutoFit/>
           </a:bodyPr>
+          <a:lstStyle/>
           <a:p>
             <a:pPr algn="ctr"/>
             <a:r>
               <a:rPr lang="pt-BR" altLang="en-US"/>
               <a:t>pc_trabalho</a:t>
             </a:r>
-            <a:endParaRPr lang="pt-BR" altLang="en-US"/>
           </a:p>
         </p:txBody>
       </p:sp>
@@ -3089,13 +3588,13 @@
           <a:bodyPr wrap="square" rtlCol="0">
             <a:spAutoFit/>
           </a:bodyPr>
+          <a:lstStyle/>
           <a:p>
             <a:pPr algn="ctr"/>
             <a:r>
               <a:rPr lang="pt-BR" altLang="en-US"/>
               <a:t>aplicativo</a:t>
             </a:r>
-            <a:endParaRPr lang="pt-BR" altLang="en-US"/>
           </a:p>
         </p:txBody>
       </p:sp>
@@ -3251,12 +3750,12 @@
           <a:bodyPr wrap="square" rtlCol="0">
             <a:spAutoFit/>
           </a:bodyPr>
+          <a:lstStyle/>
           <a:p>
             <a:r>
               <a:rPr lang="pt-BR" altLang="en-US"/>
               <a:t>meuponto:</a:t>
             </a:r>
-            <a:endParaRPr lang="pt-BR" altLang="en-US"/>
           </a:p>
           <a:p>
             <a:endParaRPr lang="pt-BR" altLang="en-US"/>
@@ -3266,7 +3765,6 @@
               <a:rPr lang="pt-BR" altLang="en-US"/>
               <a:t>id , status , hora1 ,hora2,hora3,hora4 datetime</a:t>
             </a:r>
-            <a:endParaRPr lang="pt-BR" altLang="en-US"/>
           </a:p>
         </p:txBody>
       </p:sp>
@@ -3290,33 +3788,30 @@
           <a:bodyPr wrap="square" rtlCol="0" anchor="t">
             <a:spAutoFit/>
           </a:bodyPr>
+          <a:lstStyle/>
           <a:p>
             <a:r>
               <a:rPr lang="pt-BR" altLang="en-US"/>
               <a:t>aplicativo</a:t>
             </a:r>
-            <a:endParaRPr lang="pt-BR" altLang="en-US"/>
           </a:p>
           <a:p>
             <a:r>
               <a:rPr lang="pt-BR" altLang="en-US"/>
               <a:t>get: api/app/cancel</a:t>
             </a:r>
-            <a:endParaRPr lang="pt-BR" altLang="en-US"/>
           </a:p>
           <a:p>
             <a:r>
               <a:rPr lang="pt-BR" altLang="en-US"/>
               <a:t>post: api/app/change</a:t>
             </a:r>
-            <a:endParaRPr lang="pt-BR" altLang="en-US"/>
           </a:p>
           <a:p>
             <a:r>
               <a:rPr lang="pt-BR" altLang="en-US"/>
               <a:t>post: api/app/disableall</a:t>
             </a:r>
-            <a:endParaRPr lang="pt-BR" altLang="en-US"/>
           </a:p>
           <a:p>
             <a:endParaRPr lang="pt-BR" altLang="en-US"/>
@@ -3326,14 +3821,12 @@
               <a:rPr lang="pt-BR" altLang="en-US"/>
               <a:t>computador</a:t>
             </a:r>
-            <a:endParaRPr lang="pt-BR" altLang="en-US"/>
           </a:p>
           <a:p>
             <a:r>
               <a:rPr lang="pt-BR" altLang="en-US"/>
               <a:t>get: api/pc/getinformation</a:t>
             </a:r>
-            <a:endParaRPr lang="pt-BR" altLang="en-US"/>
           </a:p>
         </p:txBody>
       </p:sp>
@@ -3357,19 +3850,18 @@
           <a:bodyPr wrap="square" rtlCol="0">
             <a:spAutoFit/>
           </a:bodyPr>
+          <a:lstStyle/>
           <a:p>
             <a:r>
               <a:rPr lang="pt-BR" altLang="en-US"/>
               <a:t>oquefazer</a:t>
             </a:r>
-            <a:endParaRPr lang="pt-BR" altLang="en-US"/>
           </a:p>
           <a:p>
             <a:r>
               <a:rPr lang="pt-BR" altLang="en-US"/>
               <a:t>id,status,changed,datetime</a:t>
             </a:r>
-            <a:endParaRPr lang="pt-BR" altLang="en-US"/>
           </a:p>
         </p:txBody>
       </p:sp>
@@ -3390,8 +3882,3305 @@
         <p:cNvGrpSpPr/>
         <p:nvPr/>
       </p:nvGrpSpPr>
-      <p:grpSpPr/>
+      <p:grpSpPr>
+        <a:xfrm>
+          <a:off x="0" y="0"/>
+          <a:ext cx="0" cy="0"/>
+          <a:chOff x="0" y="0"/>
+          <a:chExt cx="0" cy="0"/>
+        </a:xfrm>
+      </p:grpSpPr>
+      <p:sp>
+        <p:nvSpPr>
+          <p:cNvPr id="2" name="CaixaDeTexto 1">
+            <a:extLst>
+              <a:ext uri="{FF2B5EF4-FFF2-40B4-BE49-F238E27FC236}">
+                <a16:creationId xmlns:a16="http://schemas.microsoft.com/office/drawing/2014/main" id="{28529E03-3BE1-A8EC-0A0E-519A2ED49ADC}"/>
+              </a:ext>
+            </a:extLst>
+          </p:cNvPr>
+          <p:cNvSpPr txBox="1"/>
+          <p:nvPr/>
+        </p:nvSpPr>
+        <p:spPr>
+          <a:xfrm>
+            <a:off x="2307772" y="333704"/>
+            <a:ext cx="6673932" cy="369332"/>
+          </a:xfrm>
+          <a:prstGeom prst="rect">
+            <a:avLst/>
+          </a:prstGeom>
+          <a:noFill/>
+        </p:spPr>
+        <p:txBody>
+          <a:bodyPr wrap="square" rtlCol="0">
+            <a:spAutoFit/>
+          </a:bodyPr>
+          <a:lstStyle/>
+          <a:p>
+            <a:pPr algn="ctr"/>
+            <a:r>
+              <a:rPr lang="pt-BR" dirty="0"/>
+              <a:t>Meu app</a:t>
+            </a:r>
+          </a:p>
+        </p:txBody>
+      </p:sp>
+      <p:sp>
+        <p:nvSpPr>
+          <p:cNvPr id="3" name="Retângulo 2">
+            <a:extLst>
+              <a:ext uri="{FF2B5EF4-FFF2-40B4-BE49-F238E27FC236}">
+                <a16:creationId xmlns:a16="http://schemas.microsoft.com/office/drawing/2014/main" id="{4035AF53-895F-33C7-BF36-B85AF83B02EE}"/>
+              </a:ext>
+            </a:extLst>
+          </p:cNvPr>
+          <p:cNvSpPr/>
+          <p:nvPr/>
+        </p:nvSpPr>
+        <p:spPr>
+          <a:xfrm>
+            <a:off x="754083" y="1341912"/>
+            <a:ext cx="3028208" cy="5153891"/>
+          </a:xfrm>
+          <a:prstGeom prst="rect">
+            <a:avLst/>
+          </a:prstGeom>
+        </p:spPr>
+        <p:style>
+          <a:lnRef idx="2">
+            <a:schemeClr val="accent1">
+              <a:shade val="15000"/>
+            </a:schemeClr>
+          </a:lnRef>
+          <a:fillRef idx="1">
+            <a:schemeClr val="accent1"/>
+          </a:fillRef>
+          <a:effectRef idx="0">
+            <a:schemeClr val="accent1"/>
+          </a:effectRef>
+          <a:fontRef idx="minor">
+            <a:schemeClr val="lt1"/>
+          </a:fontRef>
+        </p:style>
+        <p:txBody>
+          <a:bodyPr rtlCol="0" anchor="ctr"/>
+          <a:lstStyle/>
+          <a:p>
+            <a:pPr algn="ctr"/>
+            <a:endParaRPr lang="pt-BR"/>
+          </a:p>
+        </p:txBody>
+      </p:sp>
+      <p:sp>
+        <p:nvSpPr>
+          <p:cNvPr id="4" name="Retângulo 3">
+            <a:extLst>
+              <a:ext uri="{FF2B5EF4-FFF2-40B4-BE49-F238E27FC236}">
+                <a16:creationId xmlns:a16="http://schemas.microsoft.com/office/drawing/2014/main" id="{6F164A62-8E26-FB40-B8F0-1777B74866C5}"/>
+              </a:ext>
+            </a:extLst>
+          </p:cNvPr>
+          <p:cNvSpPr/>
+          <p:nvPr/>
+        </p:nvSpPr>
+        <p:spPr>
+          <a:xfrm>
+            <a:off x="1135083" y="2839400"/>
+            <a:ext cx="2042556" cy="498764"/>
+          </a:xfrm>
+          <a:prstGeom prst="rect">
+            <a:avLst/>
+          </a:prstGeom>
+          <a:solidFill>
+            <a:schemeClr val="bg1"/>
+          </a:solidFill>
+        </p:spPr>
+        <p:style>
+          <a:lnRef idx="2">
+            <a:schemeClr val="accent1">
+              <a:shade val="15000"/>
+            </a:schemeClr>
+          </a:lnRef>
+          <a:fillRef idx="1">
+            <a:schemeClr val="accent1"/>
+          </a:fillRef>
+          <a:effectRef idx="0">
+            <a:schemeClr val="accent1"/>
+          </a:effectRef>
+          <a:fontRef idx="minor">
+            <a:schemeClr val="lt1"/>
+          </a:fontRef>
+        </p:style>
+        <p:txBody>
+          <a:bodyPr rtlCol="0" anchor="ctr"/>
+          <a:lstStyle/>
+          <a:p>
+            <a:pPr algn="ctr"/>
+            <a:r>
+              <a:rPr lang="pt-BR" dirty="0">
+                <a:solidFill>
+                  <a:schemeClr val="tx1"/>
+                </a:solidFill>
+              </a:rPr>
+              <a:t>Cancel1</a:t>
+            </a:r>
+          </a:p>
+        </p:txBody>
+      </p:sp>
+      <p:sp>
+        <p:nvSpPr>
+          <p:cNvPr id="5" name="Retângulo 4">
+            <a:extLst>
+              <a:ext uri="{FF2B5EF4-FFF2-40B4-BE49-F238E27FC236}">
+                <a16:creationId xmlns:a16="http://schemas.microsoft.com/office/drawing/2014/main" id="{8E835FDF-B118-37B9-93D8-C2B59EFEE789}"/>
+              </a:ext>
+            </a:extLst>
+          </p:cNvPr>
+          <p:cNvSpPr/>
+          <p:nvPr/>
+        </p:nvSpPr>
+        <p:spPr>
+          <a:xfrm>
+            <a:off x="1135083" y="3629110"/>
+            <a:ext cx="2042556" cy="498764"/>
+          </a:xfrm>
+          <a:prstGeom prst="rect">
+            <a:avLst/>
+          </a:prstGeom>
+          <a:solidFill>
+            <a:schemeClr val="bg1"/>
+          </a:solidFill>
+        </p:spPr>
+        <p:style>
+          <a:lnRef idx="2">
+            <a:schemeClr val="accent1">
+              <a:shade val="15000"/>
+            </a:schemeClr>
+          </a:lnRef>
+          <a:fillRef idx="1">
+            <a:schemeClr val="accent1"/>
+          </a:fillRef>
+          <a:effectRef idx="0">
+            <a:schemeClr val="accent1"/>
+          </a:effectRef>
+          <a:fontRef idx="minor">
+            <a:schemeClr val="lt1"/>
+          </a:fontRef>
+        </p:style>
+        <p:txBody>
+          <a:bodyPr rtlCol="0" anchor="ctr"/>
+          <a:lstStyle/>
+          <a:p>
+            <a:pPr algn="ctr"/>
+            <a:r>
+              <a:rPr lang="pt-BR" dirty="0">
+                <a:solidFill>
+                  <a:schemeClr val="tx1"/>
+                </a:solidFill>
+              </a:rPr>
+              <a:t>Desabilitar todos</a:t>
+            </a:r>
+          </a:p>
+        </p:txBody>
+      </p:sp>
+      <p:sp>
+        <p:nvSpPr>
+          <p:cNvPr id="6" name="Retângulo 5">
+            <a:extLst>
+              <a:ext uri="{FF2B5EF4-FFF2-40B4-BE49-F238E27FC236}">
+                <a16:creationId xmlns:a16="http://schemas.microsoft.com/office/drawing/2014/main" id="{ACDE8BDE-BE7B-6706-1357-3621196F95EC}"/>
+              </a:ext>
+            </a:extLst>
+          </p:cNvPr>
+          <p:cNvSpPr/>
+          <p:nvPr/>
+        </p:nvSpPr>
+        <p:spPr>
+          <a:xfrm>
+            <a:off x="1135083" y="4439602"/>
+            <a:ext cx="2042556" cy="498764"/>
+          </a:xfrm>
+          <a:prstGeom prst="rect">
+            <a:avLst/>
+          </a:prstGeom>
+          <a:solidFill>
+            <a:schemeClr val="bg1"/>
+          </a:solidFill>
+        </p:spPr>
+        <p:style>
+          <a:lnRef idx="2">
+            <a:schemeClr val="accent1">
+              <a:shade val="15000"/>
+            </a:schemeClr>
+          </a:lnRef>
+          <a:fillRef idx="1">
+            <a:schemeClr val="accent1"/>
+          </a:fillRef>
+          <a:effectRef idx="0">
+            <a:schemeClr val="accent1"/>
+          </a:effectRef>
+          <a:fontRef idx="minor">
+            <a:schemeClr val="lt1"/>
+          </a:fontRef>
+        </p:style>
+        <p:txBody>
+          <a:bodyPr rtlCol="0" anchor="ctr"/>
+          <a:lstStyle/>
+          <a:p>
+            <a:pPr algn="ctr"/>
+            <a:r>
+              <a:rPr lang="pt-BR" dirty="0">
+                <a:solidFill>
+                  <a:schemeClr val="tx1"/>
+                </a:solidFill>
+              </a:rPr>
+              <a:t>Mais opções</a:t>
+            </a:r>
+          </a:p>
+        </p:txBody>
+      </p:sp>
+      <p:sp>
+        <p:nvSpPr>
+          <p:cNvPr id="7" name="Retângulo 6">
+            <a:extLst>
+              <a:ext uri="{FF2B5EF4-FFF2-40B4-BE49-F238E27FC236}">
+                <a16:creationId xmlns:a16="http://schemas.microsoft.com/office/drawing/2014/main" id="{890D4497-B630-6E06-AC78-03FAAB3B9FB3}"/>
+              </a:ext>
+            </a:extLst>
+          </p:cNvPr>
+          <p:cNvSpPr/>
+          <p:nvPr/>
+        </p:nvSpPr>
+        <p:spPr>
+          <a:xfrm>
+            <a:off x="5644738" y="1341911"/>
+            <a:ext cx="3028208" cy="5153891"/>
+          </a:xfrm>
+          <a:prstGeom prst="rect">
+            <a:avLst/>
+          </a:prstGeom>
+        </p:spPr>
+        <p:style>
+          <a:lnRef idx="2">
+            <a:schemeClr val="accent1">
+              <a:shade val="15000"/>
+            </a:schemeClr>
+          </a:lnRef>
+          <a:fillRef idx="1">
+            <a:schemeClr val="accent1"/>
+          </a:fillRef>
+          <a:effectRef idx="0">
+            <a:schemeClr val="accent1"/>
+          </a:effectRef>
+          <a:fontRef idx="minor">
+            <a:schemeClr val="lt1"/>
+          </a:fontRef>
+        </p:style>
+        <p:txBody>
+          <a:bodyPr rtlCol="0" anchor="ctr"/>
+          <a:lstStyle/>
+          <a:p>
+            <a:pPr algn="ctr"/>
+            <a:endParaRPr lang="pt-BR"/>
+          </a:p>
+        </p:txBody>
+      </p:sp>
+      <p:cxnSp>
+        <p:nvCxnSpPr>
+          <p:cNvPr id="9" name="Conector de Seta Reta 8">
+            <a:extLst>
+              <a:ext uri="{FF2B5EF4-FFF2-40B4-BE49-F238E27FC236}">
+                <a16:creationId xmlns:a16="http://schemas.microsoft.com/office/drawing/2014/main" id="{20FC32EB-3F49-68F8-7905-709AB4B07AF0}"/>
+              </a:ext>
+            </a:extLst>
+          </p:cNvPr>
+          <p:cNvCxnSpPr/>
+          <p:nvPr/>
+        </p:nvCxnSpPr>
+        <p:spPr>
+          <a:xfrm>
+            <a:off x="4108862" y="3571506"/>
+            <a:ext cx="1365663" cy="0"/>
+          </a:xfrm>
+          <a:prstGeom prst="straightConnector1">
+            <a:avLst/>
+          </a:prstGeom>
+          <a:ln>
+            <a:tailEnd type="triangle"/>
+          </a:ln>
+        </p:spPr>
+        <p:style>
+          <a:lnRef idx="1">
+            <a:schemeClr val="accent1"/>
+          </a:lnRef>
+          <a:fillRef idx="0">
+            <a:schemeClr val="accent1"/>
+          </a:fillRef>
+          <a:effectRef idx="0">
+            <a:schemeClr val="accent1"/>
+          </a:effectRef>
+          <a:fontRef idx="minor">
+            <a:schemeClr val="tx1"/>
+          </a:fontRef>
+        </p:style>
+      </p:cxnSp>
+      <p:sp>
+        <p:nvSpPr>
+          <p:cNvPr id="10" name="CaixaDeTexto 9">
+            <a:extLst>
+              <a:ext uri="{FF2B5EF4-FFF2-40B4-BE49-F238E27FC236}">
+                <a16:creationId xmlns:a16="http://schemas.microsoft.com/office/drawing/2014/main" id="{9CCAE730-703A-A520-2187-1BBAF7BEFFCA}"/>
+              </a:ext>
+            </a:extLst>
+          </p:cNvPr>
+          <p:cNvSpPr txBox="1"/>
+          <p:nvPr/>
+        </p:nvSpPr>
+        <p:spPr>
+          <a:xfrm>
+            <a:off x="4263242" y="3259778"/>
+            <a:ext cx="896079" cy="369332"/>
+          </a:xfrm>
+          <a:prstGeom prst="rect">
+            <a:avLst/>
+          </a:prstGeom>
+          <a:noFill/>
+        </p:spPr>
+        <p:txBody>
+          <a:bodyPr wrap="none" rtlCol="0">
+            <a:spAutoFit/>
+          </a:bodyPr>
+          <a:lstStyle/>
+          <a:p>
+            <a:r>
+              <a:rPr lang="pt-BR" dirty="0"/>
+              <a:t>cancel1</a:t>
+            </a:r>
+          </a:p>
+        </p:txBody>
+      </p:sp>
+      <p:sp>
+        <p:nvSpPr>
+          <p:cNvPr id="11" name="Retângulo 10">
+            <a:extLst>
+              <a:ext uri="{FF2B5EF4-FFF2-40B4-BE49-F238E27FC236}">
+                <a16:creationId xmlns:a16="http://schemas.microsoft.com/office/drawing/2014/main" id="{01142C82-FDD1-2DEC-CAAC-647EB46515BA}"/>
+              </a:ext>
+            </a:extLst>
+          </p:cNvPr>
+          <p:cNvSpPr/>
+          <p:nvPr/>
+        </p:nvSpPr>
+        <p:spPr>
+          <a:xfrm>
+            <a:off x="6096000" y="3503222"/>
+            <a:ext cx="2042556" cy="498764"/>
+          </a:xfrm>
+          <a:prstGeom prst="rect">
+            <a:avLst/>
+          </a:prstGeom>
+          <a:solidFill>
+            <a:schemeClr val="bg1"/>
+          </a:solidFill>
+        </p:spPr>
+        <p:style>
+          <a:lnRef idx="2">
+            <a:schemeClr val="accent1">
+              <a:shade val="15000"/>
+            </a:schemeClr>
+          </a:lnRef>
+          <a:fillRef idx="1">
+            <a:schemeClr val="accent1"/>
+          </a:fillRef>
+          <a:effectRef idx="0">
+            <a:schemeClr val="accent1"/>
+          </a:effectRef>
+          <a:fontRef idx="minor">
+            <a:schemeClr val="lt1"/>
+          </a:fontRef>
+        </p:style>
+        <p:txBody>
+          <a:bodyPr rtlCol="0" anchor="ctr"/>
+          <a:lstStyle/>
+          <a:p>
+            <a:pPr algn="ctr"/>
+            <a:r>
+              <a:rPr lang="pt-BR" dirty="0">
+                <a:solidFill>
+                  <a:schemeClr val="tx1"/>
+                </a:solidFill>
+              </a:rPr>
+              <a:t>Cancel1</a:t>
+            </a:r>
+          </a:p>
+        </p:txBody>
+      </p:sp>
+      <p:sp>
+        <p:nvSpPr>
+          <p:cNvPr id="12" name="Retângulo 11">
+            <a:extLst>
+              <a:ext uri="{FF2B5EF4-FFF2-40B4-BE49-F238E27FC236}">
+                <a16:creationId xmlns:a16="http://schemas.microsoft.com/office/drawing/2014/main" id="{86FAE91B-6029-AC80-8B18-D41012EA6F43}"/>
+              </a:ext>
+            </a:extLst>
+          </p:cNvPr>
+          <p:cNvSpPr/>
+          <p:nvPr/>
+        </p:nvSpPr>
+        <p:spPr>
+          <a:xfrm>
+            <a:off x="6096000" y="4292932"/>
+            <a:ext cx="2042556" cy="498764"/>
+          </a:xfrm>
+          <a:prstGeom prst="rect">
+            <a:avLst/>
+          </a:prstGeom>
+          <a:solidFill>
+            <a:schemeClr val="bg1"/>
+          </a:solidFill>
+        </p:spPr>
+        <p:style>
+          <a:lnRef idx="2">
+            <a:schemeClr val="accent1">
+              <a:shade val="15000"/>
+            </a:schemeClr>
+          </a:lnRef>
+          <a:fillRef idx="1">
+            <a:schemeClr val="accent1"/>
+          </a:fillRef>
+          <a:effectRef idx="0">
+            <a:schemeClr val="accent1"/>
+          </a:effectRef>
+          <a:fontRef idx="minor">
+            <a:schemeClr val="lt1"/>
+          </a:fontRef>
+        </p:style>
+        <p:txBody>
+          <a:bodyPr rtlCol="0" anchor="ctr"/>
+          <a:lstStyle/>
+          <a:p>
+            <a:pPr algn="ctr"/>
+            <a:r>
+              <a:rPr lang="pt-BR" dirty="0">
+                <a:solidFill>
+                  <a:schemeClr val="tx1"/>
+                </a:solidFill>
+              </a:rPr>
+              <a:t>Desabilitar todos</a:t>
+            </a:r>
+          </a:p>
+        </p:txBody>
+      </p:sp>
+      <p:sp>
+        <p:nvSpPr>
+          <p:cNvPr id="13" name="Retângulo 12">
+            <a:extLst>
+              <a:ext uri="{FF2B5EF4-FFF2-40B4-BE49-F238E27FC236}">
+                <a16:creationId xmlns:a16="http://schemas.microsoft.com/office/drawing/2014/main" id="{AE0BEC7F-F4F4-3C23-1847-CC7AE590A5C9}"/>
+              </a:ext>
+            </a:extLst>
+          </p:cNvPr>
+          <p:cNvSpPr/>
+          <p:nvPr/>
+        </p:nvSpPr>
+        <p:spPr>
+          <a:xfrm>
+            <a:off x="6096000" y="5103424"/>
+            <a:ext cx="2042556" cy="498764"/>
+          </a:xfrm>
+          <a:prstGeom prst="rect">
+            <a:avLst/>
+          </a:prstGeom>
+          <a:solidFill>
+            <a:schemeClr val="bg1"/>
+          </a:solidFill>
+        </p:spPr>
+        <p:style>
+          <a:lnRef idx="2">
+            <a:schemeClr val="accent1">
+              <a:shade val="15000"/>
+            </a:schemeClr>
+          </a:lnRef>
+          <a:fillRef idx="1">
+            <a:schemeClr val="accent1"/>
+          </a:fillRef>
+          <a:effectRef idx="0">
+            <a:schemeClr val="accent1"/>
+          </a:effectRef>
+          <a:fontRef idx="minor">
+            <a:schemeClr val="lt1"/>
+          </a:fontRef>
+        </p:style>
+        <p:txBody>
+          <a:bodyPr rtlCol="0" anchor="ctr"/>
+          <a:lstStyle/>
+          <a:p>
+            <a:pPr algn="ctr"/>
+            <a:r>
+              <a:rPr lang="pt-BR" dirty="0">
+                <a:solidFill>
+                  <a:schemeClr val="tx1"/>
+                </a:solidFill>
+              </a:rPr>
+              <a:t>Mais opções</a:t>
+            </a:r>
+          </a:p>
+        </p:txBody>
+      </p:sp>
+      <p:sp>
+        <p:nvSpPr>
+          <p:cNvPr id="15" name="Retângulo 14">
+            <a:extLst>
+              <a:ext uri="{FF2B5EF4-FFF2-40B4-BE49-F238E27FC236}">
+                <a16:creationId xmlns:a16="http://schemas.microsoft.com/office/drawing/2014/main" id="{198A8D04-AB91-AF7B-8BEB-F463694973E4}"/>
+              </a:ext>
+            </a:extLst>
+          </p:cNvPr>
+          <p:cNvSpPr/>
+          <p:nvPr/>
+        </p:nvSpPr>
+        <p:spPr>
+          <a:xfrm>
+            <a:off x="6472052" y="2823359"/>
+            <a:ext cx="1175657" cy="356260"/>
+          </a:xfrm>
+          <a:prstGeom prst="rect">
+            <a:avLst/>
+          </a:prstGeom>
+        </p:spPr>
+        <p:style>
+          <a:lnRef idx="2">
+            <a:schemeClr val="accent6"/>
+          </a:lnRef>
+          <a:fillRef idx="1">
+            <a:schemeClr val="lt1"/>
+          </a:fillRef>
+          <a:effectRef idx="0">
+            <a:schemeClr val="accent6"/>
+          </a:effectRef>
+          <a:fontRef idx="minor">
+            <a:schemeClr val="dk1"/>
+          </a:fontRef>
+        </p:style>
+        <p:txBody>
+          <a:bodyPr rtlCol="0" anchor="ctr"/>
+          <a:lstStyle/>
+          <a:p>
+            <a:pPr algn="ctr"/>
+            <a:r>
+              <a:rPr lang="pt-BR" dirty="0">
+                <a:solidFill>
+                  <a:schemeClr val="tx1"/>
+                </a:solidFill>
+              </a:rPr>
+              <a:t>desfazer</a:t>
+            </a:r>
+          </a:p>
+        </p:txBody>
+      </p:sp>
+      <p:sp>
+        <p:nvSpPr>
+          <p:cNvPr id="16" name="Retângulo 15">
+            <a:extLst>
+              <a:ext uri="{FF2B5EF4-FFF2-40B4-BE49-F238E27FC236}">
+                <a16:creationId xmlns:a16="http://schemas.microsoft.com/office/drawing/2014/main" id="{787C555B-F787-F807-A0B0-1CD8088D215E}"/>
+              </a:ext>
+            </a:extLst>
+          </p:cNvPr>
+          <p:cNvSpPr/>
+          <p:nvPr/>
+        </p:nvSpPr>
+        <p:spPr>
+          <a:xfrm>
+            <a:off x="749334" y="1341911"/>
+            <a:ext cx="3028208" cy="1140032"/>
+          </a:xfrm>
+          <a:prstGeom prst="rect">
+            <a:avLst/>
+          </a:prstGeom>
+          <a:solidFill>
+            <a:schemeClr val="accent1">
+              <a:lumMod val="40000"/>
+              <a:lumOff val="60000"/>
+            </a:schemeClr>
+          </a:solidFill>
+        </p:spPr>
+        <p:style>
+          <a:lnRef idx="2">
+            <a:schemeClr val="accent6"/>
+          </a:lnRef>
+          <a:fillRef idx="1">
+            <a:schemeClr val="lt1"/>
+          </a:fillRef>
+          <a:effectRef idx="0">
+            <a:schemeClr val="accent6"/>
+          </a:effectRef>
+          <a:fontRef idx="minor">
+            <a:schemeClr val="dk1"/>
+          </a:fontRef>
+        </p:style>
+        <p:txBody>
+          <a:bodyPr rtlCol="0" anchor="ctr"/>
+          <a:lstStyle/>
+          <a:p>
+            <a:pPr algn="ctr"/>
+            <a:r>
+              <a:rPr lang="pt-BR" dirty="0"/>
+              <a:t>Sistema está conectado</a:t>
+            </a:r>
+          </a:p>
+        </p:txBody>
+      </p:sp>
+      <p:sp>
+        <p:nvSpPr>
+          <p:cNvPr id="17" name="Retângulo 16">
+            <a:extLst>
+              <a:ext uri="{FF2B5EF4-FFF2-40B4-BE49-F238E27FC236}">
+                <a16:creationId xmlns:a16="http://schemas.microsoft.com/office/drawing/2014/main" id="{8A0E7F2E-65A1-5517-DE8F-0349C86F0F8E}"/>
+              </a:ext>
+            </a:extLst>
+          </p:cNvPr>
+          <p:cNvSpPr/>
+          <p:nvPr/>
+        </p:nvSpPr>
+        <p:spPr>
+          <a:xfrm>
+            <a:off x="5649487" y="1348447"/>
+            <a:ext cx="3028208" cy="1140032"/>
+          </a:xfrm>
+          <a:prstGeom prst="rect">
+            <a:avLst/>
+          </a:prstGeom>
+          <a:solidFill>
+            <a:schemeClr val="accent1">
+              <a:lumMod val="40000"/>
+              <a:lumOff val="60000"/>
+            </a:schemeClr>
+          </a:solidFill>
+        </p:spPr>
+        <p:style>
+          <a:lnRef idx="2">
+            <a:schemeClr val="accent6"/>
+          </a:lnRef>
+          <a:fillRef idx="1">
+            <a:schemeClr val="lt1"/>
+          </a:fillRef>
+          <a:effectRef idx="0">
+            <a:schemeClr val="accent6"/>
+          </a:effectRef>
+          <a:fontRef idx="minor">
+            <a:schemeClr val="dk1"/>
+          </a:fontRef>
+        </p:style>
+        <p:txBody>
+          <a:bodyPr rtlCol="0" anchor="ctr"/>
+          <a:lstStyle/>
+          <a:p>
+            <a:pPr algn="ctr"/>
+            <a:r>
+              <a:rPr lang="pt-BR" dirty="0"/>
+              <a:t>Solicitação de cancelamento feita com sucesso!</a:t>
+            </a:r>
+          </a:p>
+        </p:txBody>
+      </p:sp>
     </p:spTree>
+  </p:cSld>
+  <p:clrMapOvr>
+    <a:masterClrMapping/>
+  </p:clrMapOvr>
+</p:sld>
+</file>
+
+<file path=ppt/slides/slide3.xml><?xml version="1.0" encoding="utf-8"?>
+<p:sld xmlns:a="http://schemas.openxmlformats.org/drawingml/2006/main" xmlns:r="http://schemas.openxmlformats.org/officeDocument/2006/relationships" xmlns:p="http://schemas.openxmlformats.org/presentationml/2006/main">
+  <p:cSld>
+    <p:spTree>
+      <p:nvGrpSpPr>
+        <p:cNvPr id="1" name=""/>
+        <p:cNvGrpSpPr/>
+        <p:nvPr/>
+      </p:nvGrpSpPr>
+      <p:grpSpPr>
+        <a:xfrm>
+          <a:off x="0" y="0"/>
+          <a:ext cx="0" cy="0"/>
+          <a:chOff x="0" y="0"/>
+          <a:chExt cx="0" cy="0"/>
+        </a:xfrm>
+      </p:grpSpPr>
+      <p:sp>
+        <p:nvSpPr>
+          <p:cNvPr id="2" name="CaixaDeTexto 1">
+            <a:extLst>
+              <a:ext uri="{FF2B5EF4-FFF2-40B4-BE49-F238E27FC236}">
+                <a16:creationId xmlns:a16="http://schemas.microsoft.com/office/drawing/2014/main" id="{28529E03-3BE1-A8EC-0A0E-519A2ED49ADC}"/>
+              </a:ext>
+            </a:extLst>
+          </p:cNvPr>
+          <p:cNvSpPr txBox="1"/>
+          <p:nvPr/>
+        </p:nvSpPr>
+        <p:spPr>
+          <a:xfrm>
+            <a:off x="2307772" y="333704"/>
+            <a:ext cx="6673932" cy="369332"/>
+          </a:xfrm>
+          <a:prstGeom prst="rect">
+            <a:avLst/>
+          </a:prstGeom>
+          <a:noFill/>
+        </p:spPr>
+        <p:txBody>
+          <a:bodyPr wrap="square" rtlCol="0">
+            <a:spAutoFit/>
+          </a:bodyPr>
+          <a:lstStyle/>
+          <a:p>
+            <a:pPr algn="ctr"/>
+            <a:r>
+              <a:rPr lang="pt-BR" dirty="0"/>
+              <a:t>Meu app</a:t>
+            </a:r>
+          </a:p>
+        </p:txBody>
+      </p:sp>
+      <p:sp>
+        <p:nvSpPr>
+          <p:cNvPr id="3" name="Retângulo 2">
+            <a:extLst>
+              <a:ext uri="{FF2B5EF4-FFF2-40B4-BE49-F238E27FC236}">
+                <a16:creationId xmlns:a16="http://schemas.microsoft.com/office/drawing/2014/main" id="{4035AF53-895F-33C7-BF36-B85AF83B02EE}"/>
+              </a:ext>
+            </a:extLst>
+          </p:cNvPr>
+          <p:cNvSpPr/>
+          <p:nvPr/>
+        </p:nvSpPr>
+        <p:spPr>
+          <a:xfrm>
+            <a:off x="754083" y="1341912"/>
+            <a:ext cx="3028208" cy="5153891"/>
+          </a:xfrm>
+          <a:prstGeom prst="rect">
+            <a:avLst/>
+          </a:prstGeom>
+        </p:spPr>
+        <p:style>
+          <a:lnRef idx="2">
+            <a:schemeClr val="accent1">
+              <a:shade val="15000"/>
+            </a:schemeClr>
+          </a:lnRef>
+          <a:fillRef idx="1">
+            <a:schemeClr val="accent1"/>
+          </a:fillRef>
+          <a:effectRef idx="0">
+            <a:schemeClr val="accent1"/>
+          </a:effectRef>
+          <a:fontRef idx="minor">
+            <a:schemeClr val="lt1"/>
+          </a:fontRef>
+        </p:style>
+        <p:txBody>
+          <a:bodyPr rtlCol="0" anchor="ctr"/>
+          <a:lstStyle/>
+          <a:p>
+            <a:pPr algn="ctr"/>
+            <a:endParaRPr lang="pt-BR"/>
+          </a:p>
+        </p:txBody>
+      </p:sp>
+      <p:sp>
+        <p:nvSpPr>
+          <p:cNvPr id="4" name="Retângulo 3">
+            <a:extLst>
+              <a:ext uri="{FF2B5EF4-FFF2-40B4-BE49-F238E27FC236}">
+                <a16:creationId xmlns:a16="http://schemas.microsoft.com/office/drawing/2014/main" id="{6F164A62-8E26-FB40-B8F0-1777B74866C5}"/>
+              </a:ext>
+            </a:extLst>
+          </p:cNvPr>
+          <p:cNvSpPr/>
+          <p:nvPr/>
+        </p:nvSpPr>
+        <p:spPr>
+          <a:xfrm>
+            <a:off x="1135083" y="2839400"/>
+            <a:ext cx="2042556" cy="498764"/>
+          </a:xfrm>
+          <a:prstGeom prst="rect">
+            <a:avLst/>
+          </a:prstGeom>
+          <a:solidFill>
+            <a:schemeClr val="bg1"/>
+          </a:solidFill>
+        </p:spPr>
+        <p:style>
+          <a:lnRef idx="2">
+            <a:schemeClr val="accent1">
+              <a:shade val="15000"/>
+            </a:schemeClr>
+          </a:lnRef>
+          <a:fillRef idx="1">
+            <a:schemeClr val="accent1"/>
+          </a:fillRef>
+          <a:effectRef idx="0">
+            <a:schemeClr val="accent1"/>
+          </a:effectRef>
+          <a:fontRef idx="minor">
+            <a:schemeClr val="lt1"/>
+          </a:fontRef>
+        </p:style>
+        <p:txBody>
+          <a:bodyPr rtlCol="0" anchor="ctr"/>
+          <a:lstStyle/>
+          <a:p>
+            <a:pPr algn="ctr"/>
+            <a:r>
+              <a:rPr lang="pt-BR" dirty="0">
+                <a:solidFill>
+                  <a:schemeClr val="tx1"/>
+                </a:solidFill>
+              </a:rPr>
+              <a:t>Cancel1</a:t>
+            </a:r>
+          </a:p>
+        </p:txBody>
+      </p:sp>
+      <p:sp>
+        <p:nvSpPr>
+          <p:cNvPr id="5" name="Retângulo 4">
+            <a:extLst>
+              <a:ext uri="{FF2B5EF4-FFF2-40B4-BE49-F238E27FC236}">
+                <a16:creationId xmlns:a16="http://schemas.microsoft.com/office/drawing/2014/main" id="{8E835FDF-B118-37B9-93D8-C2B59EFEE789}"/>
+              </a:ext>
+            </a:extLst>
+          </p:cNvPr>
+          <p:cNvSpPr/>
+          <p:nvPr/>
+        </p:nvSpPr>
+        <p:spPr>
+          <a:xfrm>
+            <a:off x="1135083" y="3629110"/>
+            <a:ext cx="2042556" cy="498764"/>
+          </a:xfrm>
+          <a:prstGeom prst="rect">
+            <a:avLst/>
+          </a:prstGeom>
+          <a:solidFill>
+            <a:schemeClr val="bg1"/>
+          </a:solidFill>
+        </p:spPr>
+        <p:style>
+          <a:lnRef idx="2">
+            <a:schemeClr val="accent1">
+              <a:shade val="15000"/>
+            </a:schemeClr>
+          </a:lnRef>
+          <a:fillRef idx="1">
+            <a:schemeClr val="accent1"/>
+          </a:fillRef>
+          <a:effectRef idx="0">
+            <a:schemeClr val="accent1"/>
+          </a:effectRef>
+          <a:fontRef idx="minor">
+            <a:schemeClr val="lt1"/>
+          </a:fontRef>
+        </p:style>
+        <p:txBody>
+          <a:bodyPr rtlCol="0" anchor="ctr"/>
+          <a:lstStyle/>
+          <a:p>
+            <a:pPr algn="ctr"/>
+            <a:r>
+              <a:rPr lang="pt-BR" dirty="0">
+                <a:solidFill>
+                  <a:schemeClr val="tx1"/>
+                </a:solidFill>
+              </a:rPr>
+              <a:t>Desabilitar todos</a:t>
+            </a:r>
+          </a:p>
+        </p:txBody>
+      </p:sp>
+      <p:sp>
+        <p:nvSpPr>
+          <p:cNvPr id="6" name="Retângulo 5">
+            <a:extLst>
+              <a:ext uri="{FF2B5EF4-FFF2-40B4-BE49-F238E27FC236}">
+                <a16:creationId xmlns:a16="http://schemas.microsoft.com/office/drawing/2014/main" id="{ACDE8BDE-BE7B-6706-1357-3621196F95EC}"/>
+              </a:ext>
+            </a:extLst>
+          </p:cNvPr>
+          <p:cNvSpPr/>
+          <p:nvPr/>
+        </p:nvSpPr>
+        <p:spPr>
+          <a:xfrm>
+            <a:off x="1135083" y="4439602"/>
+            <a:ext cx="2042556" cy="498764"/>
+          </a:xfrm>
+          <a:prstGeom prst="rect">
+            <a:avLst/>
+          </a:prstGeom>
+          <a:solidFill>
+            <a:schemeClr val="bg1"/>
+          </a:solidFill>
+        </p:spPr>
+        <p:style>
+          <a:lnRef idx="2">
+            <a:schemeClr val="accent1">
+              <a:shade val="15000"/>
+            </a:schemeClr>
+          </a:lnRef>
+          <a:fillRef idx="1">
+            <a:schemeClr val="accent1"/>
+          </a:fillRef>
+          <a:effectRef idx="0">
+            <a:schemeClr val="accent1"/>
+          </a:effectRef>
+          <a:fontRef idx="minor">
+            <a:schemeClr val="lt1"/>
+          </a:fontRef>
+        </p:style>
+        <p:txBody>
+          <a:bodyPr rtlCol="0" anchor="ctr"/>
+          <a:lstStyle/>
+          <a:p>
+            <a:pPr algn="ctr"/>
+            <a:r>
+              <a:rPr lang="pt-BR" dirty="0">
+                <a:solidFill>
+                  <a:schemeClr val="tx1"/>
+                </a:solidFill>
+              </a:rPr>
+              <a:t>Mais opções</a:t>
+            </a:r>
+          </a:p>
+        </p:txBody>
+      </p:sp>
+      <p:sp>
+        <p:nvSpPr>
+          <p:cNvPr id="7" name="Retângulo 6">
+            <a:extLst>
+              <a:ext uri="{FF2B5EF4-FFF2-40B4-BE49-F238E27FC236}">
+                <a16:creationId xmlns:a16="http://schemas.microsoft.com/office/drawing/2014/main" id="{890D4497-B630-6E06-AC78-03FAAB3B9FB3}"/>
+              </a:ext>
+            </a:extLst>
+          </p:cNvPr>
+          <p:cNvSpPr/>
+          <p:nvPr/>
+        </p:nvSpPr>
+        <p:spPr>
+          <a:xfrm>
+            <a:off x="5644738" y="1341911"/>
+            <a:ext cx="3028208" cy="5153891"/>
+          </a:xfrm>
+          <a:prstGeom prst="rect">
+            <a:avLst/>
+          </a:prstGeom>
+        </p:spPr>
+        <p:style>
+          <a:lnRef idx="2">
+            <a:schemeClr val="accent1">
+              <a:shade val="15000"/>
+            </a:schemeClr>
+          </a:lnRef>
+          <a:fillRef idx="1">
+            <a:schemeClr val="accent1"/>
+          </a:fillRef>
+          <a:effectRef idx="0">
+            <a:schemeClr val="accent1"/>
+          </a:effectRef>
+          <a:fontRef idx="minor">
+            <a:schemeClr val="lt1"/>
+          </a:fontRef>
+        </p:style>
+        <p:txBody>
+          <a:bodyPr rtlCol="0" anchor="ctr"/>
+          <a:lstStyle/>
+          <a:p>
+            <a:pPr algn="ctr"/>
+            <a:endParaRPr lang="pt-BR"/>
+          </a:p>
+        </p:txBody>
+      </p:sp>
+      <p:cxnSp>
+        <p:nvCxnSpPr>
+          <p:cNvPr id="9" name="Conector de Seta Reta 8">
+            <a:extLst>
+              <a:ext uri="{FF2B5EF4-FFF2-40B4-BE49-F238E27FC236}">
+                <a16:creationId xmlns:a16="http://schemas.microsoft.com/office/drawing/2014/main" id="{20FC32EB-3F49-68F8-7905-709AB4B07AF0}"/>
+              </a:ext>
+            </a:extLst>
+          </p:cNvPr>
+          <p:cNvCxnSpPr/>
+          <p:nvPr/>
+        </p:nvCxnSpPr>
+        <p:spPr>
+          <a:xfrm>
+            <a:off x="4108862" y="3571506"/>
+            <a:ext cx="1365663" cy="0"/>
+          </a:xfrm>
+          <a:prstGeom prst="straightConnector1">
+            <a:avLst/>
+          </a:prstGeom>
+          <a:ln>
+            <a:tailEnd type="triangle"/>
+          </a:ln>
+        </p:spPr>
+        <p:style>
+          <a:lnRef idx="1">
+            <a:schemeClr val="accent1"/>
+          </a:lnRef>
+          <a:fillRef idx="0">
+            <a:schemeClr val="accent1"/>
+          </a:fillRef>
+          <a:effectRef idx="0">
+            <a:schemeClr val="accent1"/>
+          </a:effectRef>
+          <a:fontRef idx="minor">
+            <a:schemeClr val="tx1"/>
+          </a:fontRef>
+        </p:style>
+      </p:cxnSp>
+      <p:sp>
+        <p:nvSpPr>
+          <p:cNvPr id="10" name="CaixaDeTexto 9">
+            <a:extLst>
+              <a:ext uri="{FF2B5EF4-FFF2-40B4-BE49-F238E27FC236}">
+                <a16:creationId xmlns:a16="http://schemas.microsoft.com/office/drawing/2014/main" id="{9CCAE730-703A-A520-2187-1BBAF7BEFFCA}"/>
+              </a:ext>
+            </a:extLst>
+          </p:cNvPr>
+          <p:cNvSpPr txBox="1"/>
+          <p:nvPr/>
+        </p:nvSpPr>
+        <p:spPr>
+          <a:xfrm>
+            <a:off x="3788250" y="3338164"/>
+            <a:ext cx="1771382" cy="369332"/>
+          </a:xfrm>
+          <a:prstGeom prst="rect">
+            <a:avLst/>
+          </a:prstGeom>
+          <a:noFill/>
+        </p:spPr>
+        <p:txBody>
+          <a:bodyPr wrap="none" rtlCol="0">
+            <a:spAutoFit/>
+          </a:bodyPr>
+          <a:lstStyle/>
+          <a:p>
+            <a:r>
+              <a:rPr lang="pt-BR" dirty="0"/>
+              <a:t>Desabilitar todos</a:t>
+            </a:r>
+          </a:p>
+        </p:txBody>
+      </p:sp>
+      <p:sp>
+        <p:nvSpPr>
+          <p:cNvPr id="11" name="Retângulo 10">
+            <a:extLst>
+              <a:ext uri="{FF2B5EF4-FFF2-40B4-BE49-F238E27FC236}">
+                <a16:creationId xmlns:a16="http://schemas.microsoft.com/office/drawing/2014/main" id="{01142C82-FDD1-2DEC-CAAC-647EB46515BA}"/>
+              </a:ext>
+            </a:extLst>
+          </p:cNvPr>
+          <p:cNvSpPr/>
+          <p:nvPr/>
+        </p:nvSpPr>
+        <p:spPr>
+          <a:xfrm>
+            <a:off x="6096000" y="3503222"/>
+            <a:ext cx="2042556" cy="498764"/>
+          </a:xfrm>
+          <a:prstGeom prst="rect">
+            <a:avLst/>
+          </a:prstGeom>
+          <a:solidFill>
+            <a:schemeClr val="bg1"/>
+          </a:solidFill>
+        </p:spPr>
+        <p:style>
+          <a:lnRef idx="2">
+            <a:schemeClr val="accent1">
+              <a:shade val="15000"/>
+            </a:schemeClr>
+          </a:lnRef>
+          <a:fillRef idx="1">
+            <a:schemeClr val="accent1"/>
+          </a:fillRef>
+          <a:effectRef idx="0">
+            <a:schemeClr val="accent1"/>
+          </a:effectRef>
+          <a:fontRef idx="minor">
+            <a:schemeClr val="lt1"/>
+          </a:fontRef>
+        </p:style>
+        <p:txBody>
+          <a:bodyPr rtlCol="0" anchor="ctr"/>
+          <a:lstStyle/>
+          <a:p>
+            <a:pPr algn="ctr"/>
+            <a:r>
+              <a:rPr lang="pt-BR" dirty="0">
+                <a:solidFill>
+                  <a:schemeClr val="tx1"/>
+                </a:solidFill>
+              </a:rPr>
+              <a:t>Cancel1</a:t>
+            </a:r>
+          </a:p>
+        </p:txBody>
+      </p:sp>
+      <p:sp>
+        <p:nvSpPr>
+          <p:cNvPr id="12" name="Retângulo 11">
+            <a:extLst>
+              <a:ext uri="{FF2B5EF4-FFF2-40B4-BE49-F238E27FC236}">
+                <a16:creationId xmlns:a16="http://schemas.microsoft.com/office/drawing/2014/main" id="{86FAE91B-6029-AC80-8B18-D41012EA6F43}"/>
+              </a:ext>
+            </a:extLst>
+          </p:cNvPr>
+          <p:cNvSpPr/>
+          <p:nvPr/>
+        </p:nvSpPr>
+        <p:spPr>
+          <a:xfrm>
+            <a:off x="6096000" y="4292932"/>
+            <a:ext cx="2042556" cy="498764"/>
+          </a:xfrm>
+          <a:prstGeom prst="rect">
+            <a:avLst/>
+          </a:prstGeom>
+          <a:solidFill>
+            <a:schemeClr val="bg1"/>
+          </a:solidFill>
+        </p:spPr>
+        <p:style>
+          <a:lnRef idx="2">
+            <a:schemeClr val="accent1">
+              <a:shade val="15000"/>
+            </a:schemeClr>
+          </a:lnRef>
+          <a:fillRef idx="1">
+            <a:schemeClr val="accent1"/>
+          </a:fillRef>
+          <a:effectRef idx="0">
+            <a:schemeClr val="accent1"/>
+          </a:effectRef>
+          <a:fontRef idx="minor">
+            <a:schemeClr val="lt1"/>
+          </a:fontRef>
+        </p:style>
+        <p:txBody>
+          <a:bodyPr rtlCol="0" anchor="ctr"/>
+          <a:lstStyle/>
+          <a:p>
+            <a:pPr algn="ctr"/>
+            <a:r>
+              <a:rPr lang="pt-BR" dirty="0">
+                <a:solidFill>
+                  <a:schemeClr val="tx1"/>
+                </a:solidFill>
+              </a:rPr>
+              <a:t>Desabilitar todos</a:t>
+            </a:r>
+          </a:p>
+        </p:txBody>
+      </p:sp>
+      <p:sp>
+        <p:nvSpPr>
+          <p:cNvPr id="13" name="Retângulo 12">
+            <a:extLst>
+              <a:ext uri="{FF2B5EF4-FFF2-40B4-BE49-F238E27FC236}">
+                <a16:creationId xmlns:a16="http://schemas.microsoft.com/office/drawing/2014/main" id="{AE0BEC7F-F4F4-3C23-1847-CC7AE590A5C9}"/>
+              </a:ext>
+            </a:extLst>
+          </p:cNvPr>
+          <p:cNvSpPr/>
+          <p:nvPr/>
+        </p:nvSpPr>
+        <p:spPr>
+          <a:xfrm>
+            <a:off x="6096000" y="5103424"/>
+            <a:ext cx="2042556" cy="498764"/>
+          </a:xfrm>
+          <a:prstGeom prst="rect">
+            <a:avLst/>
+          </a:prstGeom>
+          <a:solidFill>
+            <a:schemeClr val="bg1"/>
+          </a:solidFill>
+        </p:spPr>
+        <p:style>
+          <a:lnRef idx="2">
+            <a:schemeClr val="accent1">
+              <a:shade val="15000"/>
+            </a:schemeClr>
+          </a:lnRef>
+          <a:fillRef idx="1">
+            <a:schemeClr val="accent1"/>
+          </a:fillRef>
+          <a:effectRef idx="0">
+            <a:schemeClr val="accent1"/>
+          </a:effectRef>
+          <a:fontRef idx="minor">
+            <a:schemeClr val="lt1"/>
+          </a:fontRef>
+        </p:style>
+        <p:txBody>
+          <a:bodyPr rtlCol="0" anchor="ctr"/>
+          <a:lstStyle/>
+          <a:p>
+            <a:pPr algn="ctr"/>
+            <a:r>
+              <a:rPr lang="pt-BR" dirty="0">
+                <a:solidFill>
+                  <a:schemeClr val="tx1"/>
+                </a:solidFill>
+              </a:rPr>
+              <a:t>Mais opções</a:t>
+            </a:r>
+          </a:p>
+        </p:txBody>
+      </p:sp>
+      <p:sp>
+        <p:nvSpPr>
+          <p:cNvPr id="15" name="Retângulo 14">
+            <a:extLst>
+              <a:ext uri="{FF2B5EF4-FFF2-40B4-BE49-F238E27FC236}">
+                <a16:creationId xmlns:a16="http://schemas.microsoft.com/office/drawing/2014/main" id="{198A8D04-AB91-AF7B-8BEB-F463694973E4}"/>
+              </a:ext>
+            </a:extLst>
+          </p:cNvPr>
+          <p:cNvSpPr/>
+          <p:nvPr/>
+        </p:nvSpPr>
+        <p:spPr>
+          <a:xfrm>
+            <a:off x="6472052" y="2823359"/>
+            <a:ext cx="1175657" cy="356260"/>
+          </a:xfrm>
+          <a:prstGeom prst="rect">
+            <a:avLst/>
+          </a:prstGeom>
+        </p:spPr>
+        <p:style>
+          <a:lnRef idx="2">
+            <a:schemeClr val="accent6"/>
+          </a:lnRef>
+          <a:fillRef idx="1">
+            <a:schemeClr val="lt1"/>
+          </a:fillRef>
+          <a:effectRef idx="0">
+            <a:schemeClr val="accent6"/>
+          </a:effectRef>
+          <a:fontRef idx="minor">
+            <a:schemeClr val="dk1"/>
+          </a:fontRef>
+        </p:style>
+        <p:txBody>
+          <a:bodyPr rtlCol="0" anchor="ctr"/>
+          <a:lstStyle/>
+          <a:p>
+            <a:pPr algn="ctr"/>
+            <a:r>
+              <a:rPr lang="pt-BR" dirty="0">
+                <a:solidFill>
+                  <a:schemeClr val="tx1"/>
+                </a:solidFill>
+              </a:rPr>
+              <a:t>desfazer</a:t>
+            </a:r>
+          </a:p>
+        </p:txBody>
+      </p:sp>
+      <p:sp>
+        <p:nvSpPr>
+          <p:cNvPr id="16" name="Retângulo 15">
+            <a:extLst>
+              <a:ext uri="{FF2B5EF4-FFF2-40B4-BE49-F238E27FC236}">
+                <a16:creationId xmlns:a16="http://schemas.microsoft.com/office/drawing/2014/main" id="{787C555B-F787-F807-A0B0-1CD8088D215E}"/>
+              </a:ext>
+            </a:extLst>
+          </p:cNvPr>
+          <p:cNvSpPr/>
+          <p:nvPr/>
+        </p:nvSpPr>
+        <p:spPr>
+          <a:xfrm>
+            <a:off x="749334" y="1341911"/>
+            <a:ext cx="3028208" cy="1140032"/>
+          </a:xfrm>
+          <a:prstGeom prst="rect">
+            <a:avLst/>
+          </a:prstGeom>
+          <a:solidFill>
+            <a:schemeClr val="accent1">
+              <a:lumMod val="40000"/>
+              <a:lumOff val="60000"/>
+            </a:schemeClr>
+          </a:solidFill>
+        </p:spPr>
+        <p:style>
+          <a:lnRef idx="2">
+            <a:schemeClr val="accent6"/>
+          </a:lnRef>
+          <a:fillRef idx="1">
+            <a:schemeClr val="lt1"/>
+          </a:fillRef>
+          <a:effectRef idx="0">
+            <a:schemeClr val="accent6"/>
+          </a:effectRef>
+          <a:fontRef idx="minor">
+            <a:schemeClr val="dk1"/>
+          </a:fontRef>
+        </p:style>
+        <p:txBody>
+          <a:bodyPr rtlCol="0" anchor="ctr"/>
+          <a:lstStyle/>
+          <a:p>
+            <a:pPr algn="ctr"/>
+            <a:r>
+              <a:rPr lang="pt-BR" dirty="0"/>
+              <a:t>Sistema está conectado</a:t>
+            </a:r>
+          </a:p>
+        </p:txBody>
+      </p:sp>
+      <p:sp>
+        <p:nvSpPr>
+          <p:cNvPr id="17" name="Retângulo 16">
+            <a:extLst>
+              <a:ext uri="{FF2B5EF4-FFF2-40B4-BE49-F238E27FC236}">
+                <a16:creationId xmlns:a16="http://schemas.microsoft.com/office/drawing/2014/main" id="{8A0E7F2E-65A1-5517-DE8F-0349C86F0F8E}"/>
+              </a:ext>
+            </a:extLst>
+          </p:cNvPr>
+          <p:cNvSpPr/>
+          <p:nvPr/>
+        </p:nvSpPr>
+        <p:spPr>
+          <a:xfrm>
+            <a:off x="5649487" y="1348447"/>
+            <a:ext cx="3028208" cy="1140032"/>
+          </a:xfrm>
+          <a:prstGeom prst="rect">
+            <a:avLst/>
+          </a:prstGeom>
+          <a:solidFill>
+            <a:schemeClr val="accent1">
+              <a:lumMod val="40000"/>
+              <a:lumOff val="60000"/>
+            </a:schemeClr>
+          </a:solidFill>
+        </p:spPr>
+        <p:style>
+          <a:lnRef idx="2">
+            <a:schemeClr val="accent6"/>
+          </a:lnRef>
+          <a:fillRef idx="1">
+            <a:schemeClr val="lt1"/>
+          </a:fillRef>
+          <a:effectRef idx="0">
+            <a:schemeClr val="accent6"/>
+          </a:effectRef>
+          <a:fontRef idx="minor">
+            <a:schemeClr val="dk1"/>
+          </a:fontRef>
+        </p:style>
+        <p:txBody>
+          <a:bodyPr rtlCol="0" anchor="ctr"/>
+          <a:lstStyle/>
+          <a:p>
+            <a:pPr algn="ctr"/>
+            <a:r>
+              <a:rPr lang="pt-BR" dirty="0"/>
+              <a:t>Solicitação de </a:t>
+            </a:r>
+            <a:r>
+              <a:rPr lang="pt-BR" dirty="0" err="1"/>
+              <a:t>desabilitamento</a:t>
+            </a:r>
+            <a:r>
+              <a:rPr lang="pt-BR" dirty="0"/>
+              <a:t> feito com sucesso</a:t>
+            </a:r>
+          </a:p>
+        </p:txBody>
+      </p:sp>
+    </p:spTree>
+    <p:extLst>
+      <p:ext uri="{BB962C8B-B14F-4D97-AF65-F5344CB8AC3E}">
+        <p14:creationId xmlns:p14="http://schemas.microsoft.com/office/powerpoint/2010/main" val="1158406735"/>
+      </p:ext>
+    </p:extLst>
+  </p:cSld>
+  <p:clrMapOvr>
+    <a:masterClrMapping/>
+  </p:clrMapOvr>
+</p:sld>
+</file>
+
+<file path=ppt/slides/slide4.xml><?xml version="1.0" encoding="utf-8"?>
+<p:sld xmlns:a="http://schemas.openxmlformats.org/drawingml/2006/main" xmlns:r="http://schemas.openxmlformats.org/officeDocument/2006/relationships" xmlns:p="http://schemas.openxmlformats.org/presentationml/2006/main">
+  <p:cSld>
+    <p:spTree>
+      <p:nvGrpSpPr>
+        <p:cNvPr id="1" name=""/>
+        <p:cNvGrpSpPr/>
+        <p:nvPr/>
+      </p:nvGrpSpPr>
+      <p:grpSpPr>
+        <a:xfrm>
+          <a:off x="0" y="0"/>
+          <a:ext cx="0" cy="0"/>
+          <a:chOff x="0" y="0"/>
+          <a:chExt cx="0" cy="0"/>
+        </a:xfrm>
+      </p:grpSpPr>
+      <p:sp>
+        <p:nvSpPr>
+          <p:cNvPr id="2" name="CaixaDeTexto 1">
+            <a:extLst>
+              <a:ext uri="{FF2B5EF4-FFF2-40B4-BE49-F238E27FC236}">
+                <a16:creationId xmlns:a16="http://schemas.microsoft.com/office/drawing/2014/main" id="{28529E03-3BE1-A8EC-0A0E-519A2ED49ADC}"/>
+              </a:ext>
+            </a:extLst>
+          </p:cNvPr>
+          <p:cNvSpPr txBox="1"/>
+          <p:nvPr/>
+        </p:nvSpPr>
+        <p:spPr>
+          <a:xfrm>
+            <a:off x="2307772" y="333704"/>
+            <a:ext cx="6673932" cy="369332"/>
+          </a:xfrm>
+          <a:prstGeom prst="rect">
+            <a:avLst/>
+          </a:prstGeom>
+          <a:noFill/>
+        </p:spPr>
+        <p:txBody>
+          <a:bodyPr wrap="square" rtlCol="0">
+            <a:spAutoFit/>
+          </a:bodyPr>
+          <a:lstStyle/>
+          <a:p>
+            <a:pPr algn="ctr"/>
+            <a:r>
+              <a:rPr lang="pt-BR" dirty="0"/>
+              <a:t>Meu app</a:t>
+            </a:r>
+          </a:p>
+        </p:txBody>
+      </p:sp>
+      <p:sp>
+        <p:nvSpPr>
+          <p:cNvPr id="3" name="Retângulo 2">
+            <a:extLst>
+              <a:ext uri="{FF2B5EF4-FFF2-40B4-BE49-F238E27FC236}">
+                <a16:creationId xmlns:a16="http://schemas.microsoft.com/office/drawing/2014/main" id="{4035AF53-895F-33C7-BF36-B85AF83B02EE}"/>
+              </a:ext>
+            </a:extLst>
+          </p:cNvPr>
+          <p:cNvSpPr/>
+          <p:nvPr/>
+        </p:nvSpPr>
+        <p:spPr>
+          <a:xfrm>
+            <a:off x="754083" y="1341912"/>
+            <a:ext cx="3028208" cy="5153891"/>
+          </a:xfrm>
+          <a:prstGeom prst="rect">
+            <a:avLst/>
+          </a:prstGeom>
+        </p:spPr>
+        <p:style>
+          <a:lnRef idx="2">
+            <a:schemeClr val="accent1">
+              <a:shade val="15000"/>
+            </a:schemeClr>
+          </a:lnRef>
+          <a:fillRef idx="1">
+            <a:schemeClr val="accent1"/>
+          </a:fillRef>
+          <a:effectRef idx="0">
+            <a:schemeClr val="accent1"/>
+          </a:effectRef>
+          <a:fontRef idx="minor">
+            <a:schemeClr val="lt1"/>
+          </a:fontRef>
+        </p:style>
+        <p:txBody>
+          <a:bodyPr rtlCol="0" anchor="ctr"/>
+          <a:lstStyle/>
+          <a:p>
+            <a:pPr algn="ctr"/>
+            <a:endParaRPr lang="pt-BR"/>
+          </a:p>
+        </p:txBody>
+      </p:sp>
+      <p:sp>
+        <p:nvSpPr>
+          <p:cNvPr id="4" name="Retângulo 3">
+            <a:extLst>
+              <a:ext uri="{FF2B5EF4-FFF2-40B4-BE49-F238E27FC236}">
+                <a16:creationId xmlns:a16="http://schemas.microsoft.com/office/drawing/2014/main" id="{6F164A62-8E26-FB40-B8F0-1777B74866C5}"/>
+              </a:ext>
+            </a:extLst>
+          </p:cNvPr>
+          <p:cNvSpPr/>
+          <p:nvPr/>
+        </p:nvSpPr>
+        <p:spPr>
+          <a:xfrm>
+            <a:off x="1135083" y="2839400"/>
+            <a:ext cx="2042556" cy="498764"/>
+          </a:xfrm>
+          <a:prstGeom prst="rect">
+            <a:avLst/>
+          </a:prstGeom>
+          <a:solidFill>
+            <a:schemeClr val="bg1"/>
+          </a:solidFill>
+        </p:spPr>
+        <p:style>
+          <a:lnRef idx="2">
+            <a:schemeClr val="accent1">
+              <a:shade val="15000"/>
+            </a:schemeClr>
+          </a:lnRef>
+          <a:fillRef idx="1">
+            <a:schemeClr val="accent1"/>
+          </a:fillRef>
+          <a:effectRef idx="0">
+            <a:schemeClr val="accent1"/>
+          </a:effectRef>
+          <a:fontRef idx="minor">
+            <a:schemeClr val="lt1"/>
+          </a:fontRef>
+        </p:style>
+        <p:txBody>
+          <a:bodyPr rtlCol="0" anchor="ctr"/>
+          <a:lstStyle/>
+          <a:p>
+            <a:pPr algn="ctr"/>
+            <a:r>
+              <a:rPr lang="pt-BR" dirty="0">
+                <a:solidFill>
+                  <a:schemeClr val="tx1"/>
+                </a:solidFill>
+              </a:rPr>
+              <a:t>Cancel1</a:t>
+            </a:r>
+          </a:p>
+        </p:txBody>
+      </p:sp>
+      <p:sp>
+        <p:nvSpPr>
+          <p:cNvPr id="5" name="Retângulo 4">
+            <a:extLst>
+              <a:ext uri="{FF2B5EF4-FFF2-40B4-BE49-F238E27FC236}">
+                <a16:creationId xmlns:a16="http://schemas.microsoft.com/office/drawing/2014/main" id="{8E835FDF-B118-37B9-93D8-C2B59EFEE789}"/>
+              </a:ext>
+            </a:extLst>
+          </p:cNvPr>
+          <p:cNvSpPr/>
+          <p:nvPr/>
+        </p:nvSpPr>
+        <p:spPr>
+          <a:xfrm>
+            <a:off x="1135083" y="3629110"/>
+            <a:ext cx="2042556" cy="498764"/>
+          </a:xfrm>
+          <a:prstGeom prst="rect">
+            <a:avLst/>
+          </a:prstGeom>
+          <a:solidFill>
+            <a:schemeClr val="bg1"/>
+          </a:solidFill>
+        </p:spPr>
+        <p:style>
+          <a:lnRef idx="2">
+            <a:schemeClr val="accent1">
+              <a:shade val="15000"/>
+            </a:schemeClr>
+          </a:lnRef>
+          <a:fillRef idx="1">
+            <a:schemeClr val="accent1"/>
+          </a:fillRef>
+          <a:effectRef idx="0">
+            <a:schemeClr val="accent1"/>
+          </a:effectRef>
+          <a:fontRef idx="minor">
+            <a:schemeClr val="lt1"/>
+          </a:fontRef>
+        </p:style>
+        <p:txBody>
+          <a:bodyPr rtlCol="0" anchor="ctr"/>
+          <a:lstStyle/>
+          <a:p>
+            <a:pPr algn="ctr"/>
+            <a:r>
+              <a:rPr lang="pt-BR" dirty="0">
+                <a:solidFill>
+                  <a:schemeClr val="tx1"/>
+                </a:solidFill>
+              </a:rPr>
+              <a:t>Desabilitar todos</a:t>
+            </a:r>
+          </a:p>
+        </p:txBody>
+      </p:sp>
+      <p:sp>
+        <p:nvSpPr>
+          <p:cNvPr id="6" name="Retângulo 5">
+            <a:extLst>
+              <a:ext uri="{FF2B5EF4-FFF2-40B4-BE49-F238E27FC236}">
+                <a16:creationId xmlns:a16="http://schemas.microsoft.com/office/drawing/2014/main" id="{ACDE8BDE-BE7B-6706-1357-3621196F95EC}"/>
+              </a:ext>
+            </a:extLst>
+          </p:cNvPr>
+          <p:cNvSpPr/>
+          <p:nvPr/>
+        </p:nvSpPr>
+        <p:spPr>
+          <a:xfrm>
+            <a:off x="1135083" y="4439602"/>
+            <a:ext cx="2042556" cy="498764"/>
+          </a:xfrm>
+          <a:prstGeom prst="rect">
+            <a:avLst/>
+          </a:prstGeom>
+          <a:solidFill>
+            <a:schemeClr val="bg1"/>
+          </a:solidFill>
+        </p:spPr>
+        <p:style>
+          <a:lnRef idx="2">
+            <a:schemeClr val="accent1">
+              <a:shade val="15000"/>
+            </a:schemeClr>
+          </a:lnRef>
+          <a:fillRef idx="1">
+            <a:schemeClr val="accent1"/>
+          </a:fillRef>
+          <a:effectRef idx="0">
+            <a:schemeClr val="accent1"/>
+          </a:effectRef>
+          <a:fontRef idx="minor">
+            <a:schemeClr val="lt1"/>
+          </a:fontRef>
+        </p:style>
+        <p:txBody>
+          <a:bodyPr rtlCol="0" anchor="ctr"/>
+          <a:lstStyle/>
+          <a:p>
+            <a:pPr algn="ctr"/>
+            <a:r>
+              <a:rPr lang="pt-BR" dirty="0">
+                <a:solidFill>
+                  <a:schemeClr val="tx1"/>
+                </a:solidFill>
+              </a:rPr>
+              <a:t>Mais opções</a:t>
+            </a:r>
+          </a:p>
+        </p:txBody>
+      </p:sp>
+      <p:sp>
+        <p:nvSpPr>
+          <p:cNvPr id="7" name="Retângulo 6">
+            <a:extLst>
+              <a:ext uri="{FF2B5EF4-FFF2-40B4-BE49-F238E27FC236}">
+                <a16:creationId xmlns:a16="http://schemas.microsoft.com/office/drawing/2014/main" id="{890D4497-B630-6E06-AC78-03FAAB3B9FB3}"/>
+              </a:ext>
+            </a:extLst>
+          </p:cNvPr>
+          <p:cNvSpPr/>
+          <p:nvPr/>
+        </p:nvSpPr>
+        <p:spPr>
+          <a:xfrm>
+            <a:off x="5265165" y="1301546"/>
+            <a:ext cx="3028208" cy="5153891"/>
+          </a:xfrm>
+          <a:prstGeom prst="rect">
+            <a:avLst/>
+          </a:prstGeom>
+        </p:spPr>
+        <p:style>
+          <a:lnRef idx="2">
+            <a:schemeClr val="accent1">
+              <a:shade val="15000"/>
+            </a:schemeClr>
+          </a:lnRef>
+          <a:fillRef idx="1">
+            <a:schemeClr val="accent1"/>
+          </a:fillRef>
+          <a:effectRef idx="0">
+            <a:schemeClr val="accent1"/>
+          </a:effectRef>
+          <a:fontRef idx="minor">
+            <a:schemeClr val="lt1"/>
+          </a:fontRef>
+        </p:style>
+        <p:txBody>
+          <a:bodyPr rtlCol="0" anchor="ctr"/>
+          <a:lstStyle/>
+          <a:p>
+            <a:pPr algn="ctr"/>
+            <a:endParaRPr lang="pt-BR"/>
+          </a:p>
+        </p:txBody>
+      </p:sp>
+      <p:cxnSp>
+        <p:nvCxnSpPr>
+          <p:cNvPr id="9" name="Conector de Seta Reta 8">
+            <a:extLst>
+              <a:ext uri="{FF2B5EF4-FFF2-40B4-BE49-F238E27FC236}">
+                <a16:creationId xmlns:a16="http://schemas.microsoft.com/office/drawing/2014/main" id="{20FC32EB-3F49-68F8-7905-709AB4B07AF0}"/>
+              </a:ext>
+            </a:extLst>
+          </p:cNvPr>
+          <p:cNvCxnSpPr>
+            <a:cxnSpLocks/>
+          </p:cNvCxnSpPr>
+          <p:nvPr/>
+        </p:nvCxnSpPr>
+        <p:spPr>
+          <a:xfrm>
+            <a:off x="4108862" y="3571506"/>
+            <a:ext cx="1104406" cy="0"/>
+          </a:xfrm>
+          <a:prstGeom prst="straightConnector1">
+            <a:avLst/>
+          </a:prstGeom>
+          <a:ln>
+            <a:tailEnd type="triangle"/>
+          </a:ln>
+        </p:spPr>
+        <p:style>
+          <a:lnRef idx="1">
+            <a:schemeClr val="accent1"/>
+          </a:lnRef>
+          <a:fillRef idx="0">
+            <a:schemeClr val="accent1"/>
+          </a:fillRef>
+          <a:effectRef idx="0">
+            <a:schemeClr val="accent1"/>
+          </a:effectRef>
+          <a:fontRef idx="minor">
+            <a:schemeClr val="tx1"/>
+          </a:fontRef>
+        </p:style>
+      </p:cxnSp>
+      <p:sp>
+        <p:nvSpPr>
+          <p:cNvPr id="10" name="CaixaDeTexto 9">
+            <a:extLst>
+              <a:ext uri="{FF2B5EF4-FFF2-40B4-BE49-F238E27FC236}">
+                <a16:creationId xmlns:a16="http://schemas.microsoft.com/office/drawing/2014/main" id="{9CCAE730-703A-A520-2187-1BBAF7BEFFCA}"/>
+              </a:ext>
+            </a:extLst>
+          </p:cNvPr>
+          <p:cNvSpPr txBox="1"/>
+          <p:nvPr/>
+        </p:nvSpPr>
+        <p:spPr>
+          <a:xfrm>
+            <a:off x="3755810" y="3331024"/>
+            <a:ext cx="1354538" cy="369332"/>
+          </a:xfrm>
+          <a:prstGeom prst="rect">
+            <a:avLst/>
+          </a:prstGeom>
+          <a:noFill/>
+        </p:spPr>
+        <p:txBody>
+          <a:bodyPr wrap="none" rtlCol="0">
+            <a:spAutoFit/>
+          </a:bodyPr>
+          <a:lstStyle/>
+          <a:p>
+            <a:r>
+              <a:rPr lang="pt-BR" dirty="0"/>
+              <a:t>Mais </a:t>
+            </a:r>
+            <a:r>
+              <a:rPr lang="pt-BR" dirty="0" err="1"/>
+              <a:t>opçoes</a:t>
+            </a:r>
+            <a:endParaRPr lang="pt-BR" dirty="0"/>
+          </a:p>
+        </p:txBody>
+      </p:sp>
+      <p:sp>
+        <p:nvSpPr>
+          <p:cNvPr id="11" name="Retângulo 10">
+            <a:extLst>
+              <a:ext uri="{FF2B5EF4-FFF2-40B4-BE49-F238E27FC236}">
+                <a16:creationId xmlns:a16="http://schemas.microsoft.com/office/drawing/2014/main" id="{01142C82-FDD1-2DEC-CAAC-647EB46515BA}"/>
+              </a:ext>
+            </a:extLst>
+          </p:cNvPr>
+          <p:cNvSpPr/>
+          <p:nvPr/>
+        </p:nvSpPr>
+        <p:spPr>
+          <a:xfrm>
+            <a:off x="6096000" y="3503222"/>
+            <a:ext cx="2042556" cy="498764"/>
+          </a:xfrm>
+          <a:prstGeom prst="rect">
+            <a:avLst/>
+          </a:prstGeom>
+          <a:solidFill>
+            <a:schemeClr val="bg1"/>
+          </a:solidFill>
+        </p:spPr>
+        <p:style>
+          <a:lnRef idx="2">
+            <a:schemeClr val="accent1">
+              <a:shade val="15000"/>
+            </a:schemeClr>
+          </a:lnRef>
+          <a:fillRef idx="1">
+            <a:schemeClr val="accent1"/>
+          </a:fillRef>
+          <a:effectRef idx="0">
+            <a:schemeClr val="accent1"/>
+          </a:effectRef>
+          <a:fontRef idx="minor">
+            <a:schemeClr val="lt1"/>
+          </a:fontRef>
+        </p:style>
+        <p:txBody>
+          <a:bodyPr rtlCol="0" anchor="ctr"/>
+          <a:lstStyle/>
+          <a:p>
+            <a:pPr algn="ctr"/>
+            <a:r>
+              <a:rPr lang="pt-BR" dirty="0">
+                <a:solidFill>
+                  <a:schemeClr val="tx1"/>
+                </a:solidFill>
+              </a:rPr>
+              <a:t>Cancelar um hora</a:t>
+            </a:r>
+          </a:p>
+        </p:txBody>
+      </p:sp>
+      <p:sp>
+        <p:nvSpPr>
+          <p:cNvPr id="12" name="Retângulo 11">
+            <a:extLst>
+              <a:ext uri="{FF2B5EF4-FFF2-40B4-BE49-F238E27FC236}">
+                <a16:creationId xmlns:a16="http://schemas.microsoft.com/office/drawing/2014/main" id="{86FAE91B-6029-AC80-8B18-D41012EA6F43}"/>
+              </a:ext>
+            </a:extLst>
+          </p:cNvPr>
+          <p:cNvSpPr/>
+          <p:nvPr/>
+        </p:nvSpPr>
+        <p:spPr>
+          <a:xfrm>
+            <a:off x="6096000" y="4292932"/>
+            <a:ext cx="2042556" cy="498764"/>
+          </a:xfrm>
+          <a:prstGeom prst="rect">
+            <a:avLst/>
+          </a:prstGeom>
+          <a:solidFill>
+            <a:schemeClr val="bg1"/>
+          </a:solidFill>
+        </p:spPr>
+        <p:style>
+          <a:lnRef idx="2">
+            <a:schemeClr val="accent1">
+              <a:shade val="15000"/>
+            </a:schemeClr>
+          </a:lnRef>
+          <a:fillRef idx="1">
+            <a:schemeClr val="accent1"/>
+          </a:fillRef>
+          <a:effectRef idx="0">
+            <a:schemeClr val="accent1"/>
+          </a:effectRef>
+          <a:fontRef idx="minor">
+            <a:schemeClr val="lt1"/>
+          </a:fontRef>
+        </p:style>
+        <p:txBody>
+          <a:bodyPr rtlCol="0" anchor="ctr"/>
+          <a:lstStyle/>
+          <a:p>
+            <a:pPr algn="ctr"/>
+            <a:r>
+              <a:rPr lang="pt-BR" dirty="0">
+                <a:solidFill>
+                  <a:schemeClr val="tx1"/>
+                </a:solidFill>
+              </a:rPr>
+              <a:t>Mudar primeiro </a:t>
+            </a:r>
+            <a:r>
+              <a:rPr lang="pt-BR" dirty="0" err="1">
+                <a:solidFill>
+                  <a:schemeClr val="tx1"/>
+                </a:solidFill>
+              </a:rPr>
+              <a:t>horario</a:t>
+            </a:r>
+            <a:endParaRPr lang="pt-BR" dirty="0">
+              <a:solidFill>
+                <a:schemeClr val="tx1"/>
+              </a:solidFill>
+            </a:endParaRPr>
+          </a:p>
+        </p:txBody>
+      </p:sp>
+      <p:sp>
+        <p:nvSpPr>
+          <p:cNvPr id="16" name="Retângulo 15">
+            <a:extLst>
+              <a:ext uri="{FF2B5EF4-FFF2-40B4-BE49-F238E27FC236}">
+                <a16:creationId xmlns:a16="http://schemas.microsoft.com/office/drawing/2014/main" id="{787C555B-F787-F807-A0B0-1CD8088D215E}"/>
+              </a:ext>
+            </a:extLst>
+          </p:cNvPr>
+          <p:cNvSpPr/>
+          <p:nvPr/>
+        </p:nvSpPr>
+        <p:spPr>
+          <a:xfrm>
+            <a:off x="749334" y="1341911"/>
+            <a:ext cx="3028208" cy="1140032"/>
+          </a:xfrm>
+          <a:prstGeom prst="rect">
+            <a:avLst/>
+          </a:prstGeom>
+          <a:solidFill>
+            <a:schemeClr val="accent1">
+              <a:lumMod val="40000"/>
+              <a:lumOff val="60000"/>
+            </a:schemeClr>
+          </a:solidFill>
+        </p:spPr>
+        <p:style>
+          <a:lnRef idx="2">
+            <a:schemeClr val="accent6"/>
+          </a:lnRef>
+          <a:fillRef idx="1">
+            <a:schemeClr val="lt1"/>
+          </a:fillRef>
+          <a:effectRef idx="0">
+            <a:schemeClr val="accent6"/>
+          </a:effectRef>
+          <a:fontRef idx="minor">
+            <a:schemeClr val="dk1"/>
+          </a:fontRef>
+        </p:style>
+        <p:txBody>
+          <a:bodyPr rtlCol="0" anchor="ctr"/>
+          <a:lstStyle/>
+          <a:p>
+            <a:pPr algn="ctr"/>
+            <a:r>
+              <a:rPr lang="pt-BR" dirty="0"/>
+              <a:t>Sistema está conectado</a:t>
+            </a:r>
+          </a:p>
+        </p:txBody>
+      </p:sp>
+      <p:sp>
+        <p:nvSpPr>
+          <p:cNvPr id="17" name="Retângulo 16">
+            <a:extLst>
+              <a:ext uri="{FF2B5EF4-FFF2-40B4-BE49-F238E27FC236}">
+                <a16:creationId xmlns:a16="http://schemas.microsoft.com/office/drawing/2014/main" id="{8A0E7F2E-65A1-5517-DE8F-0349C86F0F8E}"/>
+              </a:ext>
+            </a:extLst>
+          </p:cNvPr>
+          <p:cNvSpPr/>
+          <p:nvPr/>
+        </p:nvSpPr>
+        <p:spPr>
+          <a:xfrm>
+            <a:off x="5260416" y="1341911"/>
+            <a:ext cx="3028208" cy="1140032"/>
+          </a:xfrm>
+          <a:prstGeom prst="rect">
+            <a:avLst/>
+          </a:prstGeom>
+          <a:solidFill>
+            <a:schemeClr val="accent1">
+              <a:lumMod val="40000"/>
+              <a:lumOff val="60000"/>
+            </a:schemeClr>
+          </a:solidFill>
+        </p:spPr>
+        <p:style>
+          <a:lnRef idx="2">
+            <a:schemeClr val="accent6"/>
+          </a:lnRef>
+          <a:fillRef idx="1">
+            <a:schemeClr val="lt1"/>
+          </a:fillRef>
+          <a:effectRef idx="0">
+            <a:schemeClr val="accent6"/>
+          </a:effectRef>
+          <a:fontRef idx="minor">
+            <a:schemeClr val="dk1"/>
+          </a:fontRef>
+        </p:style>
+        <p:txBody>
+          <a:bodyPr rtlCol="0" anchor="ctr"/>
+          <a:lstStyle/>
+          <a:p>
+            <a:pPr algn="ctr"/>
+            <a:r>
+              <a:rPr lang="pt-BR" dirty="0"/>
+              <a:t>Sistema está conectado</a:t>
+            </a:r>
+          </a:p>
+        </p:txBody>
+      </p:sp>
+      <p:sp>
+        <p:nvSpPr>
+          <p:cNvPr id="14" name="Retângulo 13">
+            <a:extLst>
+              <a:ext uri="{FF2B5EF4-FFF2-40B4-BE49-F238E27FC236}">
+                <a16:creationId xmlns:a16="http://schemas.microsoft.com/office/drawing/2014/main" id="{A1EB652C-02B8-A16B-C936-0929BCA2E09D}"/>
+              </a:ext>
+            </a:extLst>
+          </p:cNvPr>
+          <p:cNvSpPr/>
+          <p:nvPr/>
+        </p:nvSpPr>
+        <p:spPr>
+          <a:xfrm>
+            <a:off x="8837658" y="1175658"/>
+            <a:ext cx="3028208" cy="5153891"/>
+          </a:xfrm>
+          <a:prstGeom prst="rect">
+            <a:avLst/>
+          </a:prstGeom>
+        </p:spPr>
+        <p:style>
+          <a:lnRef idx="2">
+            <a:schemeClr val="accent1">
+              <a:shade val="15000"/>
+            </a:schemeClr>
+          </a:lnRef>
+          <a:fillRef idx="1">
+            <a:schemeClr val="accent1"/>
+          </a:fillRef>
+          <a:effectRef idx="0">
+            <a:schemeClr val="accent1"/>
+          </a:effectRef>
+          <a:fontRef idx="minor">
+            <a:schemeClr val="lt1"/>
+          </a:fontRef>
+        </p:style>
+        <p:txBody>
+          <a:bodyPr rtlCol="0" anchor="ctr"/>
+          <a:lstStyle/>
+          <a:p>
+            <a:pPr algn="ctr"/>
+            <a:endParaRPr lang="pt-BR"/>
+          </a:p>
+        </p:txBody>
+      </p:sp>
+      <p:sp>
+        <p:nvSpPr>
+          <p:cNvPr id="18" name="Retângulo 17">
+            <a:extLst>
+              <a:ext uri="{FF2B5EF4-FFF2-40B4-BE49-F238E27FC236}">
+                <a16:creationId xmlns:a16="http://schemas.microsoft.com/office/drawing/2014/main" id="{4B60066B-31BF-3F8A-C505-79BB7F75F385}"/>
+              </a:ext>
+            </a:extLst>
+          </p:cNvPr>
+          <p:cNvSpPr/>
+          <p:nvPr/>
+        </p:nvSpPr>
+        <p:spPr>
+          <a:xfrm>
+            <a:off x="8837658" y="1282540"/>
+            <a:ext cx="3028208" cy="1140032"/>
+          </a:xfrm>
+          <a:prstGeom prst="rect">
+            <a:avLst/>
+          </a:prstGeom>
+          <a:solidFill>
+            <a:schemeClr val="accent1">
+              <a:lumMod val="40000"/>
+              <a:lumOff val="60000"/>
+            </a:schemeClr>
+          </a:solidFill>
+        </p:spPr>
+        <p:style>
+          <a:lnRef idx="2">
+            <a:schemeClr val="accent6"/>
+          </a:lnRef>
+          <a:fillRef idx="1">
+            <a:schemeClr val="lt1"/>
+          </a:fillRef>
+          <a:effectRef idx="0">
+            <a:schemeClr val="accent6"/>
+          </a:effectRef>
+          <a:fontRef idx="minor">
+            <a:schemeClr val="dk1"/>
+          </a:fontRef>
+        </p:style>
+        <p:txBody>
+          <a:bodyPr rtlCol="0" anchor="ctr"/>
+          <a:lstStyle/>
+          <a:p>
+            <a:pPr algn="ctr"/>
+            <a:r>
+              <a:rPr lang="pt-BR" dirty="0"/>
+              <a:t>Sistema está conectado</a:t>
+            </a:r>
+          </a:p>
+        </p:txBody>
+      </p:sp>
+      <p:sp>
+        <p:nvSpPr>
+          <p:cNvPr id="19" name="Retângulo 18">
+            <a:extLst>
+              <a:ext uri="{FF2B5EF4-FFF2-40B4-BE49-F238E27FC236}">
+                <a16:creationId xmlns:a16="http://schemas.microsoft.com/office/drawing/2014/main" id="{3C6FE1C5-20E4-08C6-1375-0058D7F6CBC9}"/>
+              </a:ext>
+            </a:extLst>
+          </p:cNvPr>
+          <p:cNvSpPr/>
+          <p:nvPr/>
+        </p:nvSpPr>
+        <p:spPr>
+          <a:xfrm>
+            <a:off x="9537865" y="3004458"/>
+            <a:ext cx="2042556" cy="498764"/>
+          </a:xfrm>
+          <a:prstGeom prst="rect">
+            <a:avLst/>
+          </a:prstGeom>
+          <a:solidFill>
+            <a:schemeClr val="bg1"/>
+          </a:solidFill>
+        </p:spPr>
+        <p:style>
+          <a:lnRef idx="2">
+            <a:schemeClr val="accent1">
+              <a:shade val="15000"/>
+            </a:schemeClr>
+          </a:lnRef>
+          <a:fillRef idx="1">
+            <a:schemeClr val="accent1"/>
+          </a:fillRef>
+          <a:effectRef idx="0">
+            <a:schemeClr val="accent1"/>
+          </a:effectRef>
+          <a:fontRef idx="minor">
+            <a:schemeClr val="lt1"/>
+          </a:fontRef>
+        </p:style>
+        <p:txBody>
+          <a:bodyPr rtlCol="0" anchor="ctr"/>
+          <a:lstStyle/>
+          <a:p>
+            <a:pPr algn="ctr"/>
+            <a:r>
+              <a:rPr lang="pt-BR" dirty="0">
+                <a:solidFill>
+                  <a:schemeClr val="tx1"/>
+                </a:solidFill>
+              </a:rPr>
+              <a:t>horario1</a:t>
+            </a:r>
+          </a:p>
+        </p:txBody>
+      </p:sp>
+      <p:sp>
+        <p:nvSpPr>
+          <p:cNvPr id="20" name="Retângulo 19">
+            <a:extLst>
+              <a:ext uri="{FF2B5EF4-FFF2-40B4-BE49-F238E27FC236}">
+                <a16:creationId xmlns:a16="http://schemas.microsoft.com/office/drawing/2014/main" id="{7F807C59-A547-2710-F85B-1135D4599D29}"/>
+              </a:ext>
+            </a:extLst>
+          </p:cNvPr>
+          <p:cNvSpPr/>
+          <p:nvPr/>
+        </p:nvSpPr>
+        <p:spPr>
+          <a:xfrm>
+            <a:off x="9537865" y="3794168"/>
+            <a:ext cx="2042556" cy="498764"/>
+          </a:xfrm>
+          <a:prstGeom prst="rect">
+            <a:avLst/>
+          </a:prstGeom>
+          <a:solidFill>
+            <a:schemeClr val="bg1"/>
+          </a:solidFill>
+        </p:spPr>
+        <p:style>
+          <a:lnRef idx="2">
+            <a:schemeClr val="accent1">
+              <a:shade val="15000"/>
+            </a:schemeClr>
+          </a:lnRef>
+          <a:fillRef idx="1">
+            <a:schemeClr val="accent1"/>
+          </a:fillRef>
+          <a:effectRef idx="0">
+            <a:schemeClr val="accent1"/>
+          </a:effectRef>
+          <a:fontRef idx="minor">
+            <a:schemeClr val="lt1"/>
+          </a:fontRef>
+        </p:style>
+        <p:txBody>
+          <a:bodyPr rtlCol="0" anchor="ctr"/>
+          <a:lstStyle/>
+          <a:p>
+            <a:pPr algn="ctr"/>
+            <a:r>
+              <a:rPr lang="pt-BR" dirty="0">
+                <a:solidFill>
+                  <a:schemeClr val="tx1"/>
+                </a:solidFill>
+              </a:rPr>
+              <a:t>horario2</a:t>
+            </a:r>
+          </a:p>
+        </p:txBody>
+      </p:sp>
+      <p:sp>
+        <p:nvSpPr>
+          <p:cNvPr id="21" name="Retângulo 20">
+            <a:extLst>
+              <a:ext uri="{FF2B5EF4-FFF2-40B4-BE49-F238E27FC236}">
+                <a16:creationId xmlns:a16="http://schemas.microsoft.com/office/drawing/2014/main" id="{DF61A49E-0EAD-6976-D92C-DC6776EE1C43}"/>
+              </a:ext>
+            </a:extLst>
+          </p:cNvPr>
+          <p:cNvSpPr/>
+          <p:nvPr/>
+        </p:nvSpPr>
+        <p:spPr>
+          <a:xfrm>
+            <a:off x="9537865" y="4542314"/>
+            <a:ext cx="2042556" cy="498764"/>
+          </a:xfrm>
+          <a:prstGeom prst="rect">
+            <a:avLst/>
+          </a:prstGeom>
+          <a:solidFill>
+            <a:schemeClr val="bg1"/>
+          </a:solidFill>
+        </p:spPr>
+        <p:style>
+          <a:lnRef idx="2">
+            <a:schemeClr val="accent1">
+              <a:shade val="15000"/>
+            </a:schemeClr>
+          </a:lnRef>
+          <a:fillRef idx="1">
+            <a:schemeClr val="accent1"/>
+          </a:fillRef>
+          <a:effectRef idx="0">
+            <a:schemeClr val="accent1"/>
+          </a:effectRef>
+          <a:fontRef idx="minor">
+            <a:schemeClr val="lt1"/>
+          </a:fontRef>
+        </p:style>
+        <p:txBody>
+          <a:bodyPr rtlCol="0" anchor="ctr"/>
+          <a:lstStyle/>
+          <a:p>
+            <a:pPr algn="ctr"/>
+            <a:r>
+              <a:rPr lang="pt-BR" dirty="0" err="1">
+                <a:solidFill>
+                  <a:schemeClr val="tx1"/>
+                </a:solidFill>
+              </a:rPr>
+              <a:t>Horario</a:t>
+            </a:r>
+            <a:r>
+              <a:rPr lang="pt-BR" dirty="0">
+                <a:solidFill>
+                  <a:schemeClr val="tx1"/>
+                </a:solidFill>
+              </a:rPr>
+              <a:t> 3</a:t>
+            </a:r>
+          </a:p>
+        </p:txBody>
+      </p:sp>
+      <p:sp>
+        <p:nvSpPr>
+          <p:cNvPr id="22" name="Retângulo 21">
+            <a:extLst>
+              <a:ext uri="{FF2B5EF4-FFF2-40B4-BE49-F238E27FC236}">
+                <a16:creationId xmlns:a16="http://schemas.microsoft.com/office/drawing/2014/main" id="{1C6B22A6-1CDA-7125-9442-1BAF9B1F648D}"/>
+              </a:ext>
+            </a:extLst>
+          </p:cNvPr>
+          <p:cNvSpPr/>
+          <p:nvPr/>
+        </p:nvSpPr>
+        <p:spPr>
+          <a:xfrm>
+            <a:off x="9552376" y="5290460"/>
+            <a:ext cx="2042556" cy="498764"/>
+          </a:xfrm>
+          <a:prstGeom prst="rect">
+            <a:avLst/>
+          </a:prstGeom>
+          <a:solidFill>
+            <a:schemeClr val="bg1"/>
+          </a:solidFill>
+        </p:spPr>
+        <p:style>
+          <a:lnRef idx="2">
+            <a:schemeClr val="accent1">
+              <a:shade val="15000"/>
+            </a:schemeClr>
+          </a:lnRef>
+          <a:fillRef idx="1">
+            <a:schemeClr val="accent1"/>
+          </a:fillRef>
+          <a:effectRef idx="0">
+            <a:schemeClr val="accent1"/>
+          </a:effectRef>
+          <a:fontRef idx="minor">
+            <a:schemeClr val="lt1"/>
+          </a:fontRef>
+        </p:style>
+        <p:txBody>
+          <a:bodyPr rtlCol="0" anchor="ctr"/>
+          <a:lstStyle/>
+          <a:p>
+            <a:pPr algn="ctr"/>
+            <a:r>
+              <a:rPr lang="pt-BR" dirty="0" err="1">
+                <a:solidFill>
+                  <a:schemeClr val="tx1"/>
+                </a:solidFill>
+              </a:rPr>
+              <a:t>Horario</a:t>
+            </a:r>
+            <a:r>
+              <a:rPr lang="pt-BR" dirty="0">
+                <a:solidFill>
+                  <a:schemeClr val="tx1"/>
+                </a:solidFill>
+              </a:rPr>
+              <a:t> 4</a:t>
+            </a:r>
+          </a:p>
+        </p:txBody>
+      </p:sp>
+      <p:sp>
+        <p:nvSpPr>
+          <p:cNvPr id="23" name="Retângulo 22">
+            <a:extLst>
+              <a:ext uri="{FF2B5EF4-FFF2-40B4-BE49-F238E27FC236}">
+                <a16:creationId xmlns:a16="http://schemas.microsoft.com/office/drawing/2014/main" id="{89544DD6-F629-8AF3-A41B-E642F89F1558}"/>
+              </a:ext>
+            </a:extLst>
+          </p:cNvPr>
+          <p:cNvSpPr/>
+          <p:nvPr/>
+        </p:nvSpPr>
+        <p:spPr>
+          <a:xfrm>
+            <a:off x="9807477" y="5950864"/>
+            <a:ext cx="1228659" cy="258611"/>
+          </a:xfrm>
+          <a:prstGeom prst="rect">
+            <a:avLst/>
+          </a:prstGeom>
+          <a:solidFill>
+            <a:schemeClr val="bg1"/>
+          </a:solidFill>
+        </p:spPr>
+        <p:style>
+          <a:lnRef idx="2">
+            <a:schemeClr val="accent1">
+              <a:shade val="15000"/>
+            </a:schemeClr>
+          </a:lnRef>
+          <a:fillRef idx="1">
+            <a:schemeClr val="accent1"/>
+          </a:fillRef>
+          <a:effectRef idx="0">
+            <a:schemeClr val="accent1"/>
+          </a:effectRef>
+          <a:fontRef idx="minor">
+            <a:schemeClr val="lt1"/>
+          </a:fontRef>
+        </p:style>
+        <p:txBody>
+          <a:bodyPr rtlCol="0" anchor="ctr"/>
+          <a:lstStyle/>
+          <a:p>
+            <a:pPr algn="ctr"/>
+            <a:r>
+              <a:rPr lang="pt-BR" dirty="0">
+                <a:solidFill>
+                  <a:schemeClr val="tx1"/>
+                </a:solidFill>
+              </a:rPr>
+              <a:t>ir</a:t>
+            </a:r>
+          </a:p>
+        </p:txBody>
+      </p:sp>
+    </p:spTree>
+    <p:extLst>
+      <p:ext uri="{BB962C8B-B14F-4D97-AF65-F5344CB8AC3E}">
+        <p14:creationId xmlns:p14="http://schemas.microsoft.com/office/powerpoint/2010/main" val="2474799688"/>
+      </p:ext>
+    </p:extLst>
+  </p:cSld>
+  <p:clrMapOvr>
+    <a:masterClrMapping/>
+  </p:clrMapOvr>
+</p:sld>
+</file>
+
+<file path=ppt/slides/slide5.xml><?xml version="1.0" encoding="utf-8"?>
+<p:sld xmlns:a="http://schemas.openxmlformats.org/drawingml/2006/main" xmlns:r="http://schemas.openxmlformats.org/officeDocument/2006/relationships" xmlns:p="http://schemas.openxmlformats.org/presentationml/2006/main">
+  <p:cSld>
+    <p:spTree>
+      <p:nvGrpSpPr>
+        <p:cNvPr id="1" name=""/>
+        <p:cNvGrpSpPr/>
+        <p:nvPr/>
+      </p:nvGrpSpPr>
+      <p:grpSpPr>
+        <a:xfrm>
+          <a:off x="0" y="0"/>
+          <a:ext cx="0" cy="0"/>
+          <a:chOff x="0" y="0"/>
+          <a:chExt cx="0" cy="0"/>
+        </a:xfrm>
+      </p:grpSpPr>
+      <p:sp>
+        <p:nvSpPr>
+          <p:cNvPr id="2" name="CaixaDeTexto 1">
+            <a:extLst>
+              <a:ext uri="{FF2B5EF4-FFF2-40B4-BE49-F238E27FC236}">
+                <a16:creationId xmlns:a16="http://schemas.microsoft.com/office/drawing/2014/main" id="{28529E03-3BE1-A8EC-0A0E-519A2ED49ADC}"/>
+              </a:ext>
+            </a:extLst>
+          </p:cNvPr>
+          <p:cNvSpPr txBox="1"/>
+          <p:nvPr/>
+        </p:nvSpPr>
+        <p:spPr>
+          <a:xfrm>
+            <a:off x="2307772" y="333704"/>
+            <a:ext cx="6673932" cy="369332"/>
+          </a:xfrm>
+          <a:prstGeom prst="rect">
+            <a:avLst/>
+          </a:prstGeom>
+          <a:noFill/>
+        </p:spPr>
+        <p:txBody>
+          <a:bodyPr wrap="square" rtlCol="0">
+            <a:spAutoFit/>
+          </a:bodyPr>
+          <a:lstStyle/>
+          <a:p>
+            <a:pPr algn="ctr"/>
+            <a:r>
+              <a:rPr lang="pt-BR" dirty="0"/>
+              <a:t>Meu app</a:t>
+            </a:r>
+          </a:p>
+        </p:txBody>
+      </p:sp>
+      <p:sp>
+        <p:nvSpPr>
+          <p:cNvPr id="3" name="Retângulo 2">
+            <a:extLst>
+              <a:ext uri="{FF2B5EF4-FFF2-40B4-BE49-F238E27FC236}">
+                <a16:creationId xmlns:a16="http://schemas.microsoft.com/office/drawing/2014/main" id="{4035AF53-895F-33C7-BF36-B85AF83B02EE}"/>
+              </a:ext>
+            </a:extLst>
+          </p:cNvPr>
+          <p:cNvSpPr/>
+          <p:nvPr/>
+        </p:nvSpPr>
+        <p:spPr>
+          <a:xfrm>
+            <a:off x="754083" y="1341912"/>
+            <a:ext cx="3028208" cy="5153891"/>
+          </a:xfrm>
+          <a:prstGeom prst="rect">
+            <a:avLst/>
+          </a:prstGeom>
+        </p:spPr>
+        <p:style>
+          <a:lnRef idx="2">
+            <a:schemeClr val="accent1">
+              <a:shade val="15000"/>
+            </a:schemeClr>
+          </a:lnRef>
+          <a:fillRef idx="1">
+            <a:schemeClr val="accent1"/>
+          </a:fillRef>
+          <a:effectRef idx="0">
+            <a:schemeClr val="accent1"/>
+          </a:effectRef>
+          <a:fontRef idx="minor">
+            <a:schemeClr val="lt1"/>
+          </a:fontRef>
+        </p:style>
+        <p:txBody>
+          <a:bodyPr rtlCol="0" anchor="ctr"/>
+          <a:lstStyle/>
+          <a:p>
+            <a:pPr algn="ctr"/>
+            <a:endParaRPr lang="pt-BR"/>
+          </a:p>
+        </p:txBody>
+      </p:sp>
+      <p:sp>
+        <p:nvSpPr>
+          <p:cNvPr id="4" name="Retângulo 3">
+            <a:extLst>
+              <a:ext uri="{FF2B5EF4-FFF2-40B4-BE49-F238E27FC236}">
+                <a16:creationId xmlns:a16="http://schemas.microsoft.com/office/drawing/2014/main" id="{6F164A62-8E26-FB40-B8F0-1777B74866C5}"/>
+              </a:ext>
+            </a:extLst>
+          </p:cNvPr>
+          <p:cNvSpPr/>
+          <p:nvPr/>
+        </p:nvSpPr>
+        <p:spPr>
+          <a:xfrm>
+            <a:off x="1135083" y="2839400"/>
+            <a:ext cx="2042556" cy="498764"/>
+          </a:xfrm>
+          <a:prstGeom prst="rect">
+            <a:avLst/>
+          </a:prstGeom>
+          <a:solidFill>
+            <a:schemeClr val="bg1"/>
+          </a:solidFill>
+        </p:spPr>
+        <p:style>
+          <a:lnRef idx="2">
+            <a:schemeClr val="accent1">
+              <a:shade val="15000"/>
+            </a:schemeClr>
+          </a:lnRef>
+          <a:fillRef idx="1">
+            <a:schemeClr val="accent1"/>
+          </a:fillRef>
+          <a:effectRef idx="0">
+            <a:schemeClr val="accent1"/>
+          </a:effectRef>
+          <a:fontRef idx="minor">
+            <a:schemeClr val="lt1"/>
+          </a:fontRef>
+        </p:style>
+        <p:txBody>
+          <a:bodyPr rtlCol="0" anchor="ctr"/>
+          <a:lstStyle/>
+          <a:p>
+            <a:pPr algn="ctr"/>
+            <a:r>
+              <a:rPr lang="pt-BR" dirty="0">
+                <a:solidFill>
+                  <a:schemeClr val="tx1"/>
+                </a:solidFill>
+              </a:rPr>
+              <a:t>Cancel1</a:t>
+            </a:r>
+          </a:p>
+        </p:txBody>
+      </p:sp>
+      <p:sp>
+        <p:nvSpPr>
+          <p:cNvPr id="5" name="Retângulo 4">
+            <a:extLst>
+              <a:ext uri="{FF2B5EF4-FFF2-40B4-BE49-F238E27FC236}">
+                <a16:creationId xmlns:a16="http://schemas.microsoft.com/office/drawing/2014/main" id="{8E835FDF-B118-37B9-93D8-C2B59EFEE789}"/>
+              </a:ext>
+            </a:extLst>
+          </p:cNvPr>
+          <p:cNvSpPr/>
+          <p:nvPr/>
+        </p:nvSpPr>
+        <p:spPr>
+          <a:xfrm>
+            <a:off x="1135083" y="3629110"/>
+            <a:ext cx="2042556" cy="498764"/>
+          </a:xfrm>
+          <a:prstGeom prst="rect">
+            <a:avLst/>
+          </a:prstGeom>
+          <a:solidFill>
+            <a:schemeClr val="bg1"/>
+          </a:solidFill>
+        </p:spPr>
+        <p:style>
+          <a:lnRef idx="2">
+            <a:schemeClr val="accent1">
+              <a:shade val="15000"/>
+            </a:schemeClr>
+          </a:lnRef>
+          <a:fillRef idx="1">
+            <a:schemeClr val="accent1"/>
+          </a:fillRef>
+          <a:effectRef idx="0">
+            <a:schemeClr val="accent1"/>
+          </a:effectRef>
+          <a:fontRef idx="minor">
+            <a:schemeClr val="lt1"/>
+          </a:fontRef>
+        </p:style>
+        <p:txBody>
+          <a:bodyPr rtlCol="0" anchor="ctr"/>
+          <a:lstStyle/>
+          <a:p>
+            <a:pPr algn="ctr"/>
+            <a:r>
+              <a:rPr lang="pt-BR" dirty="0">
+                <a:solidFill>
+                  <a:schemeClr val="tx1"/>
+                </a:solidFill>
+              </a:rPr>
+              <a:t>Desabilitar todos</a:t>
+            </a:r>
+          </a:p>
+        </p:txBody>
+      </p:sp>
+      <p:sp>
+        <p:nvSpPr>
+          <p:cNvPr id="6" name="Retângulo 5">
+            <a:extLst>
+              <a:ext uri="{FF2B5EF4-FFF2-40B4-BE49-F238E27FC236}">
+                <a16:creationId xmlns:a16="http://schemas.microsoft.com/office/drawing/2014/main" id="{ACDE8BDE-BE7B-6706-1357-3621196F95EC}"/>
+              </a:ext>
+            </a:extLst>
+          </p:cNvPr>
+          <p:cNvSpPr/>
+          <p:nvPr/>
+        </p:nvSpPr>
+        <p:spPr>
+          <a:xfrm>
+            <a:off x="1135083" y="4439602"/>
+            <a:ext cx="2042556" cy="498764"/>
+          </a:xfrm>
+          <a:prstGeom prst="rect">
+            <a:avLst/>
+          </a:prstGeom>
+          <a:solidFill>
+            <a:schemeClr val="bg1"/>
+          </a:solidFill>
+        </p:spPr>
+        <p:style>
+          <a:lnRef idx="2">
+            <a:schemeClr val="accent1">
+              <a:shade val="15000"/>
+            </a:schemeClr>
+          </a:lnRef>
+          <a:fillRef idx="1">
+            <a:schemeClr val="accent1"/>
+          </a:fillRef>
+          <a:effectRef idx="0">
+            <a:schemeClr val="accent1"/>
+          </a:effectRef>
+          <a:fontRef idx="minor">
+            <a:schemeClr val="lt1"/>
+          </a:fontRef>
+        </p:style>
+        <p:txBody>
+          <a:bodyPr rtlCol="0" anchor="ctr"/>
+          <a:lstStyle/>
+          <a:p>
+            <a:pPr algn="ctr"/>
+            <a:r>
+              <a:rPr lang="pt-BR" dirty="0">
+                <a:solidFill>
+                  <a:schemeClr val="tx1"/>
+                </a:solidFill>
+              </a:rPr>
+              <a:t>Mais opções</a:t>
+            </a:r>
+          </a:p>
+        </p:txBody>
+      </p:sp>
+      <p:sp>
+        <p:nvSpPr>
+          <p:cNvPr id="7" name="Retângulo 6">
+            <a:extLst>
+              <a:ext uri="{FF2B5EF4-FFF2-40B4-BE49-F238E27FC236}">
+                <a16:creationId xmlns:a16="http://schemas.microsoft.com/office/drawing/2014/main" id="{890D4497-B630-6E06-AC78-03FAAB3B9FB3}"/>
+              </a:ext>
+            </a:extLst>
+          </p:cNvPr>
+          <p:cNvSpPr/>
+          <p:nvPr/>
+        </p:nvSpPr>
+        <p:spPr>
+          <a:xfrm>
+            <a:off x="5265165" y="1301546"/>
+            <a:ext cx="3028208" cy="5153891"/>
+          </a:xfrm>
+          <a:prstGeom prst="rect">
+            <a:avLst/>
+          </a:prstGeom>
+        </p:spPr>
+        <p:style>
+          <a:lnRef idx="2">
+            <a:schemeClr val="accent1">
+              <a:shade val="15000"/>
+            </a:schemeClr>
+          </a:lnRef>
+          <a:fillRef idx="1">
+            <a:schemeClr val="accent1"/>
+          </a:fillRef>
+          <a:effectRef idx="0">
+            <a:schemeClr val="accent1"/>
+          </a:effectRef>
+          <a:fontRef idx="minor">
+            <a:schemeClr val="lt1"/>
+          </a:fontRef>
+        </p:style>
+        <p:txBody>
+          <a:bodyPr rtlCol="0" anchor="ctr"/>
+          <a:lstStyle/>
+          <a:p>
+            <a:pPr algn="ctr"/>
+            <a:endParaRPr lang="pt-BR"/>
+          </a:p>
+        </p:txBody>
+      </p:sp>
+      <p:cxnSp>
+        <p:nvCxnSpPr>
+          <p:cNvPr id="9" name="Conector de Seta Reta 8">
+            <a:extLst>
+              <a:ext uri="{FF2B5EF4-FFF2-40B4-BE49-F238E27FC236}">
+                <a16:creationId xmlns:a16="http://schemas.microsoft.com/office/drawing/2014/main" id="{20FC32EB-3F49-68F8-7905-709AB4B07AF0}"/>
+              </a:ext>
+            </a:extLst>
+          </p:cNvPr>
+          <p:cNvCxnSpPr>
+            <a:cxnSpLocks/>
+          </p:cNvCxnSpPr>
+          <p:nvPr/>
+        </p:nvCxnSpPr>
+        <p:spPr>
+          <a:xfrm>
+            <a:off x="4108862" y="3571506"/>
+            <a:ext cx="1104406" cy="0"/>
+          </a:xfrm>
+          <a:prstGeom prst="straightConnector1">
+            <a:avLst/>
+          </a:prstGeom>
+          <a:ln>
+            <a:tailEnd type="triangle"/>
+          </a:ln>
+        </p:spPr>
+        <p:style>
+          <a:lnRef idx="1">
+            <a:schemeClr val="accent1"/>
+          </a:lnRef>
+          <a:fillRef idx="0">
+            <a:schemeClr val="accent1"/>
+          </a:fillRef>
+          <a:effectRef idx="0">
+            <a:schemeClr val="accent1"/>
+          </a:effectRef>
+          <a:fontRef idx="minor">
+            <a:schemeClr val="tx1"/>
+          </a:fontRef>
+        </p:style>
+      </p:cxnSp>
+      <p:sp>
+        <p:nvSpPr>
+          <p:cNvPr id="10" name="CaixaDeTexto 9">
+            <a:extLst>
+              <a:ext uri="{FF2B5EF4-FFF2-40B4-BE49-F238E27FC236}">
+                <a16:creationId xmlns:a16="http://schemas.microsoft.com/office/drawing/2014/main" id="{9CCAE730-703A-A520-2187-1BBAF7BEFFCA}"/>
+              </a:ext>
+            </a:extLst>
+          </p:cNvPr>
+          <p:cNvSpPr txBox="1"/>
+          <p:nvPr/>
+        </p:nvSpPr>
+        <p:spPr>
+          <a:xfrm>
+            <a:off x="3755810" y="3331024"/>
+            <a:ext cx="1354538" cy="369332"/>
+          </a:xfrm>
+          <a:prstGeom prst="rect">
+            <a:avLst/>
+          </a:prstGeom>
+          <a:noFill/>
+        </p:spPr>
+        <p:txBody>
+          <a:bodyPr wrap="none" rtlCol="0">
+            <a:spAutoFit/>
+          </a:bodyPr>
+          <a:lstStyle/>
+          <a:p>
+            <a:r>
+              <a:rPr lang="pt-BR" dirty="0"/>
+              <a:t>Mais </a:t>
+            </a:r>
+            <a:r>
+              <a:rPr lang="pt-BR" dirty="0" err="1"/>
+              <a:t>opçoes</a:t>
+            </a:r>
+            <a:endParaRPr lang="pt-BR" dirty="0"/>
+          </a:p>
+        </p:txBody>
+      </p:sp>
+      <p:sp>
+        <p:nvSpPr>
+          <p:cNvPr id="11" name="Retângulo 10">
+            <a:extLst>
+              <a:ext uri="{FF2B5EF4-FFF2-40B4-BE49-F238E27FC236}">
+                <a16:creationId xmlns:a16="http://schemas.microsoft.com/office/drawing/2014/main" id="{01142C82-FDD1-2DEC-CAAC-647EB46515BA}"/>
+              </a:ext>
+            </a:extLst>
+          </p:cNvPr>
+          <p:cNvSpPr/>
+          <p:nvPr/>
+        </p:nvSpPr>
+        <p:spPr>
+          <a:xfrm>
+            <a:off x="6096000" y="3503222"/>
+            <a:ext cx="2042556" cy="498764"/>
+          </a:xfrm>
+          <a:prstGeom prst="rect">
+            <a:avLst/>
+          </a:prstGeom>
+          <a:solidFill>
+            <a:schemeClr val="bg1"/>
+          </a:solidFill>
+        </p:spPr>
+        <p:style>
+          <a:lnRef idx="2">
+            <a:schemeClr val="accent1">
+              <a:shade val="15000"/>
+            </a:schemeClr>
+          </a:lnRef>
+          <a:fillRef idx="1">
+            <a:schemeClr val="accent1"/>
+          </a:fillRef>
+          <a:effectRef idx="0">
+            <a:schemeClr val="accent1"/>
+          </a:effectRef>
+          <a:fontRef idx="minor">
+            <a:schemeClr val="lt1"/>
+          </a:fontRef>
+        </p:style>
+        <p:txBody>
+          <a:bodyPr rtlCol="0" anchor="ctr"/>
+          <a:lstStyle/>
+          <a:p>
+            <a:pPr algn="ctr"/>
+            <a:r>
+              <a:rPr lang="pt-BR" dirty="0">
+                <a:solidFill>
+                  <a:schemeClr val="tx1"/>
+                </a:solidFill>
+              </a:rPr>
+              <a:t>Cancelar um hora</a:t>
+            </a:r>
+          </a:p>
+        </p:txBody>
+      </p:sp>
+      <p:sp>
+        <p:nvSpPr>
+          <p:cNvPr id="12" name="Retângulo 11">
+            <a:extLst>
+              <a:ext uri="{FF2B5EF4-FFF2-40B4-BE49-F238E27FC236}">
+                <a16:creationId xmlns:a16="http://schemas.microsoft.com/office/drawing/2014/main" id="{86FAE91B-6029-AC80-8B18-D41012EA6F43}"/>
+              </a:ext>
+            </a:extLst>
+          </p:cNvPr>
+          <p:cNvSpPr/>
+          <p:nvPr/>
+        </p:nvSpPr>
+        <p:spPr>
+          <a:xfrm>
+            <a:off x="6096000" y="4292932"/>
+            <a:ext cx="2042556" cy="498764"/>
+          </a:xfrm>
+          <a:prstGeom prst="rect">
+            <a:avLst/>
+          </a:prstGeom>
+          <a:solidFill>
+            <a:schemeClr val="bg1"/>
+          </a:solidFill>
+        </p:spPr>
+        <p:style>
+          <a:lnRef idx="2">
+            <a:schemeClr val="accent1">
+              <a:shade val="15000"/>
+            </a:schemeClr>
+          </a:lnRef>
+          <a:fillRef idx="1">
+            <a:schemeClr val="accent1"/>
+          </a:fillRef>
+          <a:effectRef idx="0">
+            <a:schemeClr val="accent1"/>
+          </a:effectRef>
+          <a:fontRef idx="minor">
+            <a:schemeClr val="lt1"/>
+          </a:fontRef>
+        </p:style>
+        <p:txBody>
+          <a:bodyPr rtlCol="0" anchor="ctr"/>
+          <a:lstStyle/>
+          <a:p>
+            <a:pPr algn="ctr"/>
+            <a:r>
+              <a:rPr lang="pt-BR" dirty="0">
+                <a:solidFill>
+                  <a:schemeClr val="tx1"/>
+                </a:solidFill>
+              </a:rPr>
+              <a:t>Mudar primeiro </a:t>
+            </a:r>
+            <a:r>
+              <a:rPr lang="pt-BR" dirty="0" err="1">
+                <a:solidFill>
+                  <a:schemeClr val="tx1"/>
+                </a:solidFill>
+              </a:rPr>
+              <a:t>horario</a:t>
+            </a:r>
+            <a:endParaRPr lang="pt-BR" dirty="0">
+              <a:solidFill>
+                <a:schemeClr val="tx1"/>
+              </a:solidFill>
+            </a:endParaRPr>
+          </a:p>
+        </p:txBody>
+      </p:sp>
+      <p:sp>
+        <p:nvSpPr>
+          <p:cNvPr id="16" name="Retângulo 15">
+            <a:extLst>
+              <a:ext uri="{FF2B5EF4-FFF2-40B4-BE49-F238E27FC236}">
+                <a16:creationId xmlns:a16="http://schemas.microsoft.com/office/drawing/2014/main" id="{787C555B-F787-F807-A0B0-1CD8088D215E}"/>
+              </a:ext>
+            </a:extLst>
+          </p:cNvPr>
+          <p:cNvSpPr/>
+          <p:nvPr/>
+        </p:nvSpPr>
+        <p:spPr>
+          <a:xfrm>
+            <a:off x="749334" y="1341911"/>
+            <a:ext cx="3028208" cy="1140032"/>
+          </a:xfrm>
+          <a:prstGeom prst="rect">
+            <a:avLst/>
+          </a:prstGeom>
+          <a:solidFill>
+            <a:schemeClr val="accent1">
+              <a:lumMod val="40000"/>
+              <a:lumOff val="60000"/>
+            </a:schemeClr>
+          </a:solidFill>
+        </p:spPr>
+        <p:style>
+          <a:lnRef idx="2">
+            <a:schemeClr val="accent6"/>
+          </a:lnRef>
+          <a:fillRef idx="1">
+            <a:schemeClr val="lt1"/>
+          </a:fillRef>
+          <a:effectRef idx="0">
+            <a:schemeClr val="accent6"/>
+          </a:effectRef>
+          <a:fontRef idx="minor">
+            <a:schemeClr val="dk1"/>
+          </a:fontRef>
+        </p:style>
+        <p:txBody>
+          <a:bodyPr rtlCol="0" anchor="ctr"/>
+          <a:lstStyle/>
+          <a:p>
+            <a:pPr algn="ctr"/>
+            <a:r>
+              <a:rPr lang="pt-BR" dirty="0"/>
+              <a:t>Sistema está conectado</a:t>
+            </a:r>
+          </a:p>
+        </p:txBody>
+      </p:sp>
+      <p:sp>
+        <p:nvSpPr>
+          <p:cNvPr id="17" name="Retângulo 16">
+            <a:extLst>
+              <a:ext uri="{FF2B5EF4-FFF2-40B4-BE49-F238E27FC236}">
+                <a16:creationId xmlns:a16="http://schemas.microsoft.com/office/drawing/2014/main" id="{8A0E7F2E-65A1-5517-DE8F-0349C86F0F8E}"/>
+              </a:ext>
+            </a:extLst>
+          </p:cNvPr>
+          <p:cNvSpPr/>
+          <p:nvPr/>
+        </p:nvSpPr>
+        <p:spPr>
+          <a:xfrm>
+            <a:off x="5260416" y="1341911"/>
+            <a:ext cx="3028208" cy="1140032"/>
+          </a:xfrm>
+          <a:prstGeom prst="rect">
+            <a:avLst/>
+          </a:prstGeom>
+          <a:solidFill>
+            <a:schemeClr val="accent1">
+              <a:lumMod val="40000"/>
+              <a:lumOff val="60000"/>
+            </a:schemeClr>
+          </a:solidFill>
+        </p:spPr>
+        <p:style>
+          <a:lnRef idx="2">
+            <a:schemeClr val="accent6"/>
+          </a:lnRef>
+          <a:fillRef idx="1">
+            <a:schemeClr val="lt1"/>
+          </a:fillRef>
+          <a:effectRef idx="0">
+            <a:schemeClr val="accent6"/>
+          </a:effectRef>
+          <a:fontRef idx="minor">
+            <a:schemeClr val="dk1"/>
+          </a:fontRef>
+        </p:style>
+        <p:txBody>
+          <a:bodyPr rtlCol="0" anchor="ctr"/>
+          <a:lstStyle/>
+          <a:p>
+            <a:pPr algn="ctr"/>
+            <a:r>
+              <a:rPr lang="pt-BR" dirty="0"/>
+              <a:t>Sistema está conectado</a:t>
+            </a:r>
+          </a:p>
+        </p:txBody>
+      </p:sp>
+      <p:sp>
+        <p:nvSpPr>
+          <p:cNvPr id="14" name="Retângulo 13">
+            <a:extLst>
+              <a:ext uri="{FF2B5EF4-FFF2-40B4-BE49-F238E27FC236}">
+                <a16:creationId xmlns:a16="http://schemas.microsoft.com/office/drawing/2014/main" id="{A1EB652C-02B8-A16B-C936-0929BCA2E09D}"/>
+              </a:ext>
+            </a:extLst>
+          </p:cNvPr>
+          <p:cNvSpPr/>
+          <p:nvPr/>
+        </p:nvSpPr>
+        <p:spPr>
+          <a:xfrm>
+            <a:off x="8837658" y="1175658"/>
+            <a:ext cx="3028208" cy="5153891"/>
+          </a:xfrm>
+          <a:prstGeom prst="rect">
+            <a:avLst/>
+          </a:prstGeom>
+        </p:spPr>
+        <p:style>
+          <a:lnRef idx="2">
+            <a:schemeClr val="accent1">
+              <a:shade val="15000"/>
+            </a:schemeClr>
+          </a:lnRef>
+          <a:fillRef idx="1">
+            <a:schemeClr val="accent1"/>
+          </a:fillRef>
+          <a:effectRef idx="0">
+            <a:schemeClr val="accent1"/>
+          </a:effectRef>
+          <a:fontRef idx="minor">
+            <a:schemeClr val="lt1"/>
+          </a:fontRef>
+        </p:style>
+        <p:txBody>
+          <a:bodyPr rtlCol="0" anchor="ctr"/>
+          <a:lstStyle/>
+          <a:p>
+            <a:pPr algn="ctr"/>
+            <a:endParaRPr lang="pt-BR"/>
+          </a:p>
+        </p:txBody>
+      </p:sp>
+      <p:sp>
+        <p:nvSpPr>
+          <p:cNvPr id="18" name="Retângulo 17">
+            <a:extLst>
+              <a:ext uri="{FF2B5EF4-FFF2-40B4-BE49-F238E27FC236}">
+                <a16:creationId xmlns:a16="http://schemas.microsoft.com/office/drawing/2014/main" id="{4B60066B-31BF-3F8A-C505-79BB7F75F385}"/>
+              </a:ext>
+            </a:extLst>
+          </p:cNvPr>
+          <p:cNvSpPr/>
+          <p:nvPr/>
+        </p:nvSpPr>
+        <p:spPr>
+          <a:xfrm>
+            <a:off x="8837658" y="1282540"/>
+            <a:ext cx="3028208" cy="1140032"/>
+          </a:xfrm>
+          <a:prstGeom prst="rect">
+            <a:avLst/>
+          </a:prstGeom>
+          <a:solidFill>
+            <a:schemeClr val="accent1">
+              <a:lumMod val="40000"/>
+              <a:lumOff val="60000"/>
+            </a:schemeClr>
+          </a:solidFill>
+        </p:spPr>
+        <p:style>
+          <a:lnRef idx="2">
+            <a:schemeClr val="accent6"/>
+          </a:lnRef>
+          <a:fillRef idx="1">
+            <a:schemeClr val="lt1"/>
+          </a:fillRef>
+          <a:effectRef idx="0">
+            <a:schemeClr val="accent6"/>
+          </a:effectRef>
+          <a:fontRef idx="minor">
+            <a:schemeClr val="dk1"/>
+          </a:fontRef>
+        </p:style>
+        <p:txBody>
+          <a:bodyPr rtlCol="0" anchor="ctr"/>
+          <a:lstStyle/>
+          <a:p>
+            <a:pPr algn="ctr"/>
+            <a:r>
+              <a:rPr lang="pt-BR" dirty="0"/>
+              <a:t>Sistema está conectado</a:t>
+            </a:r>
+          </a:p>
+        </p:txBody>
+      </p:sp>
+      <p:sp>
+        <p:nvSpPr>
+          <p:cNvPr id="23" name="Retângulo 22">
+            <a:extLst>
+              <a:ext uri="{FF2B5EF4-FFF2-40B4-BE49-F238E27FC236}">
+                <a16:creationId xmlns:a16="http://schemas.microsoft.com/office/drawing/2014/main" id="{89544DD6-F629-8AF3-A41B-E642F89F1558}"/>
+              </a:ext>
+            </a:extLst>
+          </p:cNvPr>
+          <p:cNvSpPr/>
+          <p:nvPr/>
+        </p:nvSpPr>
+        <p:spPr>
+          <a:xfrm>
+            <a:off x="9776247" y="4306123"/>
+            <a:ext cx="1228659" cy="258611"/>
+          </a:xfrm>
+          <a:prstGeom prst="rect">
+            <a:avLst/>
+          </a:prstGeom>
+          <a:solidFill>
+            <a:schemeClr val="bg1"/>
+          </a:solidFill>
+        </p:spPr>
+        <p:style>
+          <a:lnRef idx="2">
+            <a:schemeClr val="accent1">
+              <a:shade val="15000"/>
+            </a:schemeClr>
+          </a:lnRef>
+          <a:fillRef idx="1">
+            <a:schemeClr val="accent1"/>
+          </a:fillRef>
+          <a:effectRef idx="0">
+            <a:schemeClr val="accent1"/>
+          </a:effectRef>
+          <a:fontRef idx="minor">
+            <a:schemeClr val="lt1"/>
+          </a:fontRef>
+        </p:style>
+        <p:txBody>
+          <a:bodyPr rtlCol="0" anchor="ctr"/>
+          <a:lstStyle/>
+          <a:p>
+            <a:pPr algn="ctr"/>
+            <a:r>
+              <a:rPr lang="pt-BR" dirty="0">
+                <a:solidFill>
+                  <a:schemeClr val="tx1"/>
+                </a:solidFill>
+              </a:rPr>
+              <a:t>ir</a:t>
+            </a:r>
+          </a:p>
+        </p:txBody>
+      </p:sp>
+      <p:cxnSp>
+        <p:nvCxnSpPr>
+          <p:cNvPr id="13" name="Conector reto 12">
+            <a:extLst>
+              <a:ext uri="{FF2B5EF4-FFF2-40B4-BE49-F238E27FC236}">
+                <a16:creationId xmlns:a16="http://schemas.microsoft.com/office/drawing/2014/main" id="{08494DF8-6ED3-E6A5-25D2-2D1CF354781C}"/>
+              </a:ext>
+            </a:extLst>
+          </p:cNvPr>
+          <p:cNvCxnSpPr/>
+          <p:nvPr/>
+        </p:nvCxnSpPr>
+        <p:spPr>
+          <a:xfrm flipV="1">
+            <a:off x="9369287" y="3331024"/>
+            <a:ext cx="1881809" cy="7140"/>
+          </a:xfrm>
+          <a:prstGeom prst="line">
+            <a:avLst/>
+          </a:prstGeom>
+        </p:spPr>
+        <p:style>
+          <a:lnRef idx="1">
+            <a:schemeClr val="dk1"/>
+          </a:lnRef>
+          <a:fillRef idx="0">
+            <a:schemeClr val="dk1"/>
+          </a:fillRef>
+          <a:effectRef idx="0">
+            <a:schemeClr val="dk1"/>
+          </a:effectRef>
+          <a:fontRef idx="minor">
+            <a:schemeClr val="tx1"/>
+          </a:fontRef>
+        </p:style>
+      </p:cxnSp>
+    </p:spTree>
+    <p:extLst>
+      <p:ext uri="{BB962C8B-B14F-4D97-AF65-F5344CB8AC3E}">
+        <p14:creationId xmlns:p14="http://schemas.microsoft.com/office/powerpoint/2010/main" val="504841733"/>
+      </p:ext>
+    </p:extLst>
   </p:cSld>
   <p:clrMapOvr>
     <a:masterClrMapping/>
@@ -3650,10 +7439,327 @@
       </a:bgFillStyleLst>
     </a:fmtScheme>
   </a:themeElements>
+  <a:objectDefaults/>
+  <a:extraClrSchemeLst/>
   <a:extLst>
     <a:ext uri="{05A4C25C-085E-4340-85A3-A5531E510DB2}">
       <thm15:themeFamily xmlns:thm15="http://schemas.microsoft.com/office/thememl/2012/main" name="Office Theme" id="{62F939B6-93AF-4DB8-9C6B-D6C7DFDC589F}" vid="{4A3C46E8-61CC-4603-A589-7422A47A8E4A}"/>
     </a:ext>
   </a:extLst>
 </a:theme>
+</file>
+
+<file path=ppt/theme/theme2.xml><?xml version="1.0" encoding="utf-8"?>
+<a:theme xmlns:a="http://schemas.openxmlformats.org/drawingml/2006/main" name="Tema do Office">
+  <a:themeElements>
+    <a:clrScheme name="Office">
+      <a:dk1>
+        <a:sysClr val="windowText" lastClr="000000"/>
+      </a:dk1>
+      <a:lt1>
+        <a:sysClr val="window" lastClr="FFFFFF"/>
+      </a:lt1>
+      <a:dk2>
+        <a:srgbClr val="0E2841"/>
+      </a:dk2>
+      <a:lt2>
+        <a:srgbClr val="E8E8E8"/>
+      </a:lt2>
+      <a:accent1>
+        <a:srgbClr val="156082"/>
+      </a:accent1>
+      <a:accent2>
+        <a:srgbClr val="E97132"/>
+      </a:accent2>
+      <a:accent3>
+        <a:srgbClr val="196B24"/>
+      </a:accent3>
+      <a:accent4>
+        <a:srgbClr val="0F9ED5"/>
+      </a:accent4>
+      <a:accent5>
+        <a:srgbClr val="A02B93"/>
+      </a:accent5>
+      <a:accent6>
+        <a:srgbClr val="4EA72E"/>
+      </a:accent6>
+      <a:hlink>
+        <a:srgbClr val="467886"/>
+      </a:hlink>
+      <a:folHlink>
+        <a:srgbClr val="96607D"/>
+      </a:folHlink>
+    </a:clrScheme>
+    <a:fontScheme name="Office">
+      <a:majorFont>
+        <a:latin typeface="Aptos Display" panose="02110004020202020204"/>
+        <a:ea typeface=""/>
+        <a:cs typeface=""/>
+        <a:font script="Jpan" typeface="游ゴシック Light"/>
+        <a:font script="Hang" typeface="맑은 고딕"/>
+        <a:font script="Hans" typeface="等线 Light"/>
+        <a:font script="Hant" typeface="新細明體"/>
+        <a:font script="Arab" typeface="Times New Roman"/>
+        <a:font script="Hebr" typeface="Times New Roman"/>
+        <a:font script="Thai" typeface="Angsana New"/>
+        <a:font script="Ethi" typeface="Nyala"/>
+        <a:font script="Beng" typeface="Vrinda"/>
+        <a:font script="Gujr" typeface="Shruti"/>
+        <a:font script="Khmr" typeface="MoolBoran"/>
+        <a:font script="Knda" typeface="Tunga"/>
+        <a:font script="Guru" typeface="Raavi"/>
+        <a:font script="Cans" typeface="Euphemia"/>
+        <a:font script="Cher" typeface="Plantagenet Cherokee"/>
+        <a:font script="Yiii" typeface="Microsoft Yi Baiti"/>
+        <a:font script="Tibt" typeface="Microsoft Himalaya"/>
+        <a:font script="Thaa" typeface="MV Boli"/>
+        <a:font script="Deva" typeface="Mangal"/>
+        <a:font script="Telu" typeface="Gautami"/>
+        <a:font script="Taml" typeface="Latha"/>
+        <a:font script="Syrc" typeface="Estrangelo Edessa"/>
+        <a:font script="Orya" typeface="Kalinga"/>
+        <a:font script="Mlym" typeface="Kartika"/>
+        <a:font script="Laoo" typeface="DokChampa"/>
+        <a:font script="Sinh" typeface="Iskoola Pota"/>
+        <a:font script="Mong" typeface="Mongolian Baiti"/>
+        <a:font script="Viet" typeface="Times New Roman"/>
+        <a:font script="Uigh" typeface="Microsoft Uighur"/>
+        <a:font script="Geor" typeface="Sylfaen"/>
+        <a:font script="Armn" typeface="Arial"/>
+        <a:font script="Bugi" typeface="Leelawadee UI"/>
+        <a:font script="Bopo" typeface="Microsoft JhengHei"/>
+        <a:font script="Java" typeface="Javanese Text"/>
+        <a:font script="Lisu" typeface="Segoe UI"/>
+        <a:font script="Mymr" typeface="Myanmar Text"/>
+        <a:font script="Nkoo" typeface="Ebrima"/>
+        <a:font script="Olck" typeface="Nirmala UI"/>
+        <a:font script="Osma" typeface="Ebrima"/>
+        <a:font script="Phag" typeface="Phagspa"/>
+        <a:font script="Syrn" typeface="Estrangelo Edessa"/>
+        <a:font script="Syrj" typeface="Estrangelo Edessa"/>
+        <a:font script="Syre" typeface="Estrangelo Edessa"/>
+        <a:font script="Sora" typeface="Nirmala UI"/>
+        <a:font script="Tale" typeface="Microsoft Tai Le"/>
+        <a:font script="Talu" typeface="Microsoft New Tai Lue"/>
+        <a:font script="Tfng" typeface="Ebrima"/>
+      </a:majorFont>
+      <a:minorFont>
+        <a:latin typeface="Aptos" panose="02110004020202020204"/>
+        <a:ea typeface=""/>
+        <a:cs typeface=""/>
+        <a:font script="Jpan" typeface="游ゴシック"/>
+        <a:font script="Hang" typeface="맑은 고딕"/>
+        <a:font script="Hans" typeface="等线"/>
+        <a:font script="Hant" typeface="新細明體"/>
+        <a:font script="Arab" typeface="Arial"/>
+        <a:font script="Hebr" typeface="Arial"/>
+        <a:font script="Thai" typeface="Cordia New"/>
+        <a:font script="Ethi" typeface="Nyala"/>
+        <a:font script="Beng" typeface="Vrinda"/>
+        <a:font script="Gujr" typeface="Shruti"/>
+        <a:font script="Khmr" typeface="DaunPenh"/>
+        <a:font script="Knda" typeface="Tunga"/>
+        <a:font script="Guru" typeface="Raavi"/>
+        <a:font script="Cans" typeface="Euphemia"/>
+        <a:font script="Cher" typeface="Plantagenet Cherokee"/>
+        <a:font script="Yiii" typeface="Microsoft Yi Baiti"/>
+        <a:font script="Tibt" typeface="Microsoft Himalaya"/>
+        <a:font script="Thaa" typeface="MV Boli"/>
+        <a:font script="Deva" typeface="Mangal"/>
+        <a:font script="Telu" typeface="Gautami"/>
+        <a:font script="Taml" typeface="Latha"/>
+        <a:font script="Syrc" typeface="Estrangelo Edessa"/>
+        <a:font script="Orya" typeface="Kalinga"/>
+        <a:font script="Mlym" typeface="Kartika"/>
+        <a:font script="Laoo" typeface="DokChampa"/>
+        <a:font script="Sinh" typeface="Iskoola Pota"/>
+        <a:font script="Mong" typeface="Mongolian Baiti"/>
+        <a:font script="Viet" typeface="Arial"/>
+        <a:font script="Uigh" typeface="Microsoft Uighur"/>
+        <a:font script="Geor" typeface="Sylfaen"/>
+        <a:font script="Armn" typeface="Arial"/>
+        <a:font script="Bugi" typeface="Leelawadee UI"/>
+        <a:font script="Bopo" typeface="Microsoft JhengHei"/>
+        <a:font script="Java" typeface="Javanese Text"/>
+        <a:font script="Lisu" typeface="Segoe UI"/>
+        <a:font script="Mymr" typeface="Myanmar Text"/>
+        <a:font script="Nkoo" typeface="Ebrima"/>
+        <a:font script="Olck" typeface="Nirmala UI"/>
+        <a:font script="Osma" typeface="Ebrima"/>
+        <a:font script="Phag" typeface="Phagspa"/>
+        <a:font script="Syrn" typeface="Estrangelo Edessa"/>
+        <a:font script="Syrj" typeface="Estrangelo Edessa"/>
+        <a:font script="Syre" typeface="Estrangelo Edessa"/>
+        <a:font script="Sora" typeface="Nirmala UI"/>
+        <a:font script="Tale" typeface="Microsoft Tai Le"/>
+        <a:font script="Talu" typeface="Microsoft New Tai Lue"/>
+        <a:font script="Tfng" typeface="Ebrima"/>
+      </a:minorFont>
+    </a:fontScheme>
+    <a:fmtScheme name="Office">
+      <a:fillStyleLst>
+        <a:solidFill>
+          <a:schemeClr val="phClr"/>
+        </a:solidFill>
+        <a:gradFill rotWithShape="1">
+          <a:gsLst>
+            <a:gs pos="0">
+              <a:schemeClr val="phClr">
+                <a:lumMod val="110000"/>
+                <a:satMod val="105000"/>
+                <a:tint val="67000"/>
+              </a:schemeClr>
+            </a:gs>
+            <a:gs pos="50000">
+              <a:schemeClr val="phClr">
+                <a:lumMod val="105000"/>
+                <a:satMod val="103000"/>
+                <a:tint val="73000"/>
+              </a:schemeClr>
+            </a:gs>
+            <a:gs pos="100000">
+              <a:schemeClr val="phClr">
+                <a:lumMod val="105000"/>
+                <a:satMod val="109000"/>
+                <a:tint val="81000"/>
+              </a:schemeClr>
+            </a:gs>
+          </a:gsLst>
+          <a:lin ang="5400000" scaled="0"/>
+        </a:gradFill>
+        <a:gradFill rotWithShape="1">
+          <a:gsLst>
+            <a:gs pos="0">
+              <a:schemeClr val="phClr">
+                <a:satMod val="103000"/>
+                <a:lumMod val="102000"/>
+                <a:tint val="94000"/>
+              </a:schemeClr>
+            </a:gs>
+            <a:gs pos="50000">
+              <a:schemeClr val="phClr">
+                <a:satMod val="110000"/>
+                <a:lumMod val="100000"/>
+                <a:shade val="100000"/>
+              </a:schemeClr>
+            </a:gs>
+            <a:gs pos="100000">
+              <a:schemeClr val="phClr">
+                <a:lumMod val="99000"/>
+                <a:satMod val="120000"/>
+                <a:shade val="78000"/>
+              </a:schemeClr>
+            </a:gs>
+          </a:gsLst>
+          <a:lin ang="5400000" scaled="0"/>
+        </a:gradFill>
+      </a:fillStyleLst>
+      <a:lnStyleLst>
+        <a:ln w="12700" cap="flat" cmpd="sng" algn="ctr">
+          <a:solidFill>
+            <a:schemeClr val="phClr"/>
+          </a:solidFill>
+          <a:prstDash val="solid"/>
+          <a:miter lim="800000"/>
+        </a:ln>
+        <a:ln w="19050" cap="flat" cmpd="sng" algn="ctr">
+          <a:solidFill>
+            <a:schemeClr val="phClr"/>
+          </a:solidFill>
+          <a:prstDash val="solid"/>
+          <a:miter lim="800000"/>
+        </a:ln>
+        <a:ln w="25400" cap="flat" cmpd="sng" algn="ctr">
+          <a:solidFill>
+            <a:schemeClr val="phClr"/>
+          </a:solidFill>
+          <a:prstDash val="solid"/>
+          <a:miter lim="800000"/>
+        </a:ln>
+      </a:lnStyleLst>
+      <a:effectStyleLst>
+        <a:effectStyle>
+          <a:effectLst/>
+        </a:effectStyle>
+        <a:effectStyle>
+          <a:effectLst/>
+        </a:effectStyle>
+        <a:effectStyle>
+          <a:effectLst>
+            <a:outerShdw blurRad="57150" dist="19050" dir="5400000" algn="ctr" rotWithShape="0">
+              <a:srgbClr val="000000">
+                <a:alpha val="63000"/>
+              </a:srgbClr>
+            </a:outerShdw>
+          </a:effectLst>
+        </a:effectStyle>
+      </a:effectStyleLst>
+      <a:bgFillStyleLst>
+        <a:solidFill>
+          <a:schemeClr val="phClr"/>
+        </a:solidFill>
+        <a:solidFill>
+          <a:schemeClr val="phClr">
+            <a:tint val="95000"/>
+            <a:satMod val="170000"/>
+          </a:schemeClr>
+        </a:solidFill>
+        <a:gradFill rotWithShape="1">
+          <a:gsLst>
+            <a:gs pos="0">
+              <a:schemeClr val="phClr">
+                <a:tint val="93000"/>
+                <a:satMod val="150000"/>
+                <a:shade val="98000"/>
+                <a:lumMod val="102000"/>
+              </a:schemeClr>
+            </a:gs>
+            <a:gs pos="50000">
+              <a:schemeClr val="phClr">
+                <a:tint val="98000"/>
+                <a:satMod val="130000"/>
+                <a:shade val="90000"/>
+                <a:lumMod val="103000"/>
+              </a:schemeClr>
+            </a:gs>
+            <a:gs pos="100000">
+              <a:schemeClr val="phClr">
+                <a:shade val="63000"/>
+                <a:satMod val="120000"/>
+              </a:schemeClr>
+            </a:gs>
+          </a:gsLst>
+          <a:lin ang="5400000" scaled="0"/>
+        </a:gradFill>
+      </a:bgFillStyleLst>
+    </a:fmtScheme>
+  </a:themeElements>
+  <a:objectDefaults>
+    <a:lnDef>
+      <a:spPr/>
+      <a:bodyPr/>
+      <a:lstStyle/>
+      <a:style>
+        <a:lnRef idx="2">
+          <a:schemeClr val="accent1"/>
+        </a:lnRef>
+        <a:fillRef idx="0">
+          <a:schemeClr val="accent1"/>
+        </a:fillRef>
+        <a:effectRef idx="1">
+          <a:schemeClr val="accent1"/>
+        </a:effectRef>
+        <a:fontRef idx="minor">
+          <a:schemeClr val="tx1"/>
+        </a:fontRef>
+      </a:style>
+    </a:lnDef>
+  </a:objectDefaults>
+  <a:extraClrSchemeLst/>
+  <a:extLst>
+    <a:ext uri="{05A4C25C-085E-4340-85A3-A5531E510DB2}">
+      <thm15:themeFamily xmlns:thm15="http://schemas.microsoft.com/office/thememl/2012/main" name="Office Theme" id="{2E142A2C-CD16-42D6-873A-C26D2A0506FA}" vid="{1BDDFF52-6CD6-40A5-AB3C-68EB2F1E4D0A}"/>
+    </a:ext>
+  </a:extLst>
+</a:theme>
 </file>
--- a/documentation/requisitos.pptx
+++ b/documentation/requisitos.pptx
@@ -8,11 +8,11 @@
     <p:notesMasterId r:id="rId7"/>
   </p:notesMasterIdLst>
   <p:sldIdLst>
-    <p:sldId id="256" r:id="rId2"/>
-    <p:sldId id="257" r:id="rId3"/>
-    <p:sldId id="258" r:id="rId4"/>
-    <p:sldId id="259" r:id="rId5"/>
-    <p:sldId id="260" r:id="rId6"/>
+    <p:sldId id="256" r:id="rId3"/>
+    <p:sldId id="257" r:id="rId4"/>
+    <p:sldId id="258" r:id="rId5"/>
+    <p:sldId id="259" r:id="rId6"/>
+    <p:sldId id="260" r:id="rId8"/>
   </p:sldIdLst>
   <p:sldSz cx="12192000" cy="6858000"/>
   <p:notesSz cx="6858000" cy="9144000"/>
@@ -111,11 +111,6 @@
       </a:defRPr>
     </a:lvl9pPr>
   </p:defaultTextStyle>
-  <p:extLst>
-    <p:ext uri="{EFAFB233-063F-42B5-8137-9DF3F51BA10A}">
-      <p15:sldGuideLst xmlns:p15="http://schemas.microsoft.com/office/powerpoint/2012/main"/>
-    </p:ext>
-  </p:extLst>
 </p:presentation>
 </file>
 
@@ -201,7 +196,6 @@
           <a:p>
             <a:fld id="{236DF320-84EC-4EC8-8A35-BB40D3DB8C89}" type="datetimeFigureOut">
               <a:rPr lang="pt-BR" smtClean="0"/>
-              <a:t>05/07/2024</a:t>
             </a:fld>
             <a:endParaRPr lang="pt-BR"/>
           </a:p>
@@ -268,6 +262,7 @@
               <a:rPr lang="pt-BR"/>
               <a:t>Clique para editar os estilos de texto Mestres</a:t>
             </a:r>
+            <a:endParaRPr lang="pt-BR"/>
           </a:p>
           <a:p>
             <a:pPr lvl="1"/>
@@ -275,6 +270,7 @@
               <a:rPr lang="pt-BR"/>
               <a:t>Segundo nível</a:t>
             </a:r>
+            <a:endParaRPr lang="pt-BR"/>
           </a:p>
           <a:p>
             <a:pPr lvl="2"/>
@@ -282,6 +278,7 @@
               <a:rPr lang="pt-BR"/>
               <a:t>Terceiro nível</a:t>
             </a:r>
+            <a:endParaRPr lang="pt-BR"/>
           </a:p>
           <a:p>
             <a:pPr lvl="3"/>
@@ -289,6 +286,7 @@
               <a:rPr lang="pt-BR"/>
               <a:t>Quarto nível</a:t>
             </a:r>
+            <a:endParaRPr lang="pt-BR"/>
           </a:p>
           <a:p>
             <a:pPr lvl="4"/>
@@ -296,6 +294,7 @@
               <a:rPr lang="pt-BR"/>
               <a:t>Quinto nível</a:t>
             </a:r>
+            <a:endParaRPr lang="pt-BR"/>
           </a:p>
         </p:txBody>
       </p:sp>
@@ -359,18 +358,12 @@
           <a:p>
             <a:fld id="{D37FCAFB-B478-42BA-B178-D47AEE765D14}" type="slidenum">
               <a:rPr lang="pt-BR" smtClean="0"/>
-              <a:t>‹nº›</a:t>
             </a:fld>
             <a:endParaRPr lang="pt-BR"/>
           </a:p>
         </p:txBody>
       </p:sp>
     </p:spTree>
-    <p:extLst>
-      <p:ext uri="{BB962C8B-B14F-4D97-AF65-F5344CB8AC3E}">
-        <p14:creationId xmlns:p14="http://schemas.microsoft.com/office/powerpoint/2010/main" val="438721051"/>
-      </p:ext>
-    </p:extLst>
   </p:cSld>
   <p:clrMap bg1="lt1" tx1="dk1" bg2="lt2" tx2="dk2" accent1="accent1" accent2="accent2" accent3="accent3" accent4="accent4" accent5="accent5" accent6="accent6" hlink="hlink" folHlink="folHlink"/>
   <p:notesStyle>
@@ -516,6 +509,7 @@
               <a:rPr lang="pt-BR" dirty="0"/>
               <a:t>O ultimo card deve permitir todos os horários ao mesmo tempo ou não</a:t>
             </a:r>
+            <a:endParaRPr lang="pt-BR" dirty="0"/>
           </a:p>
         </p:txBody>
       </p:sp>
@@ -536,18 +530,12 @@
           <a:p>
             <a:fld id="{D37FCAFB-B478-42BA-B178-D47AEE765D14}" type="slidenum">
               <a:rPr lang="pt-BR" smtClean="0"/>
-              <a:t>4</a:t>
             </a:fld>
             <a:endParaRPr lang="pt-BR"/>
           </a:p>
         </p:txBody>
       </p:sp>
     </p:spTree>
-    <p:extLst>
-      <p:ext uri="{BB962C8B-B14F-4D97-AF65-F5344CB8AC3E}">
-        <p14:creationId xmlns:p14="http://schemas.microsoft.com/office/powerpoint/2010/main" val="1155988202"/>
-      </p:ext>
-    </p:extLst>
   </p:cSld>
   <p:clrMapOvr>
     <a:masterClrMapping/>
@@ -603,6 +591,7 @@
               <a:rPr lang="pt-BR" dirty="0"/>
               <a:t>O ultimo card deve permitir todos os horários ao mesmo tempo ou não</a:t>
             </a:r>
+            <a:endParaRPr lang="pt-BR" dirty="0"/>
           </a:p>
         </p:txBody>
       </p:sp>
@@ -623,18 +612,12 @@
           <a:p>
             <a:fld id="{D37FCAFB-B478-42BA-B178-D47AEE765D14}" type="slidenum">
               <a:rPr lang="pt-BR" smtClean="0"/>
-              <a:t>5</a:t>
             </a:fld>
             <a:endParaRPr lang="pt-BR"/>
           </a:p>
         </p:txBody>
       </p:sp>
     </p:spTree>
-    <p:extLst>
-      <p:ext uri="{BB962C8B-B14F-4D97-AF65-F5344CB8AC3E}">
-        <p14:creationId xmlns:p14="http://schemas.microsoft.com/office/powerpoint/2010/main" val="727298677"/>
-      </p:ext>
-    </p:extLst>
   </p:cSld>
   <p:clrMapOvr>
     <a:masterClrMapping/>
@@ -687,6 +670,7 @@
               <a:rPr lang="pt-BR"/>
               <a:t>Clique para editar o título mestre</a:t>
             </a:r>
+            <a:endParaRPr lang="pt-BR"/>
           </a:p>
         </p:txBody>
       </p:sp>
@@ -751,6 +735,7 @@
               <a:rPr lang="pt-BR"/>
               <a:t>Clique para editar o estilo do subtítulo Mestre</a:t>
             </a:r>
+            <a:endParaRPr lang="pt-BR"/>
           </a:p>
         </p:txBody>
       </p:sp>
@@ -771,7 +756,6 @@
           <a:p>
             <a:fld id="{F3A711B5-2115-45C1-8945-4CD8CCC3DB36}" type="datetimeFigureOut">
               <a:rPr lang="pt-BR" smtClean="0"/>
-              <a:t>05/07/2024</a:t>
             </a:fld>
             <a:endParaRPr lang="pt-BR"/>
           </a:p>
@@ -813,7 +797,6 @@
           <a:p>
             <a:fld id="{CD179989-2F28-4935-9FD0-F71FBA1F1C24}" type="slidenum">
               <a:rPr lang="pt-BR" smtClean="0"/>
-              <a:t>‹nº›</a:t>
             </a:fld>
             <a:endParaRPr lang="pt-BR"/>
           </a:p>
@@ -863,6 +846,7 @@
               <a:rPr lang="pt-BR"/>
               <a:t>Clique para editar o título mestre</a:t>
             </a:r>
+            <a:endParaRPr lang="pt-BR"/>
           </a:p>
         </p:txBody>
       </p:sp>
@@ -886,6 +870,7 @@
               <a:rPr lang="pt-BR"/>
               <a:t>Editar estilos de texto Mestre</a:t>
             </a:r>
+            <a:endParaRPr lang="pt-BR"/>
           </a:p>
           <a:p>
             <a:pPr lvl="1"/>
@@ -893,6 +878,7 @@
               <a:rPr lang="pt-BR"/>
               <a:t>Segundo nível</a:t>
             </a:r>
+            <a:endParaRPr lang="pt-BR"/>
           </a:p>
           <a:p>
             <a:pPr lvl="2"/>
@@ -900,6 +886,7 @@
               <a:rPr lang="pt-BR"/>
               <a:t>Terceiro nível</a:t>
             </a:r>
+            <a:endParaRPr lang="pt-BR"/>
           </a:p>
           <a:p>
             <a:pPr lvl="3"/>
@@ -907,6 +894,7 @@
               <a:rPr lang="pt-BR"/>
               <a:t>Quarto nível</a:t>
             </a:r>
+            <a:endParaRPr lang="pt-BR"/>
           </a:p>
           <a:p>
             <a:pPr lvl="4"/>
@@ -914,6 +902,7 @@
               <a:rPr lang="pt-BR"/>
               <a:t>Quinto nível</a:t>
             </a:r>
+            <a:endParaRPr lang="pt-BR"/>
           </a:p>
         </p:txBody>
       </p:sp>
@@ -934,7 +923,6 @@
           <a:p>
             <a:fld id="{F3A711B5-2115-45C1-8945-4CD8CCC3DB36}" type="datetimeFigureOut">
               <a:rPr lang="pt-BR" smtClean="0"/>
-              <a:t>05/07/2024</a:t>
             </a:fld>
             <a:endParaRPr lang="pt-BR"/>
           </a:p>
@@ -976,7 +964,6 @@
           <a:p>
             <a:fld id="{CD179989-2F28-4935-9FD0-F71FBA1F1C24}" type="slidenum">
               <a:rPr lang="pt-BR" smtClean="0"/>
-              <a:t>‹nº›</a:t>
             </a:fld>
             <a:endParaRPr lang="pt-BR"/>
           </a:p>
@@ -1031,6 +1018,7 @@
               <a:rPr lang="pt-BR"/>
               <a:t>Clique para editar o título mestre</a:t>
             </a:r>
+            <a:endParaRPr lang="pt-BR"/>
           </a:p>
         </p:txBody>
       </p:sp>
@@ -1059,6 +1047,7 @@
               <a:rPr lang="pt-BR"/>
               <a:t>Editar estilos de texto Mestre</a:t>
             </a:r>
+            <a:endParaRPr lang="pt-BR"/>
           </a:p>
           <a:p>
             <a:pPr lvl="1"/>
@@ -1066,6 +1055,7 @@
               <a:rPr lang="pt-BR"/>
               <a:t>Segundo nível</a:t>
             </a:r>
+            <a:endParaRPr lang="pt-BR"/>
           </a:p>
           <a:p>
             <a:pPr lvl="2"/>
@@ -1073,6 +1063,7 @@
               <a:rPr lang="pt-BR"/>
               <a:t>Terceiro nível</a:t>
             </a:r>
+            <a:endParaRPr lang="pt-BR"/>
           </a:p>
           <a:p>
             <a:pPr lvl="3"/>
@@ -1080,6 +1071,7 @@
               <a:rPr lang="pt-BR"/>
               <a:t>Quarto nível</a:t>
             </a:r>
+            <a:endParaRPr lang="pt-BR"/>
           </a:p>
           <a:p>
             <a:pPr lvl="4"/>
@@ -1087,6 +1079,7 @@
               <a:rPr lang="pt-BR"/>
               <a:t>Quinto nível</a:t>
             </a:r>
+            <a:endParaRPr lang="pt-BR"/>
           </a:p>
         </p:txBody>
       </p:sp>
@@ -1107,7 +1100,6 @@
           <a:p>
             <a:fld id="{F3A711B5-2115-45C1-8945-4CD8CCC3DB36}" type="datetimeFigureOut">
               <a:rPr lang="pt-BR" smtClean="0"/>
-              <a:t>05/07/2024</a:t>
             </a:fld>
             <a:endParaRPr lang="pt-BR"/>
           </a:p>
@@ -1149,7 +1141,6 @@
           <a:p>
             <a:fld id="{CD179989-2F28-4935-9FD0-F71FBA1F1C24}" type="slidenum">
               <a:rPr lang="pt-BR" smtClean="0"/>
-              <a:t>‹nº›</a:t>
             </a:fld>
             <a:endParaRPr lang="pt-BR"/>
           </a:p>
@@ -1199,6 +1190,7 @@
               <a:rPr lang="pt-BR"/>
               <a:t>Clique para editar o título mestre</a:t>
             </a:r>
+            <a:endParaRPr lang="pt-BR"/>
           </a:p>
         </p:txBody>
       </p:sp>
@@ -1222,6 +1214,7 @@
               <a:rPr lang="pt-BR"/>
               <a:t>Editar estilos de texto Mestre</a:t>
             </a:r>
+            <a:endParaRPr lang="pt-BR"/>
           </a:p>
           <a:p>
             <a:pPr lvl="1"/>
@@ -1229,6 +1222,7 @@
               <a:rPr lang="pt-BR"/>
               <a:t>Segundo nível</a:t>
             </a:r>
+            <a:endParaRPr lang="pt-BR"/>
           </a:p>
           <a:p>
             <a:pPr lvl="2"/>
@@ -1236,6 +1230,7 @@
               <a:rPr lang="pt-BR"/>
               <a:t>Terceiro nível</a:t>
             </a:r>
+            <a:endParaRPr lang="pt-BR"/>
           </a:p>
           <a:p>
             <a:pPr lvl="3"/>
@@ -1243,6 +1238,7 @@
               <a:rPr lang="pt-BR"/>
               <a:t>Quarto nível</a:t>
             </a:r>
+            <a:endParaRPr lang="pt-BR"/>
           </a:p>
           <a:p>
             <a:pPr lvl="4"/>
@@ -1250,6 +1246,7 @@
               <a:rPr lang="pt-BR"/>
               <a:t>Quinto nível</a:t>
             </a:r>
+            <a:endParaRPr lang="pt-BR"/>
           </a:p>
         </p:txBody>
       </p:sp>
@@ -1270,7 +1267,6 @@
           <a:p>
             <a:fld id="{F3A711B5-2115-45C1-8945-4CD8CCC3DB36}" type="datetimeFigureOut">
               <a:rPr lang="pt-BR" smtClean="0"/>
-              <a:t>05/07/2024</a:t>
             </a:fld>
             <a:endParaRPr lang="pt-BR"/>
           </a:p>
@@ -1312,7 +1308,6 @@
           <a:p>
             <a:fld id="{CD179989-2F28-4935-9FD0-F71FBA1F1C24}" type="slidenum">
               <a:rPr lang="pt-BR" smtClean="0"/>
-              <a:t>‹nº›</a:t>
             </a:fld>
             <a:endParaRPr lang="pt-BR"/>
           </a:p>
@@ -1371,6 +1366,7 @@
               <a:rPr lang="pt-BR"/>
               <a:t>Clique para editar o título mestre</a:t>
             </a:r>
+            <a:endParaRPr lang="pt-BR"/>
           </a:p>
         </p:txBody>
       </p:sp>
@@ -1490,6 +1486,7 @@
               <a:rPr lang="pt-BR"/>
               <a:t>Editar estilos de texto Mestre</a:t>
             </a:r>
+            <a:endParaRPr lang="pt-BR"/>
           </a:p>
         </p:txBody>
       </p:sp>
@@ -1510,7 +1507,6 @@
           <a:p>
             <a:fld id="{F3A711B5-2115-45C1-8945-4CD8CCC3DB36}" type="datetimeFigureOut">
               <a:rPr lang="pt-BR" smtClean="0"/>
-              <a:t>05/07/2024</a:t>
             </a:fld>
             <a:endParaRPr lang="pt-BR"/>
           </a:p>
@@ -1552,7 +1548,6 @@
           <a:p>
             <a:fld id="{CD179989-2F28-4935-9FD0-F71FBA1F1C24}" type="slidenum">
               <a:rPr lang="pt-BR" smtClean="0"/>
-              <a:t>‹nº›</a:t>
             </a:fld>
             <a:endParaRPr lang="pt-BR"/>
           </a:p>
@@ -1602,6 +1597,7 @@
               <a:rPr lang="pt-BR"/>
               <a:t>Clique para editar o título mestre</a:t>
             </a:r>
+            <a:endParaRPr lang="pt-BR"/>
           </a:p>
         </p:txBody>
       </p:sp>
@@ -1630,6 +1626,7 @@
               <a:rPr lang="pt-BR"/>
               <a:t>Editar estilos de texto Mestre</a:t>
             </a:r>
+            <a:endParaRPr lang="pt-BR"/>
           </a:p>
           <a:p>
             <a:pPr lvl="1"/>
@@ -1637,6 +1634,7 @@
               <a:rPr lang="pt-BR"/>
               <a:t>Segundo nível</a:t>
             </a:r>
+            <a:endParaRPr lang="pt-BR"/>
           </a:p>
           <a:p>
             <a:pPr lvl="2"/>
@@ -1644,6 +1642,7 @@
               <a:rPr lang="pt-BR"/>
               <a:t>Terceiro nível</a:t>
             </a:r>
+            <a:endParaRPr lang="pt-BR"/>
           </a:p>
           <a:p>
             <a:pPr lvl="3"/>
@@ -1651,6 +1650,7 @@
               <a:rPr lang="pt-BR"/>
               <a:t>Quarto nível</a:t>
             </a:r>
+            <a:endParaRPr lang="pt-BR"/>
           </a:p>
           <a:p>
             <a:pPr lvl="4"/>
@@ -1658,6 +1658,7 @@
               <a:rPr lang="pt-BR"/>
               <a:t>Quinto nível</a:t>
             </a:r>
+            <a:endParaRPr lang="pt-BR"/>
           </a:p>
         </p:txBody>
       </p:sp>
@@ -1686,6 +1687,7 @@
               <a:rPr lang="pt-BR"/>
               <a:t>Editar estilos de texto Mestre</a:t>
             </a:r>
+            <a:endParaRPr lang="pt-BR"/>
           </a:p>
           <a:p>
             <a:pPr lvl="1"/>
@@ -1693,6 +1695,7 @@
               <a:rPr lang="pt-BR"/>
               <a:t>Segundo nível</a:t>
             </a:r>
+            <a:endParaRPr lang="pt-BR"/>
           </a:p>
           <a:p>
             <a:pPr lvl="2"/>
@@ -1700,6 +1703,7 @@
               <a:rPr lang="pt-BR"/>
               <a:t>Terceiro nível</a:t>
             </a:r>
+            <a:endParaRPr lang="pt-BR"/>
           </a:p>
           <a:p>
             <a:pPr lvl="3"/>
@@ -1707,6 +1711,7 @@
               <a:rPr lang="pt-BR"/>
               <a:t>Quarto nível</a:t>
             </a:r>
+            <a:endParaRPr lang="pt-BR"/>
           </a:p>
           <a:p>
             <a:pPr lvl="4"/>
@@ -1714,6 +1719,7 @@
               <a:rPr lang="pt-BR"/>
               <a:t>Quinto nível</a:t>
             </a:r>
+            <a:endParaRPr lang="pt-BR"/>
           </a:p>
         </p:txBody>
       </p:sp>
@@ -1734,7 +1740,6 @@
           <a:p>
             <a:fld id="{F3A711B5-2115-45C1-8945-4CD8CCC3DB36}" type="datetimeFigureOut">
               <a:rPr lang="pt-BR" smtClean="0"/>
-              <a:t>05/07/2024</a:t>
             </a:fld>
             <a:endParaRPr lang="pt-BR"/>
           </a:p>
@@ -1776,7 +1781,6 @@
           <a:p>
             <a:fld id="{CD179989-2F28-4935-9FD0-F71FBA1F1C24}" type="slidenum">
               <a:rPr lang="pt-BR" smtClean="0"/>
-              <a:t>‹nº›</a:t>
             </a:fld>
             <a:endParaRPr lang="pt-BR"/>
           </a:p>
@@ -1831,6 +1835,7 @@
               <a:rPr lang="pt-BR"/>
               <a:t>Clique para editar o título mestre</a:t>
             </a:r>
+            <a:endParaRPr lang="pt-BR"/>
           </a:p>
         </p:txBody>
       </p:sp>
@@ -1896,6 +1901,7 @@
               <a:rPr lang="pt-BR"/>
               <a:t>Editar estilos de texto Mestre</a:t>
             </a:r>
+            <a:endParaRPr lang="pt-BR"/>
           </a:p>
         </p:txBody>
       </p:sp>
@@ -1924,6 +1930,7 @@
               <a:rPr lang="pt-BR"/>
               <a:t>Editar estilos de texto Mestre</a:t>
             </a:r>
+            <a:endParaRPr lang="pt-BR"/>
           </a:p>
           <a:p>
             <a:pPr lvl="1"/>
@@ -1931,6 +1938,7 @@
               <a:rPr lang="pt-BR"/>
               <a:t>Segundo nível</a:t>
             </a:r>
+            <a:endParaRPr lang="pt-BR"/>
           </a:p>
           <a:p>
             <a:pPr lvl="2"/>
@@ -1938,6 +1946,7 @@
               <a:rPr lang="pt-BR"/>
               <a:t>Terceiro nível</a:t>
             </a:r>
+            <a:endParaRPr lang="pt-BR"/>
           </a:p>
           <a:p>
             <a:pPr lvl="3"/>
@@ -1945,6 +1954,7 @@
               <a:rPr lang="pt-BR"/>
               <a:t>Quarto nível</a:t>
             </a:r>
+            <a:endParaRPr lang="pt-BR"/>
           </a:p>
           <a:p>
             <a:pPr lvl="4"/>
@@ -1952,6 +1962,7 @@
               <a:rPr lang="pt-BR"/>
               <a:t>Quinto nível</a:t>
             </a:r>
+            <a:endParaRPr lang="pt-BR"/>
           </a:p>
         </p:txBody>
       </p:sp>
@@ -2017,6 +2028,7 @@
               <a:rPr lang="pt-BR"/>
               <a:t>Editar estilos de texto Mestre</a:t>
             </a:r>
+            <a:endParaRPr lang="pt-BR"/>
           </a:p>
         </p:txBody>
       </p:sp>
@@ -2045,6 +2057,7 @@
               <a:rPr lang="pt-BR"/>
               <a:t>Editar estilos de texto Mestre</a:t>
             </a:r>
+            <a:endParaRPr lang="pt-BR"/>
           </a:p>
           <a:p>
             <a:pPr lvl="1"/>
@@ -2052,6 +2065,7 @@
               <a:rPr lang="pt-BR"/>
               <a:t>Segundo nível</a:t>
             </a:r>
+            <a:endParaRPr lang="pt-BR"/>
           </a:p>
           <a:p>
             <a:pPr lvl="2"/>
@@ -2059,6 +2073,7 @@
               <a:rPr lang="pt-BR"/>
               <a:t>Terceiro nível</a:t>
             </a:r>
+            <a:endParaRPr lang="pt-BR"/>
           </a:p>
           <a:p>
             <a:pPr lvl="3"/>
@@ -2066,6 +2081,7 @@
               <a:rPr lang="pt-BR"/>
               <a:t>Quarto nível</a:t>
             </a:r>
+            <a:endParaRPr lang="pt-BR"/>
           </a:p>
           <a:p>
             <a:pPr lvl="4"/>
@@ -2073,6 +2089,7 @@
               <a:rPr lang="pt-BR"/>
               <a:t>Quinto nível</a:t>
             </a:r>
+            <a:endParaRPr lang="pt-BR"/>
           </a:p>
         </p:txBody>
       </p:sp>
@@ -2093,7 +2110,6 @@
           <a:p>
             <a:fld id="{F3A711B5-2115-45C1-8945-4CD8CCC3DB36}" type="datetimeFigureOut">
               <a:rPr lang="pt-BR" smtClean="0"/>
-              <a:t>05/07/2024</a:t>
             </a:fld>
             <a:endParaRPr lang="pt-BR"/>
           </a:p>
@@ -2135,7 +2151,6 @@
           <a:p>
             <a:fld id="{CD179989-2F28-4935-9FD0-F71FBA1F1C24}" type="slidenum">
               <a:rPr lang="pt-BR" smtClean="0"/>
-              <a:t>‹nº›</a:t>
             </a:fld>
             <a:endParaRPr lang="pt-BR"/>
           </a:p>
@@ -2185,6 +2200,7 @@
               <a:rPr lang="pt-BR"/>
               <a:t>Clique para editar o título mestre</a:t>
             </a:r>
+            <a:endParaRPr lang="pt-BR"/>
           </a:p>
         </p:txBody>
       </p:sp>
@@ -2205,7 +2221,6 @@
           <a:p>
             <a:fld id="{F3A711B5-2115-45C1-8945-4CD8CCC3DB36}" type="datetimeFigureOut">
               <a:rPr lang="pt-BR" smtClean="0"/>
-              <a:t>05/07/2024</a:t>
             </a:fld>
             <a:endParaRPr lang="pt-BR"/>
           </a:p>
@@ -2247,7 +2262,6 @@
           <a:p>
             <a:fld id="{CD179989-2F28-4935-9FD0-F71FBA1F1C24}" type="slidenum">
               <a:rPr lang="pt-BR" smtClean="0"/>
-              <a:t>‹nº›</a:t>
             </a:fld>
             <a:endParaRPr lang="pt-BR"/>
           </a:p>
@@ -2295,7 +2309,6 @@
           <a:p>
             <a:fld id="{F3A711B5-2115-45C1-8945-4CD8CCC3DB36}" type="datetimeFigureOut">
               <a:rPr lang="pt-BR" smtClean="0"/>
-              <a:t>05/07/2024</a:t>
             </a:fld>
             <a:endParaRPr lang="pt-BR"/>
           </a:p>
@@ -2337,7 +2350,6 @@
           <a:p>
             <a:fld id="{CD179989-2F28-4935-9FD0-F71FBA1F1C24}" type="slidenum">
               <a:rPr lang="pt-BR" smtClean="0"/>
-              <a:t>‹nº›</a:t>
             </a:fld>
             <a:endParaRPr lang="pt-BR"/>
           </a:p>
@@ -2396,6 +2408,7 @@
               <a:rPr lang="pt-BR"/>
               <a:t>Clique para editar o título mestre</a:t>
             </a:r>
+            <a:endParaRPr lang="pt-BR"/>
           </a:p>
         </p:txBody>
       </p:sp>
@@ -2452,6 +2465,7 @@
               <a:rPr lang="pt-BR"/>
               <a:t>Editar estilos de texto Mestre</a:t>
             </a:r>
+            <a:endParaRPr lang="pt-BR"/>
           </a:p>
           <a:p>
             <a:pPr lvl="1"/>
@@ -2459,6 +2473,7 @@
               <a:rPr lang="pt-BR"/>
               <a:t>Segundo nível</a:t>
             </a:r>
+            <a:endParaRPr lang="pt-BR"/>
           </a:p>
           <a:p>
             <a:pPr lvl="2"/>
@@ -2466,6 +2481,7 @@
               <a:rPr lang="pt-BR"/>
               <a:t>Terceiro nível</a:t>
             </a:r>
+            <a:endParaRPr lang="pt-BR"/>
           </a:p>
           <a:p>
             <a:pPr lvl="3"/>
@@ -2473,6 +2489,7 @@
               <a:rPr lang="pt-BR"/>
               <a:t>Quarto nível</a:t>
             </a:r>
+            <a:endParaRPr lang="pt-BR"/>
           </a:p>
           <a:p>
             <a:pPr lvl="4"/>
@@ -2480,6 +2497,7 @@
               <a:rPr lang="pt-BR"/>
               <a:t>Quinto nível</a:t>
             </a:r>
+            <a:endParaRPr lang="pt-BR"/>
           </a:p>
         </p:txBody>
       </p:sp>
@@ -2545,6 +2563,7 @@
               <a:rPr lang="pt-BR"/>
               <a:t>Editar estilos de texto Mestre</a:t>
             </a:r>
+            <a:endParaRPr lang="pt-BR"/>
           </a:p>
         </p:txBody>
       </p:sp>
@@ -2565,7 +2584,6 @@
           <a:p>
             <a:fld id="{F3A711B5-2115-45C1-8945-4CD8CCC3DB36}" type="datetimeFigureOut">
               <a:rPr lang="pt-BR" smtClean="0"/>
-              <a:t>05/07/2024</a:t>
             </a:fld>
             <a:endParaRPr lang="pt-BR"/>
           </a:p>
@@ -2607,7 +2625,6 @@
           <a:p>
             <a:fld id="{CD179989-2F28-4935-9FD0-F71FBA1F1C24}" type="slidenum">
               <a:rPr lang="pt-BR" smtClean="0"/>
-              <a:t>‹nº›</a:t>
             </a:fld>
             <a:endParaRPr lang="pt-BR"/>
           </a:p>
@@ -2666,6 +2683,7 @@
               <a:rPr lang="pt-BR"/>
               <a:t>Clique para editar o título mestre</a:t>
             </a:r>
+            <a:endParaRPr lang="pt-BR"/>
           </a:p>
         </p:txBody>
       </p:sp>
@@ -2792,6 +2810,7 @@
               <a:rPr lang="pt-BR"/>
               <a:t>Editar estilos de texto Mestre</a:t>
             </a:r>
+            <a:endParaRPr lang="pt-BR"/>
           </a:p>
         </p:txBody>
       </p:sp>
@@ -2812,7 +2831,6 @@
           <a:p>
             <a:fld id="{F3A711B5-2115-45C1-8945-4CD8CCC3DB36}" type="datetimeFigureOut">
               <a:rPr lang="pt-BR" smtClean="0"/>
-              <a:t>05/07/2024</a:t>
             </a:fld>
             <a:endParaRPr lang="pt-BR"/>
           </a:p>
@@ -2854,7 +2872,6 @@
           <a:p>
             <a:fld id="{CD179989-2F28-4935-9FD0-F71FBA1F1C24}" type="slidenum">
               <a:rPr lang="pt-BR" smtClean="0"/>
-              <a:t>‹nº›</a:t>
             </a:fld>
             <a:endParaRPr lang="pt-BR"/>
           </a:p>
@@ -2919,6 +2936,7 @@
               <a:rPr lang="pt-BR"/>
               <a:t>Clique para editar o título mestre</a:t>
             </a:r>
+            <a:endParaRPr lang="pt-BR"/>
           </a:p>
         </p:txBody>
       </p:sp>
@@ -2952,6 +2970,7 @@
               <a:rPr lang="pt-BR"/>
               <a:t>Editar estilos de texto Mestre</a:t>
             </a:r>
+            <a:endParaRPr lang="pt-BR"/>
           </a:p>
           <a:p>
             <a:pPr lvl="1"/>
@@ -2959,6 +2978,7 @@
               <a:rPr lang="pt-BR"/>
               <a:t>Segundo nível</a:t>
             </a:r>
+            <a:endParaRPr lang="pt-BR"/>
           </a:p>
           <a:p>
             <a:pPr lvl="2"/>
@@ -2966,6 +2986,7 @@
               <a:rPr lang="pt-BR"/>
               <a:t>Terceiro nível</a:t>
             </a:r>
+            <a:endParaRPr lang="pt-BR"/>
           </a:p>
           <a:p>
             <a:pPr lvl="3"/>
@@ -2973,6 +2994,7 @@
               <a:rPr lang="pt-BR"/>
               <a:t>Quarto nível</a:t>
             </a:r>
+            <a:endParaRPr lang="pt-BR"/>
           </a:p>
           <a:p>
             <a:pPr lvl="4"/>
@@ -2980,6 +3002,7 @@
               <a:rPr lang="pt-BR"/>
               <a:t>Quinto nível</a:t>
             </a:r>
+            <a:endParaRPr lang="pt-BR"/>
           </a:p>
         </p:txBody>
       </p:sp>
@@ -3018,7 +3041,6 @@
           <a:p>
             <a:fld id="{F3A711B5-2115-45C1-8945-4CD8CCC3DB36}" type="datetimeFigureOut">
               <a:rPr lang="pt-BR" smtClean="0"/>
-              <a:t>05/07/2024</a:t>
             </a:fld>
             <a:endParaRPr lang="pt-BR"/>
           </a:p>
@@ -3096,7 +3118,6 @@
           <a:p>
             <a:fld id="{CD179989-2F28-4935-9FD0-F71FBA1F1C24}" type="slidenum">
               <a:rPr lang="pt-BR" smtClean="0"/>
-              <a:t>‹nº›</a:t>
             </a:fld>
             <a:endParaRPr lang="pt-BR"/>
           </a:p>
@@ -3565,6 +3586,7 @@
               <a:rPr lang="pt-BR" altLang="en-US"/>
               <a:t>pc_trabalho</a:t>
             </a:r>
+            <a:endParaRPr lang="pt-BR" altLang="en-US"/>
           </a:p>
         </p:txBody>
       </p:sp>
@@ -3595,6 +3617,7 @@
               <a:rPr lang="pt-BR" altLang="en-US"/>
               <a:t>aplicativo</a:t>
             </a:r>
+            <a:endParaRPr lang="pt-BR" altLang="en-US"/>
           </a:p>
         </p:txBody>
       </p:sp>
@@ -3756,6 +3779,7 @@
               <a:rPr lang="pt-BR" altLang="en-US"/>
               <a:t>meuponto:</a:t>
             </a:r>
+            <a:endParaRPr lang="pt-BR" altLang="en-US"/>
           </a:p>
           <a:p>
             <a:endParaRPr lang="pt-BR" altLang="en-US"/>
@@ -3765,6 +3789,7 @@
               <a:rPr lang="pt-BR" altLang="en-US"/>
               <a:t>id , status , hora1 ,hora2,hora3,hora4 datetime</a:t>
             </a:r>
+            <a:endParaRPr lang="pt-BR" altLang="en-US"/>
           </a:p>
         </p:txBody>
       </p:sp>
@@ -3794,24 +3819,28 @@
               <a:rPr lang="pt-BR" altLang="en-US"/>
               <a:t>aplicativo</a:t>
             </a:r>
+            <a:endParaRPr lang="pt-BR" altLang="en-US"/>
           </a:p>
           <a:p>
             <a:r>
               <a:rPr lang="pt-BR" altLang="en-US"/>
               <a:t>get: api/app/cancel</a:t>
             </a:r>
+            <a:endParaRPr lang="pt-BR" altLang="en-US"/>
           </a:p>
           <a:p>
             <a:r>
               <a:rPr lang="pt-BR" altLang="en-US"/>
               <a:t>post: api/app/change</a:t>
             </a:r>
+            <a:endParaRPr lang="pt-BR" altLang="en-US"/>
           </a:p>
           <a:p>
             <a:r>
               <a:rPr lang="pt-BR" altLang="en-US"/>
               <a:t>post: api/app/disableall</a:t>
             </a:r>
+            <a:endParaRPr lang="pt-BR" altLang="en-US"/>
           </a:p>
           <a:p>
             <a:endParaRPr lang="pt-BR" altLang="en-US"/>
@@ -3821,12 +3850,14 @@
               <a:rPr lang="pt-BR" altLang="en-US"/>
               <a:t>computador</a:t>
             </a:r>
+            <a:endParaRPr lang="pt-BR" altLang="en-US"/>
           </a:p>
           <a:p>
             <a:r>
               <a:rPr lang="pt-BR" altLang="en-US"/>
               <a:t>get: api/pc/getinformation</a:t>
             </a:r>
+            <a:endParaRPr lang="pt-BR" altLang="en-US"/>
           </a:p>
         </p:txBody>
       </p:sp>
@@ -3856,12 +3887,14 @@
               <a:rPr lang="pt-BR" altLang="en-US"/>
               <a:t>oquefazer</a:t>
             </a:r>
+            <a:endParaRPr lang="pt-BR" altLang="en-US"/>
           </a:p>
           <a:p>
             <a:r>
               <a:rPr lang="pt-BR" altLang="en-US"/>
               <a:t>id,status,changed,datetime</a:t>
             </a:r>
+            <a:endParaRPr lang="pt-BR" altLang="en-US"/>
           </a:p>
         </p:txBody>
       </p:sp>
@@ -3892,13 +3925,7 @@
       </p:grpSpPr>
       <p:sp>
         <p:nvSpPr>
-          <p:cNvPr id="2" name="CaixaDeTexto 1">
-            <a:extLst>
-              <a:ext uri="{FF2B5EF4-FFF2-40B4-BE49-F238E27FC236}">
-                <a16:creationId xmlns:a16="http://schemas.microsoft.com/office/drawing/2014/main" id="{28529E03-3BE1-A8EC-0A0E-519A2ED49ADC}"/>
-              </a:ext>
-            </a:extLst>
-          </p:cNvPr>
+          <p:cNvPr id="2" name="CaixaDeTexto 1"/>
           <p:cNvSpPr txBox="1"/>
           <p:nvPr/>
         </p:nvSpPr>
@@ -3923,18 +3950,13 @@
               <a:rPr lang="pt-BR" dirty="0"/>
               <a:t>Meu app</a:t>
             </a:r>
-          </a:p>
-        </p:txBody>
-      </p:sp>
-      <p:sp>
-        <p:nvSpPr>
-          <p:cNvPr id="3" name="Retângulo 2">
-            <a:extLst>
-              <a:ext uri="{FF2B5EF4-FFF2-40B4-BE49-F238E27FC236}">
-                <a16:creationId xmlns:a16="http://schemas.microsoft.com/office/drawing/2014/main" id="{4035AF53-895F-33C7-BF36-B85AF83B02EE}"/>
-              </a:ext>
-            </a:extLst>
-          </p:cNvPr>
+            <a:endParaRPr lang="pt-BR" dirty="0"/>
+          </a:p>
+        </p:txBody>
+      </p:sp>
+      <p:sp>
+        <p:nvSpPr>
+          <p:cNvPr id="3" name="Retângulo 2"/>
           <p:cNvSpPr/>
           <p:nvPr/>
         </p:nvSpPr>
@@ -3974,13 +3996,7 @@
       </p:sp>
       <p:sp>
         <p:nvSpPr>
-          <p:cNvPr id="4" name="Retângulo 3">
-            <a:extLst>
-              <a:ext uri="{FF2B5EF4-FFF2-40B4-BE49-F238E27FC236}">
-                <a16:creationId xmlns:a16="http://schemas.microsoft.com/office/drawing/2014/main" id="{6F164A62-8E26-FB40-B8F0-1777B74866C5}"/>
-              </a:ext>
-            </a:extLst>
-          </p:cNvPr>
+          <p:cNvPr id="4" name="Retângulo 3"/>
           <p:cNvSpPr/>
           <p:nvPr/>
         </p:nvSpPr>
@@ -4025,18 +4041,17 @@
               </a:rPr>
               <a:t>Cancel1</a:t>
             </a:r>
-          </a:p>
-        </p:txBody>
-      </p:sp>
-      <p:sp>
-        <p:nvSpPr>
-          <p:cNvPr id="5" name="Retângulo 4">
-            <a:extLst>
-              <a:ext uri="{FF2B5EF4-FFF2-40B4-BE49-F238E27FC236}">
-                <a16:creationId xmlns:a16="http://schemas.microsoft.com/office/drawing/2014/main" id="{8E835FDF-B118-37B9-93D8-C2B59EFEE789}"/>
-              </a:ext>
-            </a:extLst>
-          </p:cNvPr>
+            <a:endParaRPr lang="pt-BR" dirty="0">
+              <a:solidFill>
+                <a:schemeClr val="tx1"/>
+              </a:solidFill>
+            </a:endParaRPr>
+          </a:p>
+        </p:txBody>
+      </p:sp>
+      <p:sp>
+        <p:nvSpPr>
+          <p:cNvPr id="5" name="Retângulo 4"/>
           <p:cNvSpPr/>
           <p:nvPr/>
         </p:nvSpPr>
@@ -4081,18 +4096,17 @@
               </a:rPr>
               <a:t>Desabilitar todos</a:t>
             </a:r>
-          </a:p>
-        </p:txBody>
-      </p:sp>
-      <p:sp>
-        <p:nvSpPr>
-          <p:cNvPr id="6" name="Retângulo 5">
-            <a:extLst>
-              <a:ext uri="{FF2B5EF4-FFF2-40B4-BE49-F238E27FC236}">
-                <a16:creationId xmlns:a16="http://schemas.microsoft.com/office/drawing/2014/main" id="{ACDE8BDE-BE7B-6706-1357-3621196F95EC}"/>
-              </a:ext>
-            </a:extLst>
-          </p:cNvPr>
+            <a:endParaRPr lang="pt-BR" dirty="0">
+              <a:solidFill>
+                <a:schemeClr val="tx1"/>
+              </a:solidFill>
+            </a:endParaRPr>
+          </a:p>
+        </p:txBody>
+      </p:sp>
+      <p:sp>
+        <p:nvSpPr>
+          <p:cNvPr id="6" name="Retângulo 5"/>
           <p:cNvSpPr/>
           <p:nvPr/>
         </p:nvSpPr>
@@ -4137,18 +4151,17 @@
               </a:rPr>
               <a:t>Mais opções</a:t>
             </a:r>
-          </a:p>
-        </p:txBody>
-      </p:sp>
-      <p:sp>
-        <p:nvSpPr>
-          <p:cNvPr id="7" name="Retângulo 6">
-            <a:extLst>
-              <a:ext uri="{FF2B5EF4-FFF2-40B4-BE49-F238E27FC236}">
-                <a16:creationId xmlns:a16="http://schemas.microsoft.com/office/drawing/2014/main" id="{890D4497-B630-6E06-AC78-03FAAB3B9FB3}"/>
-              </a:ext>
-            </a:extLst>
-          </p:cNvPr>
+            <a:endParaRPr lang="pt-BR" dirty="0">
+              <a:solidFill>
+                <a:schemeClr val="tx1"/>
+              </a:solidFill>
+            </a:endParaRPr>
+          </a:p>
+        </p:txBody>
+      </p:sp>
+      <p:sp>
+        <p:nvSpPr>
+          <p:cNvPr id="7" name="Retângulo 6"/>
           <p:cNvSpPr/>
           <p:nvPr/>
         </p:nvSpPr>
@@ -4188,13 +4201,7 @@
       </p:sp>
       <p:cxnSp>
         <p:nvCxnSpPr>
-          <p:cNvPr id="9" name="Conector de Seta Reta 8">
-            <a:extLst>
-              <a:ext uri="{FF2B5EF4-FFF2-40B4-BE49-F238E27FC236}">
-                <a16:creationId xmlns:a16="http://schemas.microsoft.com/office/drawing/2014/main" id="{20FC32EB-3F49-68F8-7905-709AB4B07AF0}"/>
-              </a:ext>
-            </a:extLst>
-          </p:cNvPr>
+          <p:cNvPr id="9" name="Conector de Seta Reta 8"/>
           <p:cNvCxnSpPr/>
           <p:nvPr/>
         </p:nvCxnSpPr>
@@ -4227,13 +4234,7 @@
       </p:cxnSp>
       <p:sp>
         <p:nvSpPr>
-          <p:cNvPr id="10" name="CaixaDeTexto 9">
-            <a:extLst>
-              <a:ext uri="{FF2B5EF4-FFF2-40B4-BE49-F238E27FC236}">
-                <a16:creationId xmlns:a16="http://schemas.microsoft.com/office/drawing/2014/main" id="{9CCAE730-703A-A520-2187-1BBAF7BEFFCA}"/>
-              </a:ext>
-            </a:extLst>
-          </p:cNvPr>
+          <p:cNvPr id="10" name="CaixaDeTexto 9"/>
           <p:cNvSpPr txBox="1"/>
           <p:nvPr/>
         </p:nvSpPr>
@@ -4257,18 +4258,13 @@
               <a:rPr lang="pt-BR" dirty="0"/>
               <a:t>cancel1</a:t>
             </a:r>
-          </a:p>
-        </p:txBody>
-      </p:sp>
-      <p:sp>
-        <p:nvSpPr>
-          <p:cNvPr id="11" name="Retângulo 10">
-            <a:extLst>
-              <a:ext uri="{FF2B5EF4-FFF2-40B4-BE49-F238E27FC236}">
-                <a16:creationId xmlns:a16="http://schemas.microsoft.com/office/drawing/2014/main" id="{01142C82-FDD1-2DEC-CAAC-647EB46515BA}"/>
-              </a:ext>
-            </a:extLst>
-          </p:cNvPr>
+            <a:endParaRPr lang="pt-BR" dirty="0"/>
+          </a:p>
+        </p:txBody>
+      </p:sp>
+      <p:sp>
+        <p:nvSpPr>
+          <p:cNvPr id="11" name="Retângulo 10"/>
           <p:cNvSpPr/>
           <p:nvPr/>
         </p:nvSpPr>
@@ -4313,18 +4309,17 @@
               </a:rPr>
               <a:t>Cancel1</a:t>
             </a:r>
-          </a:p>
-        </p:txBody>
-      </p:sp>
-      <p:sp>
-        <p:nvSpPr>
-          <p:cNvPr id="12" name="Retângulo 11">
-            <a:extLst>
-              <a:ext uri="{FF2B5EF4-FFF2-40B4-BE49-F238E27FC236}">
-                <a16:creationId xmlns:a16="http://schemas.microsoft.com/office/drawing/2014/main" id="{86FAE91B-6029-AC80-8B18-D41012EA6F43}"/>
-              </a:ext>
-            </a:extLst>
-          </p:cNvPr>
+            <a:endParaRPr lang="pt-BR" dirty="0">
+              <a:solidFill>
+                <a:schemeClr val="tx1"/>
+              </a:solidFill>
+            </a:endParaRPr>
+          </a:p>
+        </p:txBody>
+      </p:sp>
+      <p:sp>
+        <p:nvSpPr>
+          <p:cNvPr id="12" name="Retângulo 11"/>
           <p:cNvSpPr/>
           <p:nvPr/>
         </p:nvSpPr>
@@ -4369,18 +4364,17 @@
               </a:rPr>
               <a:t>Desabilitar todos</a:t>
             </a:r>
-          </a:p>
-        </p:txBody>
-      </p:sp>
-      <p:sp>
-        <p:nvSpPr>
-          <p:cNvPr id="13" name="Retângulo 12">
-            <a:extLst>
-              <a:ext uri="{FF2B5EF4-FFF2-40B4-BE49-F238E27FC236}">
-                <a16:creationId xmlns:a16="http://schemas.microsoft.com/office/drawing/2014/main" id="{AE0BEC7F-F4F4-3C23-1847-CC7AE590A5C9}"/>
-              </a:ext>
-            </a:extLst>
-          </p:cNvPr>
+            <a:endParaRPr lang="pt-BR" dirty="0">
+              <a:solidFill>
+                <a:schemeClr val="tx1"/>
+              </a:solidFill>
+            </a:endParaRPr>
+          </a:p>
+        </p:txBody>
+      </p:sp>
+      <p:sp>
+        <p:nvSpPr>
+          <p:cNvPr id="13" name="Retângulo 12"/>
           <p:cNvSpPr/>
           <p:nvPr/>
         </p:nvSpPr>
@@ -4425,18 +4419,17 @@
               </a:rPr>
               <a:t>Mais opções</a:t>
             </a:r>
-          </a:p>
-        </p:txBody>
-      </p:sp>
-      <p:sp>
-        <p:nvSpPr>
-          <p:cNvPr id="15" name="Retângulo 14">
-            <a:extLst>
-              <a:ext uri="{FF2B5EF4-FFF2-40B4-BE49-F238E27FC236}">
-                <a16:creationId xmlns:a16="http://schemas.microsoft.com/office/drawing/2014/main" id="{198A8D04-AB91-AF7B-8BEB-F463694973E4}"/>
-              </a:ext>
-            </a:extLst>
-          </p:cNvPr>
+            <a:endParaRPr lang="pt-BR" dirty="0">
+              <a:solidFill>
+                <a:schemeClr val="tx1"/>
+              </a:solidFill>
+            </a:endParaRPr>
+          </a:p>
+        </p:txBody>
+      </p:sp>
+      <p:sp>
+        <p:nvSpPr>
+          <p:cNvPr id="15" name="Retângulo 14"/>
           <p:cNvSpPr/>
           <p:nvPr/>
         </p:nvSpPr>
@@ -4476,18 +4469,17 @@
               </a:rPr>
               <a:t>desfazer</a:t>
             </a:r>
-          </a:p>
-        </p:txBody>
-      </p:sp>
-      <p:sp>
-        <p:nvSpPr>
-          <p:cNvPr id="16" name="Retângulo 15">
-            <a:extLst>
-              <a:ext uri="{FF2B5EF4-FFF2-40B4-BE49-F238E27FC236}">
-                <a16:creationId xmlns:a16="http://schemas.microsoft.com/office/drawing/2014/main" id="{787C555B-F787-F807-A0B0-1CD8088D215E}"/>
-              </a:ext>
-            </a:extLst>
-          </p:cNvPr>
+            <a:endParaRPr lang="pt-BR" dirty="0">
+              <a:solidFill>
+                <a:schemeClr val="tx1"/>
+              </a:solidFill>
+            </a:endParaRPr>
+          </a:p>
+        </p:txBody>
+      </p:sp>
+      <p:sp>
+        <p:nvSpPr>
+          <p:cNvPr id="16" name="Retângulo 15"/>
           <p:cNvSpPr/>
           <p:nvPr/>
         </p:nvSpPr>
@@ -4529,18 +4521,13 @@
               <a:rPr lang="pt-BR" dirty="0"/>
               <a:t>Sistema está conectado</a:t>
             </a:r>
-          </a:p>
-        </p:txBody>
-      </p:sp>
-      <p:sp>
-        <p:nvSpPr>
-          <p:cNvPr id="17" name="Retângulo 16">
-            <a:extLst>
-              <a:ext uri="{FF2B5EF4-FFF2-40B4-BE49-F238E27FC236}">
-                <a16:creationId xmlns:a16="http://schemas.microsoft.com/office/drawing/2014/main" id="{8A0E7F2E-65A1-5517-DE8F-0349C86F0F8E}"/>
-              </a:ext>
-            </a:extLst>
-          </p:cNvPr>
+            <a:endParaRPr lang="pt-BR" dirty="0"/>
+          </a:p>
+        </p:txBody>
+      </p:sp>
+      <p:sp>
+        <p:nvSpPr>
+          <p:cNvPr id="17" name="Retângulo 16"/>
           <p:cNvSpPr/>
           <p:nvPr/>
         </p:nvSpPr>
@@ -4582,6 +4569,7 @@
               <a:rPr lang="pt-BR" dirty="0"/>
               <a:t>Solicitação de cancelamento feita com sucesso!</a:t>
             </a:r>
+            <a:endParaRPr lang="pt-BR" dirty="0"/>
           </a:p>
         </p:txBody>
       </p:sp>
@@ -4612,13 +4600,7 @@
       </p:grpSpPr>
       <p:sp>
         <p:nvSpPr>
-          <p:cNvPr id="2" name="CaixaDeTexto 1">
-            <a:extLst>
-              <a:ext uri="{FF2B5EF4-FFF2-40B4-BE49-F238E27FC236}">
-                <a16:creationId xmlns:a16="http://schemas.microsoft.com/office/drawing/2014/main" id="{28529E03-3BE1-A8EC-0A0E-519A2ED49ADC}"/>
-              </a:ext>
-            </a:extLst>
-          </p:cNvPr>
+          <p:cNvPr id="2" name="CaixaDeTexto 1"/>
           <p:cNvSpPr txBox="1"/>
           <p:nvPr/>
         </p:nvSpPr>
@@ -4643,18 +4625,13 @@
               <a:rPr lang="pt-BR" dirty="0"/>
               <a:t>Meu app</a:t>
             </a:r>
-          </a:p>
-        </p:txBody>
-      </p:sp>
-      <p:sp>
-        <p:nvSpPr>
-          <p:cNvPr id="3" name="Retângulo 2">
-            <a:extLst>
-              <a:ext uri="{FF2B5EF4-FFF2-40B4-BE49-F238E27FC236}">
-                <a16:creationId xmlns:a16="http://schemas.microsoft.com/office/drawing/2014/main" id="{4035AF53-895F-33C7-BF36-B85AF83B02EE}"/>
-              </a:ext>
-            </a:extLst>
-          </p:cNvPr>
+            <a:endParaRPr lang="pt-BR" dirty="0"/>
+          </a:p>
+        </p:txBody>
+      </p:sp>
+      <p:sp>
+        <p:nvSpPr>
+          <p:cNvPr id="3" name="Retângulo 2"/>
           <p:cNvSpPr/>
           <p:nvPr/>
         </p:nvSpPr>
@@ -4694,13 +4671,7 @@
       </p:sp>
       <p:sp>
         <p:nvSpPr>
-          <p:cNvPr id="4" name="Retângulo 3">
-            <a:extLst>
-              <a:ext uri="{FF2B5EF4-FFF2-40B4-BE49-F238E27FC236}">
-                <a16:creationId xmlns:a16="http://schemas.microsoft.com/office/drawing/2014/main" id="{6F164A62-8E26-FB40-B8F0-1777B74866C5}"/>
-              </a:ext>
-            </a:extLst>
-          </p:cNvPr>
+          <p:cNvPr id="4" name="Retângulo 3"/>
           <p:cNvSpPr/>
           <p:nvPr/>
         </p:nvSpPr>
@@ -4745,18 +4716,17 @@
               </a:rPr>
               <a:t>Cancel1</a:t>
             </a:r>
-          </a:p>
-        </p:txBody>
-      </p:sp>
-      <p:sp>
-        <p:nvSpPr>
-          <p:cNvPr id="5" name="Retângulo 4">
-            <a:extLst>
-              <a:ext uri="{FF2B5EF4-FFF2-40B4-BE49-F238E27FC236}">
-                <a16:creationId xmlns:a16="http://schemas.microsoft.com/office/drawing/2014/main" id="{8E835FDF-B118-37B9-93D8-C2B59EFEE789}"/>
-              </a:ext>
-            </a:extLst>
-          </p:cNvPr>
+            <a:endParaRPr lang="pt-BR" dirty="0">
+              <a:solidFill>
+                <a:schemeClr val="tx1"/>
+              </a:solidFill>
+            </a:endParaRPr>
+          </a:p>
+        </p:txBody>
+      </p:sp>
+      <p:sp>
+        <p:nvSpPr>
+          <p:cNvPr id="5" name="Retângulo 4"/>
           <p:cNvSpPr/>
           <p:nvPr/>
         </p:nvSpPr>
@@ -4801,18 +4771,17 @@
               </a:rPr>
               <a:t>Desabilitar todos</a:t>
             </a:r>
-          </a:p>
-        </p:txBody>
-      </p:sp>
-      <p:sp>
-        <p:nvSpPr>
-          <p:cNvPr id="6" name="Retângulo 5">
-            <a:extLst>
-              <a:ext uri="{FF2B5EF4-FFF2-40B4-BE49-F238E27FC236}">
-                <a16:creationId xmlns:a16="http://schemas.microsoft.com/office/drawing/2014/main" id="{ACDE8BDE-BE7B-6706-1357-3621196F95EC}"/>
-              </a:ext>
-            </a:extLst>
-          </p:cNvPr>
+            <a:endParaRPr lang="pt-BR" dirty="0">
+              <a:solidFill>
+                <a:schemeClr val="tx1"/>
+              </a:solidFill>
+            </a:endParaRPr>
+          </a:p>
+        </p:txBody>
+      </p:sp>
+      <p:sp>
+        <p:nvSpPr>
+          <p:cNvPr id="6" name="Retângulo 5"/>
           <p:cNvSpPr/>
           <p:nvPr/>
         </p:nvSpPr>
@@ -4857,18 +4826,17 @@
               </a:rPr>
               <a:t>Mais opções</a:t>
             </a:r>
-          </a:p>
-        </p:txBody>
-      </p:sp>
-      <p:sp>
-        <p:nvSpPr>
-          <p:cNvPr id="7" name="Retângulo 6">
-            <a:extLst>
-              <a:ext uri="{FF2B5EF4-FFF2-40B4-BE49-F238E27FC236}">
-                <a16:creationId xmlns:a16="http://schemas.microsoft.com/office/drawing/2014/main" id="{890D4497-B630-6E06-AC78-03FAAB3B9FB3}"/>
-              </a:ext>
-            </a:extLst>
-          </p:cNvPr>
+            <a:endParaRPr lang="pt-BR" dirty="0">
+              <a:solidFill>
+                <a:schemeClr val="tx1"/>
+              </a:solidFill>
+            </a:endParaRPr>
+          </a:p>
+        </p:txBody>
+      </p:sp>
+      <p:sp>
+        <p:nvSpPr>
+          <p:cNvPr id="7" name="Retângulo 6"/>
           <p:cNvSpPr/>
           <p:nvPr/>
         </p:nvSpPr>
@@ -4908,13 +4876,7 @@
       </p:sp>
       <p:cxnSp>
         <p:nvCxnSpPr>
-          <p:cNvPr id="9" name="Conector de Seta Reta 8">
-            <a:extLst>
-              <a:ext uri="{FF2B5EF4-FFF2-40B4-BE49-F238E27FC236}">
-                <a16:creationId xmlns:a16="http://schemas.microsoft.com/office/drawing/2014/main" id="{20FC32EB-3F49-68F8-7905-709AB4B07AF0}"/>
-              </a:ext>
-            </a:extLst>
-          </p:cNvPr>
+          <p:cNvPr id="9" name="Conector de Seta Reta 8"/>
           <p:cNvCxnSpPr/>
           <p:nvPr/>
         </p:nvCxnSpPr>
@@ -4947,13 +4909,7 @@
       </p:cxnSp>
       <p:sp>
         <p:nvSpPr>
-          <p:cNvPr id="10" name="CaixaDeTexto 9">
-            <a:extLst>
-              <a:ext uri="{FF2B5EF4-FFF2-40B4-BE49-F238E27FC236}">
-                <a16:creationId xmlns:a16="http://schemas.microsoft.com/office/drawing/2014/main" id="{9CCAE730-703A-A520-2187-1BBAF7BEFFCA}"/>
-              </a:ext>
-            </a:extLst>
-          </p:cNvPr>
+          <p:cNvPr id="10" name="CaixaDeTexto 9"/>
           <p:cNvSpPr txBox="1"/>
           <p:nvPr/>
         </p:nvSpPr>
@@ -4977,18 +4933,13 @@
               <a:rPr lang="pt-BR" dirty="0"/>
               <a:t>Desabilitar todos</a:t>
             </a:r>
-          </a:p>
-        </p:txBody>
-      </p:sp>
-      <p:sp>
-        <p:nvSpPr>
-          <p:cNvPr id="11" name="Retângulo 10">
-            <a:extLst>
-              <a:ext uri="{FF2B5EF4-FFF2-40B4-BE49-F238E27FC236}">
-                <a16:creationId xmlns:a16="http://schemas.microsoft.com/office/drawing/2014/main" id="{01142C82-FDD1-2DEC-CAAC-647EB46515BA}"/>
-              </a:ext>
-            </a:extLst>
-          </p:cNvPr>
+            <a:endParaRPr lang="pt-BR" dirty="0"/>
+          </a:p>
+        </p:txBody>
+      </p:sp>
+      <p:sp>
+        <p:nvSpPr>
+          <p:cNvPr id="11" name="Retângulo 10"/>
           <p:cNvSpPr/>
           <p:nvPr/>
         </p:nvSpPr>
@@ -5033,18 +4984,17 @@
               </a:rPr>
               <a:t>Cancel1</a:t>
             </a:r>
-          </a:p>
-        </p:txBody>
-      </p:sp>
-      <p:sp>
-        <p:nvSpPr>
-          <p:cNvPr id="12" name="Retângulo 11">
-            <a:extLst>
-              <a:ext uri="{FF2B5EF4-FFF2-40B4-BE49-F238E27FC236}">
-                <a16:creationId xmlns:a16="http://schemas.microsoft.com/office/drawing/2014/main" id="{86FAE91B-6029-AC80-8B18-D41012EA6F43}"/>
-              </a:ext>
-            </a:extLst>
-          </p:cNvPr>
+            <a:endParaRPr lang="pt-BR" dirty="0">
+              <a:solidFill>
+                <a:schemeClr val="tx1"/>
+              </a:solidFill>
+            </a:endParaRPr>
+          </a:p>
+        </p:txBody>
+      </p:sp>
+      <p:sp>
+        <p:nvSpPr>
+          <p:cNvPr id="12" name="Retângulo 11"/>
           <p:cNvSpPr/>
           <p:nvPr/>
         </p:nvSpPr>
@@ -5089,18 +5039,17 @@
               </a:rPr>
               <a:t>Desabilitar todos</a:t>
             </a:r>
-          </a:p>
-        </p:txBody>
-      </p:sp>
-      <p:sp>
-        <p:nvSpPr>
-          <p:cNvPr id="13" name="Retângulo 12">
-            <a:extLst>
-              <a:ext uri="{FF2B5EF4-FFF2-40B4-BE49-F238E27FC236}">
-                <a16:creationId xmlns:a16="http://schemas.microsoft.com/office/drawing/2014/main" id="{AE0BEC7F-F4F4-3C23-1847-CC7AE590A5C9}"/>
-              </a:ext>
-            </a:extLst>
-          </p:cNvPr>
+            <a:endParaRPr lang="pt-BR" dirty="0">
+              <a:solidFill>
+                <a:schemeClr val="tx1"/>
+              </a:solidFill>
+            </a:endParaRPr>
+          </a:p>
+        </p:txBody>
+      </p:sp>
+      <p:sp>
+        <p:nvSpPr>
+          <p:cNvPr id="13" name="Retângulo 12"/>
           <p:cNvSpPr/>
           <p:nvPr/>
         </p:nvSpPr>
@@ -5145,18 +5094,17 @@
               </a:rPr>
               <a:t>Mais opções</a:t>
             </a:r>
-          </a:p>
-        </p:txBody>
-      </p:sp>
-      <p:sp>
-        <p:nvSpPr>
-          <p:cNvPr id="15" name="Retângulo 14">
-            <a:extLst>
-              <a:ext uri="{FF2B5EF4-FFF2-40B4-BE49-F238E27FC236}">
-                <a16:creationId xmlns:a16="http://schemas.microsoft.com/office/drawing/2014/main" id="{198A8D04-AB91-AF7B-8BEB-F463694973E4}"/>
-              </a:ext>
-            </a:extLst>
-          </p:cNvPr>
+            <a:endParaRPr lang="pt-BR" dirty="0">
+              <a:solidFill>
+                <a:schemeClr val="tx1"/>
+              </a:solidFill>
+            </a:endParaRPr>
+          </a:p>
+        </p:txBody>
+      </p:sp>
+      <p:sp>
+        <p:nvSpPr>
+          <p:cNvPr id="15" name="Retângulo 14"/>
           <p:cNvSpPr/>
           <p:nvPr/>
         </p:nvSpPr>
@@ -5196,18 +5144,17 @@
               </a:rPr>
               <a:t>desfazer</a:t>
             </a:r>
-          </a:p>
-        </p:txBody>
-      </p:sp>
-      <p:sp>
-        <p:nvSpPr>
-          <p:cNvPr id="16" name="Retângulo 15">
-            <a:extLst>
-              <a:ext uri="{FF2B5EF4-FFF2-40B4-BE49-F238E27FC236}">
-                <a16:creationId xmlns:a16="http://schemas.microsoft.com/office/drawing/2014/main" id="{787C555B-F787-F807-A0B0-1CD8088D215E}"/>
-              </a:ext>
-            </a:extLst>
-          </p:cNvPr>
+            <a:endParaRPr lang="pt-BR" dirty="0">
+              <a:solidFill>
+                <a:schemeClr val="tx1"/>
+              </a:solidFill>
+            </a:endParaRPr>
+          </a:p>
+        </p:txBody>
+      </p:sp>
+      <p:sp>
+        <p:nvSpPr>
+          <p:cNvPr id="16" name="Retângulo 15"/>
           <p:cNvSpPr/>
           <p:nvPr/>
         </p:nvSpPr>
@@ -5249,18 +5196,13 @@
               <a:rPr lang="pt-BR" dirty="0"/>
               <a:t>Sistema está conectado</a:t>
             </a:r>
-          </a:p>
-        </p:txBody>
-      </p:sp>
-      <p:sp>
-        <p:nvSpPr>
-          <p:cNvPr id="17" name="Retângulo 16">
-            <a:extLst>
-              <a:ext uri="{FF2B5EF4-FFF2-40B4-BE49-F238E27FC236}">
-                <a16:creationId xmlns:a16="http://schemas.microsoft.com/office/drawing/2014/main" id="{8A0E7F2E-65A1-5517-DE8F-0349C86F0F8E}"/>
-              </a:ext>
-            </a:extLst>
-          </p:cNvPr>
+            <a:endParaRPr lang="pt-BR" dirty="0"/>
+          </a:p>
+        </p:txBody>
+      </p:sp>
+      <p:sp>
+        <p:nvSpPr>
+          <p:cNvPr id="17" name="Retângulo 16"/>
           <p:cNvSpPr/>
           <p:nvPr/>
         </p:nvSpPr>
@@ -5310,15 +5252,11 @@
               <a:rPr lang="pt-BR" dirty="0"/>
               <a:t> feito com sucesso</a:t>
             </a:r>
+            <a:endParaRPr lang="pt-BR" dirty="0"/>
           </a:p>
         </p:txBody>
       </p:sp>
     </p:spTree>
-    <p:extLst>
-      <p:ext uri="{BB962C8B-B14F-4D97-AF65-F5344CB8AC3E}">
-        <p14:creationId xmlns:p14="http://schemas.microsoft.com/office/powerpoint/2010/main" val="1158406735"/>
-      </p:ext>
-    </p:extLst>
   </p:cSld>
   <p:clrMapOvr>
     <a:masterClrMapping/>
@@ -5345,13 +5283,7 @@
       </p:grpSpPr>
       <p:sp>
         <p:nvSpPr>
-          <p:cNvPr id="2" name="CaixaDeTexto 1">
-            <a:extLst>
-              <a:ext uri="{FF2B5EF4-FFF2-40B4-BE49-F238E27FC236}">
-                <a16:creationId xmlns:a16="http://schemas.microsoft.com/office/drawing/2014/main" id="{28529E03-3BE1-A8EC-0A0E-519A2ED49ADC}"/>
-              </a:ext>
-            </a:extLst>
-          </p:cNvPr>
+          <p:cNvPr id="2" name="CaixaDeTexto 1"/>
           <p:cNvSpPr txBox="1"/>
           <p:nvPr/>
         </p:nvSpPr>
@@ -5376,18 +5308,13 @@
               <a:rPr lang="pt-BR" dirty="0"/>
               <a:t>Meu app</a:t>
             </a:r>
-          </a:p>
-        </p:txBody>
-      </p:sp>
-      <p:sp>
-        <p:nvSpPr>
-          <p:cNvPr id="3" name="Retângulo 2">
-            <a:extLst>
-              <a:ext uri="{FF2B5EF4-FFF2-40B4-BE49-F238E27FC236}">
-                <a16:creationId xmlns:a16="http://schemas.microsoft.com/office/drawing/2014/main" id="{4035AF53-895F-33C7-BF36-B85AF83B02EE}"/>
-              </a:ext>
-            </a:extLst>
-          </p:cNvPr>
+            <a:endParaRPr lang="pt-BR" dirty="0"/>
+          </a:p>
+        </p:txBody>
+      </p:sp>
+      <p:sp>
+        <p:nvSpPr>
+          <p:cNvPr id="3" name="Retângulo 2"/>
           <p:cNvSpPr/>
           <p:nvPr/>
         </p:nvSpPr>
@@ -5427,13 +5354,7 @@
       </p:sp>
       <p:sp>
         <p:nvSpPr>
-          <p:cNvPr id="4" name="Retângulo 3">
-            <a:extLst>
-              <a:ext uri="{FF2B5EF4-FFF2-40B4-BE49-F238E27FC236}">
-                <a16:creationId xmlns:a16="http://schemas.microsoft.com/office/drawing/2014/main" id="{6F164A62-8E26-FB40-B8F0-1777B74866C5}"/>
-              </a:ext>
-            </a:extLst>
-          </p:cNvPr>
+          <p:cNvPr id="4" name="Retângulo 3"/>
           <p:cNvSpPr/>
           <p:nvPr/>
         </p:nvSpPr>
@@ -5478,18 +5399,17 @@
               </a:rPr>
               <a:t>Cancel1</a:t>
             </a:r>
-          </a:p>
-        </p:txBody>
-      </p:sp>
-      <p:sp>
-        <p:nvSpPr>
-          <p:cNvPr id="5" name="Retângulo 4">
-            <a:extLst>
-              <a:ext uri="{FF2B5EF4-FFF2-40B4-BE49-F238E27FC236}">
-                <a16:creationId xmlns:a16="http://schemas.microsoft.com/office/drawing/2014/main" id="{8E835FDF-B118-37B9-93D8-C2B59EFEE789}"/>
-              </a:ext>
-            </a:extLst>
-          </p:cNvPr>
+            <a:endParaRPr lang="pt-BR" dirty="0">
+              <a:solidFill>
+                <a:schemeClr val="tx1"/>
+              </a:solidFill>
+            </a:endParaRPr>
+          </a:p>
+        </p:txBody>
+      </p:sp>
+      <p:sp>
+        <p:nvSpPr>
+          <p:cNvPr id="5" name="Retângulo 4"/>
           <p:cNvSpPr/>
           <p:nvPr/>
         </p:nvSpPr>
@@ -5534,18 +5454,17 @@
               </a:rPr>
               <a:t>Desabilitar todos</a:t>
             </a:r>
-          </a:p>
-        </p:txBody>
-      </p:sp>
-      <p:sp>
-        <p:nvSpPr>
-          <p:cNvPr id="6" name="Retângulo 5">
-            <a:extLst>
-              <a:ext uri="{FF2B5EF4-FFF2-40B4-BE49-F238E27FC236}">
-                <a16:creationId xmlns:a16="http://schemas.microsoft.com/office/drawing/2014/main" id="{ACDE8BDE-BE7B-6706-1357-3621196F95EC}"/>
-              </a:ext>
-            </a:extLst>
-          </p:cNvPr>
+            <a:endParaRPr lang="pt-BR" dirty="0">
+              <a:solidFill>
+                <a:schemeClr val="tx1"/>
+              </a:solidFill>
+            </a:endParaRPr>
+          </a:p>
+        </p:txBody>
+      </p:sp>
+      <p:sp>
+        <p:nvSpPr>
+          <p:cNvPr id="6" name="Retângulo 5"/>
           <p:cNvSpPr/>
           <p:nvPr/>
         </p:nvSpPr>
@@ -5590,18 +5509,17 @@
               </a:rPr>
               <a:t>Mais opções</a:t>
             </a:r>
-          </a:p>
-        </p:txBody>
-      </p:sp>
-      <p:sp>
-        <p:nvSpPr>
-          <p:cNvPr id="7" name="Retângulo 6">
-            <a:extLst>
-              <a:ext uri="{FF2B5EF4-FFF2-40B4-BE49-F238E27FC236}">
-                <a16:creationId xmlns:a16="http://schemas.microsoft.com/office/drawing/2014/main" id="{890D4497-B630-6E06-AC78-03FAAB3B9FB3}"/>
-              </a:ext>
-            </a:extLst>
-          </p:cNvPr>
+            <a:endParaRPr lang="pt-BR" dirty="0">
+              <a:solidFill>
+                <a:schemeClr val="tx1"/>
+              </a:solidFill>
+            </a:endParaRPr>
+          </a:p>
+        </p:txBody>
+      </p:sp>
+      <p:sp>
+        <p:nvSpPr>
+          <p:cNvPr id="7" name="Retângulo 6"/>
           <p:cNvSpPr/>
           <p:nvPr/>
         </p:nvSpPr>
@@ -5641,16 +5559,8 @@
       </p:sp>
       <p:cxnSp>
         <p:nvCxnSpPr>
-          <p:cNvPr id="9" name="Conector de Seta Reta 8">
-            <a:extLst>
-              <a:ext uri="{FF2B5EF4-FFF2-40B4-BE49-F238E27FC236}">
-                <a16:creationId xmlns:a16="http://schemas.microsoft.com/office/drawing/2014/main" id="{20FC32EB-3F49-68F8-7905-709AB4B07AF0}"/>
-              </a:ext>
-            </a:extLst>
-          </p:cNvPr>
-          <p:cNvCxnSpPr>
-            <a:cxnSpLocks/>
-          </p:cNvCxnSpPr>
+          <p:cNvPr id="9" name="Conector de Seta Reta 8"/>
+          <p:cNvCxnSpPr/>
           <p:nvPr/>
         </p:nvCxnSpPr>
         <p:spPr>
@@ -5682,13 +5592,7 @@
       </p:cxnSp>
       <p:sp>
         <p:nvSpPr>
-          <p:cNvPr id="10" name="CaixaDeTexto 9">
-            <a:extLst>
-              <a:ext uri="{FF2B5EF4-FFF2-40B4-BE49-F238E27FC236}">
-                <a16:creationId xmlns:a16="http://schemas.microsoft.com/office/drawing/2014/main" id="{9CCAE730-703A-A520-2187-1BBAF7BEFFCA}"/>
-              </a:ext>
-            </a:extLst>
-          </p:cNvPr>
+          <p:cNvPr id="10" name="CaixaDeTexto 9"/>
           <p:cNvSpPr txBox="1"/>
           <p:nvPr/>
         </p:nvSpPr>
@@ -5722,13 +5626,7 @@
       </p:sp>
       <p:sp>
         <p:nvSpPr>
-          <p:cNvPr id="11" name="Retângulo 10">
-            <a:extLst>
-              <a:ext uri="{FF2B5EF4-FFF2-40B4-BE49-F238E27FC236}">
-                <a16:creationId xmlns:a16="http://schemas.microsoft.com/office/drawing/2014/main" id="{01142C82-FDD1-2DEC-CAAC-647EB46515BA}"/>
-              </a:ext>
-            </a:extLst>
-          </p:cNvPr>
+          <p:cNvPr id="11" name="Retângulo 10"/>
           <p:cNvSpPr/>
           <p:nvPr/>
         </p:nvSpPr>
@@ -5773,18 +5671,17 @@
               </a:rPr>
               <a:t>Cancelar um hora</a:t>
             </a:r>
-          </a:p>
-        </p:txBody>
-      </p:sp>
-      <p:sp>
-        <p:nvSpPr>
-          <p:cNvPr id="12" name="Retângulo 11">
-            <a:extLst>
-              <a:ext uri="{FF2B5EF4-FFF2-40B4-BE49-F238E27FC236}">
-                <a16:creationId xmlns:a16="http://schemas.microsoft.com/office/drawing/2014/main" id="{86FAE91B-6029-AC80-8B18-D41012EA6F43}"/>
-              </a:ext>
-            </a:extLst>
-          </p:cNvPr>
+            <a:endParaRPr lang="pt-BR" dirty="0">
+              <a:solidFill>
+                <a:schemeClr val="tx1"/>
+              </a:solidFill>
+            </a:endParaRPr>
+          </a:p>
+        </p:txBody>
+      </p:sp>
+      <p:sp>
+        <p:nvSpPr>
+          <p:cNvPr id="12" name="Retângulo 11"/>
           <p:cNvSpPr/>
           <p:nvPr/>
         </p:nvSpPr>
@@ -5847,13 +5744,7 @@
       </p:sp>
       <p:sp>
         <p:nvSpPr>
-          <p:cNvPr id="16" name="Retângulo 15">
-            <a:extLst>
-              <a:ext uri="{FF2B5EF4-FFF2-40B4-BE49-F238E27FC236}">
-                <a16:creationId xmlns:a16="http://schemas.microsoft.com/office/drawing/2014/main" id="{787C555B-F787-F807-A0B0-1CD8088D215E}"/>
-              </a:ext>
-            </a:extLst>
-          </p:cNvPr>
+          <p:cNvPr id="16" name="Retângulo 15"/>
           <p:cNvSpPr/>
           <p:nvPr/>
         </p:nvSpPr>
@@ -5895,18 +5786,13 @@
               <a:rPr lang="pt-BR" dirty="0"/>
               <a:t>Sistema está conectado</a:t>
             </a:r>
-          </a:p>
-        </p:txBody>
-      </p:sp>
-      <p:sp>
-        <p:nvSpPr>
-          <p:cNvPr id="17" name="Retângulo 16">
-            <a:extLst>
-              <a:ext uri="{FF2B5EF4-FFF2-40B4-BE49-F238E27FC236}">
-                <a16:creationId xmlns:a16="http://schemas.microsoft.com/office/drawing/2014/main" id="{8A0E7F2E-65A1-5517-DE8F-0349C86F0F8E}"/>
-              </a:ext>
-            </a:extLst>
-          </p:cNvPr>
+            <a:endParaRPr lang="pt-BR" dirty="0"/>
+          </a:p>
+        </p:txBody>
+      </p:sp>
+      <p:sp>
+        <p:nvSpPr>
+          <p:cNvPr id="17" name="Retângulo 16"/>
           <p:cNvSpPr/>
           <p:nvPr/>
         </p:nvSpPr>
@@ -5948,18 +5834,13 @@
               <a:rPr lang="pt-BR" dirty="0"/>
               <a:t>Sistema está conectado</a:t>
             </a:r>
-          </a:p>
-        </p:txBody>
-      </p:sp>
-      <p:sp>
-        <p:nvSpPr>
-          <p:cNvPr id="14" name="Retângulo 13">
-            <a:extLst>
-              <a:ext uri="{FF2B5EF4-FFF2-40B4-BE49-F238E27FC236}">
-                <a16:creationId xmlns:a16="http://schemas.microsoft.com/office/drawing/2014/main" id="{A1EB652C-02B8-A16B-C936-0929BCA2E09D}"/>
-              </a:ext>
-            </a:extLst>
-          </p:cNvPr>
+            <a:endParaRPr lang="pt-BR" dirty="0"/>
+          </a:p>
+        </p:txBody>
+      </p:sp>
+      <p:sp>
+        <p:nvSpPr>
+          <p:cNvPr id="14" name="Retângulo 13"/>
           <p:cNvSpPr/>
           <p:nvPr/>
         </p:nvSpPr>
@@ -5999,13 +5880,7 @@
       </p:sp>
       <p:sp>
         <p:nvSpPr>
-          <p:cNvPr id="18" name="Retângulo 17">
-            <a:extLst>
-              <a:ext uri="{FF2B5EF4-FFF2-40B4-BE49-F238E27FC236}">
-                <a16:creationId xmlns:a16="http://schemas.microsoft.com/office/drawing/2014/main" id="{4B60066B-31BF-3F8A-C505-79BB7F75F385}"/>
-              </a:ext>
-            </a:extLst>
-          </p:cNvPr>
+          <p:cNvPr id="18" name="Retângulo 17"/>
           <p:cNvSpPr/>
           <p:nvPr/>
         </p:nvSpPr>
@@ -6047,18 +5922,13 @@
               <a:rPr lang="pt-BR" dirty="0"/>
               <a:t>Sistema está conectado</a:t>
             </a:r>
-          </a:p>
-        </p:txBody>
-      </p:sp>
-      <p:sp>
-        <p:nvSpPr>
-          <p:cNvPr id="19" name="Retângulo 18">
-            <a:extLst>
-              <a:ext uri="{FF2B5EF4-FFF2-40B4-BE49-F238E27FC236}">
-                <a16:creationId xmlns:a16="http://schemas.microsoft.com/office/drawing/2014/main" id="{3C6FE1C5-20E4-08C6-1375-0058D7F6CBC9}"/>
-              </a:ext>
-            </a:extLst>
-          </p:cNvPr>
+            <a:endParaRPr lang="pt-BR" dirty="0"/>
+          </a:p>
+        </p:txBody>
+      </p:sp>
+      <p:sp>
+        <p:nvSpPr>
+          <p:cNvPr id="19" name="Retângulo 18"/>
           <p:cNvSpPr/>
           <p:nvPr/>
         </p:nvSpPr>
@@ -6103,18 +5973,17 @@
               </a:rPr>
               <a:t>horario1</a:t>
             </a:r>
-          </a:p>
-        </p:txBody>
-      </p:sp>
-      <p:sp>
-        <p:nvSpPr>
-          <p:cNvPr id="20" name="Retângulo 19">
-            <a:extLst>
-              <a:ext uri="{FF2B5EF4-FFF2-40B4-BE49-F238E27FC236}">
-                <a16:creationId xmlns:a16="http://schemas.microsoft.com/office/drawing/2014/main" id="{7F807C59-A547-2710-F85B-1135D4599D29}"/>
-              </a:ext>
-            </a:extLst>
-          </p:cNvPr>
+            <a:endParaRPr lang="pt-BR" dirty="0">
+              <a:solidFill>
+                <a:schemeClr val="tx1"/>
+              </a:solidFill>
+            </a:endParaRPr>
+          </a:p>
+        </p:txBody>
+      </p:sp>
+      <p:sp>
+        <p:nvSpPr>
+          <p:cNvPr id="20" name="Retângulo 19"/>
           <p:cNvSpPr/>
           <p:nvPr/>
         </p:nvSpPr>
@@ -6159,18 +6028,17 @@
               </a:rPr>
               <a:t>horario2</a:t>
             </a:r>
-          </a:p>
-        </p:txBody>
-      </p:sp>
-      <p:sp>
-        <p:nvSpPr>
-          <p:cNvPr id="21" name="Retângulo 20">
-            <a:extLst>
-              <a:ext uri="{FF2B5EF4-FFF2-40B4-BE49-F238E27FC236}">
-                <a16:creationId xmlns:a16="http://schemas.microsoft.com/office/drawing/2014/main" id="{DF61A49E-0EAD-6976-D92C-DC6776EE1C43}"/>
-              </a:ext>
-            </a:extLst>
-          </p:cNvPr>
+            <a:endParaRPr lang="pt-BR" dirty="0">
+              <a:solidFill>
+                <a:schemeClr val="tx1"/>
+              </a:solidFill>
+            </a:endParaRPr>
+          </a:p>
+        </p:txBody>
+      </p:sp>
+      <p:sp>
+        <p:nvSpPr>
+          <p:cNvPr id="21" name="Retângulo 20"/>
           <p:cNvSpPr/>
           <p:nvPr/>
         </p:nvSpPr>
@@ -6223,18 +6091,17 @@
               </a:rPr>
               <a:t> 3</a:t>
             </a:r>
-          </a:p>
-        </p:txBody>
-      </p:sp>
-      <p:sp>
-        <p:nvSpPr>
-          <p:cNvPr id="22" name="Retângulo 21">
-            <a:extLst>
-              <a:ext uri="{FF2B5EF4-FFF2-40B4-BE49-F238E27FC236}">
-                <a16:creationId xmlns:a16="http://schemas.microsoft.com/office/drawing/2014/main" id="{1C6B22A6-1CDA-7125-9442-1BAF9B1F648D}"/>
-              </a:ext>
-            </a:extLst>
-          </p:cNvPr>
+            <a:endParaRPr lang="pt-BR" dirty="0">
+              <a:solidFill>
+                <a:schemeClr val="tx1"/>
+              </a:solidFill>
+            </a:endParaRPr>
+          </a:p>
+        </p:txBody>
+      </p:sp>
+      <p:sp>
+        <p:nvSpPr>
+          <p:cNvPr id="22" name="Retângulo 21"/>
           <p:cNvSpPr/>
           <p:nvPr/>
         </p:nvSpPr>
@@ -6287,18 +6154,17 @@
               </a:rPr>
               <a:t> 4</a:t>
             </a:r>
-          </a:p>
-        </p:txBody>
-      </p:sp>
-      <p:sp>
-        <p:nvSpPr>
-          <p:cNvPr id="23" name="Retângulo 22">
-            <a:extLst>
-              <a:ext uri="{FF2B5EF4-FFF2-40B4-BE49-F238E27FC236}">
-                <a16:creationId xmlns:a16="http://schemas.microsoft.com/office/drawing/2014/main" id="{89544DD6-F629-8AF3-A41B-E642F89F1558}"/>
-              </a:ext>
-            </a:extLst>
-          </p:cNvPr>
+            <a:endParaRPr lang="pt-BR" dirty="0">
+              <a:solidFill>
+                <a:schemeClr val="tx1"/>
+              </a:solidFill>
+            </a:endParaRPr>
+          </a:p>
+        </p:txBody>
+      </p:sp>
+      <p:sp>
+        <p:nvSpPr>
+          <p:cNvPr id="23" name="Retângulo 22"/>
           <p:cNvSpPr/>
           <p:nvPr/>
         </p:nvSpPr>
@@ -6343,15 +6209,15 @@
               </a:rPr>
               <a:t>ir</a:t>
             </a:r>
+            <a:endParaRPr lang="pt-BR" dirty="0">
+              <a:solidFill>
+                <a:schemeClr val="tx1"/>
+              </a:solidFill>
+            </a:endParaRPr>
           </a:p>
         </p:txBody>
       </p:sp>
     </p:spTree>
-    <p:extLst>
-      <p:ext uri="{BB962C8B-B14F-4D97-AF65-F5344CB8AC3E}">
-        <p14:creationId xmlns:p14="http://schemas.microsoft.com/office/powerpoint/2010/main" val="2474799688"/>
-      </p:ext>
-    </p:extLst>
   </p:cSld>
   <p:clrMapOvr>
     <a:masterClrMapping/>
@@ -6378,13 +6244,7 @@
       </p:grpSpPr>
       <p:sp>
         <p:nvSpPr>
-          <p:cNvPr id="2" name="CaixaDeTexto 1">
-            <a:extLst>
-              <a:ext uri="{FF2B5EF4-FFF2-40B4-BE49-F238E27FC236}">
-                <a16:creationId xmlns:a16="http://schemas.microsoft.com/office/drawing/2014/main" id="{28529E03-3BE1-A8EC-0A0E-519A2ED49ADC}"/>
-              </a:ext>
-            </a:extLst>
-          </p:cNvPr>
+          <p:cNvPr id="2" name="CaixaDeTexto 1"/>
           <p:cNvSpPr txBox="1"/>
           <p:nvPr/>
         </p:nvSpPr>
@@ -6409,18 +6269,13 @@
               <a:rPr lang="pt-BR" dirty="0"/>
               <a:t>Meu app</a:t>
             </a:r>
-          </a:p>
-        </p:txBody>
-      </p:sp>
-      <p:sp>
-        <p:nvSpPr>
-          <p:cNvPr id="3" name="Retângulo 2">
-            <a:extLst>
-              <a:ext uri="{FF2B5EF4-FFF2-40B4-BE49-F238E27FC236}">
-                <a16:creationId xmlns:a16="http://schemas.microsoft.com/office/drawing/2014/main" id="{4035AF53-895F-33C7-BF36-B85AF83B02EE}"/>
-              </a:ext>
-            </a:extLst>
-          </p:cNvPr>
+            <a:endParaRPr lang="pt-BR" dirty="0"/>
+          </a:p>
+        </p:txBody>
+      </p:sp>
+      <p:sp>
+        <p:nvSpPr>
+          <p:cNvPr id="3" name="Retângulo 2"/>
           <p:cNvSpPr/>
           <p:nvPr/>
         </p:nvSpPr>
@@ -6460,13 +6315,7 @@
       </p:sp>
       <p:sp>
         <p:nvSpPr>
-          <p:cNvPr id="4" name="Retângulo 3">
-            <a:extLst>
-              <a:ext uri="{FF2B5EF4-FFF2-40B4-BE49-F238E27FC236}">
-                <a16:creationId xmlns:a16="http://schemas.microsoft.com/office/drawing/2014/main" id="{6F164A62-8E26-FB40-B8F0-1777B74866C5}"/>
-              </a:ext>
-            </a:extLst>
-          </p:cNvPr>
+          <p:cNvPr id="4" name="Retângulo 3"/>
           <p:cNvSpPr/>
           <p:nvPr/>
         </p:nvSpPr>
@@ -6511,18 +6360,17 @@
               </a:rPr>
               <a:t>Cancel1</a:t>
             </a:r>
-          </a:p>
-        </p:txBody>
-      </p:sp>
-      <p:sp>
-        <p:nvSpPr>
-          <p:cNvPr id="5" name="Retângulo 4">
-            <a:extLst>
-              <a:ext uri="{FF2B5EF4-FFF2-40B4-BE49-F238E27FC236}">
-                <a16:creationId xmlns:a16="http://schemas.microsoft.com/office/drawing/2014/main" id="{8E835FDF-B118-37B9-93D8-C2B59EFEE789}"/>
-              </a:ext>
-            </a:extLst>
-          </p:cNvPr>
+            <a:endParaRPr lang="pt-BR" dirty="0">
+              <a:solidFill>
+                <a:schemeClr val="tx1"/>
+              </a:solidFill>
+            </a:endParaRPr>
+          </a:p>
+        </p:txBody>
+      </p:sp>
+      <p:sp>
+        <p:nvSpPr>
+          <p:cNvPr id="5" name="Retângulo 4"/>
           <p:cNvSpPr/>
           <p:nvPr/>
         </p:nvSpPr>
@@ -6567,18 +6415,17 @@
               </a:rPr>
               <a:t>Desabilitar todos</a:t>
             </a:r>
-          </a:p>
-        </p:txBody>
-      </p:sp>
-      <p:sp>
-        <p:nvSpPr>
-          <p:cNvPr id="6" name="Retângulo 5">
-            <a:extLst>
-              <a:ext uri="{FF2B5EF4-FFF2-40B4-BE49-F238E27FC236}">
-                <a16:creationId xmlns:a16="http://schemas.microsoft.com/office/drawing/2014/main" id="{ACDE8BDE-BE7B-6706-1357-3621196F95EC}"/>
-              </a:ext>
-            </a:extLst>
-          </p:cNvPr>
+            <a:endParaRPr lang="pt-BR" dirty="0">
+              <a:solidFill>
+                <a:schemeClr val="tx1"/>
+              </a:solidFill>
+            </a:endParaRPr>
+          </a:p>
+        </p:txBody>
+      </p:sp>
+      <p:sp>
+        <p:nvSpPr>
+          <p:cNvPr id="6" name="Retângulo 5"/>
           <p:cNvSpPr/>
           <p:nvPr/>
         </p:nvSpPr>
@@ -6623,18 +6470,17 @@
               </a:rPr>
               <a:t>Mais opções</a:t>
             </a:r>
-          </a:p>
-        </p:txBody>
-      </p:sp>
-      <p:sp>
-        <p:nvSpPr>
-          <p:cNvPr id="7" name="Retângulo 6">
-            <a:extLst>
-              <a:ext uri="{FF2B5EF4-FFF2-40B4-BE49-F238E27FC236}">
-                <a16:creationId xmlns:a16="http://schemas.microsoft.com/office/drawing/2014/main" id="{890D4497-B630-6E06-AC78-03FAAB3B9FB3}"/>
-              </a:ext>
-            </a:extLst>
-          </p:cNvPr>
+            <a:endParaRPr lang="pt-BR" dirty="0">
+              <a:solidFill>
+                <a:schemeClr val="tx1"/>
+              </a:solidFill>
+            </a:endParaRPr>
+          </a:p>
+        </p:txBody>
+      </p:sp>
+      <p:sp>
+        <p:nvSpPr>
+          <p:cNvPr id="7" name="Retângulo 6"/>
           <p:cNvSpPr/>
           <p:nvPr/>
         </p:nvSpPr>
@@ -6674,16 +6520,8 @@
       </p:sp>
       <p:cxnSp>
         <p:nvCxnSpPr>
-          <p:cNvPr id="9" name="Conector de Seta Reta 8">
-            <a:extLst>
-              <a:ext uri="{FF2B5EF4-FFF2-40B4-BE49-F238E27FC236}">
-                <a16:creationId xmlns:a16="http://schemas.microsoft.com/office/drawing/2014/main" id="{20FC32EB-3F49-68F8-7905-709AB4B07AF0}"/>
-              </a:ext>
-            </a:extLst>
-          </p:cNvPr>
-          <p:cNvCxnSpPr>
-            <a:cxnSpLocks/>
-          </p:cNvCxnSpPr>
+          <p:cNvPr id="9" name="Conector de Seta Reta 8"/>
+          <p:cNvCxnSpPr/>
           <p:nvPr/>
         </p:nvCxnSpPr>
         <p:spPr>
@@ -6715,13 +6553,7 @@
       </p:cxnSp>
       <p:sp>
         <p:nvSpPr>
-          <p:cNvPr id="10" name="CaixaDeTexto 9">
-            <a:extLst>
-              <a:ext uri="{FF2B5EF4-FFF2-40B4-BE49-F238E27FC236}">
-                <a16:creationId xmlns:a16="http://schemas.microsoft.com/office/drawing/2014/main" id="{9CCAE730-703A-A520-2187-1BBAF7BEFFCA}"/>
-              </a:ext>
-            </a:extLst>
-          </p:cNvPr>
+          <p:cNvPr id="10" name="CaixaDeTexto 9"/>
           <p:cNvSpPr txBox="1"/>
           <p:nvPr/>
         </p:nvSpPr>
@@ -6755,13 +6587,7 @@
       </p:sp>
       <p:sp>
         <p:nvSpPr>
-          <p:cNvPr id="11" name="Retângulo 10">
-            <a:extLst>
-              <a:ext uri="{FF2B5EF4-FFF2-40B4-BE49-F238E27FC236}">
-                <a16:creationId xmlns:a16="http://schemas.microsoft.com/office/drawing/2014/main" id="{01142C82-FDD1-2DEC-CAAC-647EB46515BA}"/>
-              </a:ext>
-            </a:extLst>
-          </p:cNvPr>
+          <p:cNvPr id="11" name="Retângulo 10"/>
           <p:cNvSpPr/>
           <p:nvPr/>
         </p:nvSpPr>
@@ -6806,18 +6632,17 @@
               </a:rPr>
               <a:t>Cancelar um hora</a:t>
             </a:r>
-          </a:p>
-        </p:txBody>
-      </p:sp>
-      <p:sp>
-        <p:nvSpPr>
-          <p:cNvPr id="12" name="Retângulo 11">
-            <a:extLst>
-              <a:ext uri="{FF2B5EF4-FFF2-40B4-BE49-F238E27FC236}">
-                <a16:creationId xmlns:a16="http://schemas.microsoft.com/office/drawing/2014/main" id="{86FAE91B-6029-AC80-8B18-D41012EA6F43}"/>
-              </a:ext>
-            </a:extLst>
-          </p:cNvPr>
+            <a:endParaRPr lang="pt-BR" dirty="0">
+              <a:solidFill>
+                <a:schemeClr val="tx1"/>
+              </a:solidFill>
+            </a:endParaRPr>
+          </a:p>
+        </p:txBody>
+      </p:sp>
+      <p:sp>
+        <p:nvSpPr>
+          <p:cNvPr id="12" name="Retângulo 11"/>
           <p:cNvSpPr/>
           <p:nvPr/>
         </p:nvSpPr>
@@ -6880,13 +6705,7 @@
       </p:sp>
       <p:sp>
         <p:nvSpPr>
-          <p:cNvPr id="16" name="Retângulo 15">
-            <a:extLst>
-              <a:ext uri="{FF2B5EF4-FFF2-40B4-BE49-F238E27FC236}">
-                <a16:creationId xmlns:a16="http://schemas.microsoft.com/office/drawing/2014/main" id="{787C555B-F787-F807-A0B0-1CD8088D215E}"/>
-              </a:ext>
-            </a:extLst>
-          </p:cNvPr>
+          <p:cNvPr id="16" name="Retângulo 15"/>
           <p:cNvSpPr/>
           <p:nvPr/>
         </p:nvSpPr>
@@ -6928,18 +6747,13 @@
               <a:rPr lang="pt-BR" dirty="0"/>
               <a:t>Sistema está conectado</a:t>
             </a:r>
-          </a:p>
-        </p:txBody>
-      </p:sp>
-      <p:sp>
-        <p:nvSpPr>
-          <p:cNvPr id="17" name="Retângulo 16">
-            <a:extLst>
-              <a:ext uri="{FF2B5EF4-FFF2-40B4-BE49-F238E27FC236}">
-                <a16:creationId xmlns:a16="http://schemas.microsoft.com/office/drawing/2014/main" id="{8A0E7F2E-65A1-5517-DE8F-0349C86F0F8E}"/>
-              </a:ext>
-            </a:extLst>
-          </p:cNvPr>
+            <a:endParaRPr lang="pt-BR" dirty="0"/>
+          </a:p>
+        </p:txBody>
+      </p:sp>
+      <p:sp>
+        <p:nvSpPr>
+          <p:cNvPr id="17" name="Retângulo 16"/>
           <p:cNvSpPr/>
           <p:nvPr/>
         </p:nvSpPr>
@@ -6981,18 +6795,13 @@
               <a:rPr lang="pt-BR" dirty="0"/>
               <a:t>Sistema está conectado</a:t>
             </a:r>
-          </a:p>
-        </p:txBody>
-      </p:sp>
-      <p:sp>
-        <p:nvSpPr>
-          <p:cNvPr id="14" name="Retângulo 13">
-            <a:extLst>
-              <a:ext uri="{FF2B5EF4-FFF2-40B4-BE49-F238E27FC236}">
-                <a16:creationId xmlns:a16="http://schemas.microsoft.com/office/drawing/2014/main" id="{A1EB652C-02B8-A16B-C936-0929BCA2E09D}"/>
-              </a:ext>
-            </a:extLst>
-          </p:cNvPr>
+            <a:endParaRPr lang="pt-BR" dirty="0"/>
+          </a:p>
+        </p:txBody>
+      </p:sp>
+      <p:sp>
+        <p:nvSpPr>
+          <p:cNvPr id="14" name="Retângulo 13"/>
           <p:cNvSpPr/>
           <p:nvPr/>
         </p:nvSpPr>
@@ -7032,13 +6841,7 @@
       </p:sp>
       <p:sp>
         <p:nvSpPr>
-          <p:cNvPr id="18" name="Retângulo 17">
-            <a:extLst>
-              <a:ext uri="{FF2B5EF4-FFF2-40B4-BE49-F238E27FC236}">
-                <a16:creationId xmlns:a16="http://schemas.microsoft.com/office/drawing/2014/main" id="{4B60066B-31BF-3F8A-C505-79BB7F75F385}"/>
-              </a:ext>
-            </a:extLst>
-          </p:cNvPr>
+          <p:cNvPr id="18" name="Retângulo 17"/>
           <p:cNvSpPr/>
           <p:nvPr/>
         </p:nvSpPr>
@@ -7080,18 +6883,13 @@
               <a:rPr lang="pt-BR" dirty="0"/>
               <a:t>Sistema está conectado</a:t>
             </a:r>
-          </a:p>
-        </p:txBody>
-      </p:sp>
-      <p:sp>
-        <p:nvSpPr>
-          <p:cNvPr id="23" name="Retângulo 22">
-            <a:extLst>
-              <a:ext uri="{FF2B5EF4-FFF2-40B4-BE49-F238E27FC236}">
-                <a16:creationId xmlns:a16="http://schemas.microsoft.com/office/drawing/2014/main" id="{89544DD6-F629-8AF3-A41B-E642F89F1558}"/>
-              </a:ext>
-            </a:extLst>
-          </p:cNvPr>
+            <a:endParaRPr lang="pt-BR" dirty="0"/>
+          </a:p>
+        </p:txBody>
+      </p:sp>
+      <p:sp>
+        <p:nvSpPr>
+          <p:cNvPr id="23" name="Retângulo 22"/>
           <p:cNvSpPr/>
           <p:nvPr/>
         </p:nvSpPr>
@@ -7136,18 +6934,17 @@
               </a:rPr>
               <a:t>ir</a:t>
             </a:r>
+            <a:endParaRPr lang="pt-BR" dirty="0">
+              <a:solidFill>
+                <a:schemeClr val="tx1"/>
+              </a:solidFill>
+            </a:endParaRPr>
           </a:p>
         </p:txBody>
       </p:sp>
       <p:cxnSp>
         <p:nvCxnSpPr>
-          <p:cNvPr id="13" name="Conector reto 12">
-            <a:extLst>
-              <a:ext uri="{FF2B5EF4-FFF2-40B4-BE49-F238E27FC236}">
-                <a16:creationId xmlns:a16="http://schemas.microsoft.com/office/drawing/2014/main" id="{08494DF8-6ED3-E6A5-25D2-2D1CF354781C}"/>
-              </a:ext>
-            </a:extLst>
-          </p:cNvPr>
+          <p:cNvPr id="13" name="Conector reto 12"/>
           <p:cNvCxnSpPr/>
           <p:nvPr/>
         </p:nvCxnSpPr>
@@ -7176,11 +6973,6 @@
         </p:style>
       </p:cxnSp>
     </p:spTree>
-    <p:extLst>
-      <p:ext uri="{BB962C8B-B14F-4D97-AF65-F5344CB8AC3E}">
-        <p14:creationId xmlns:p14="http://schemas.microsoft.com/office/powerpoint/2010/main" val="504841733"/>
-      </p:ext>
-    </p:extLst>
   </p:cSld>
   <p:clrMapOvr>
     <a:masterClrMapping/>
@@ -7439,8 +7231,6 @@
       </a:bgFillStyleLst>
     </a:fmtScheme>
   </a:themeElements>
-  <a:objectDefaults/>
-  <a:extraClrSchemeLst/>
   <a:extLst>
     <a:ext uri="{05A4C25C-085E-4340-85A3-A5531E510DB2}">
       <thm15:themeFamily xmlns:thm15="http://schemas.microsoft.com/office/thememl/2012/main" name="Office Theme" id="{62F939B6-93AF-4DB8-9C6B-D6C7DFDC589F}" vid="{4A3C46E8-61CC-4603-A589-7422A47A8E4A}"/>
@@ -7492,7 +7282,7 @@
     </a:clrScheme>
     <a:fontScheme name="Office">
       <a:majorFont>
-        <a:latin typeface="Aptos Display" panose="02110004020202020204"/>
+        <a:latin typeface="Aptos Display"/>
         <a:ea typeface=""/>
         <a:cs typeface=""/>
         <a:font script="Jpan" typeface="游ゴシック Light"/>
@@ -7525,26 +7315,9 @@
         <a:font script="Viet" typeface="Times New Roman"/>
         <a:font script="Uigh" typeface="Microsoft Uighur"/>
         <a:font script="Geor" typeface="Sylfaen"/>
-        <a:font script="Armn" typeface="Arial"/>
-        <a:font script="Bugi" typeface="Leelawadee UI"/>
-        <a:font script="Bopo" typeface="Microsoft JhengHei"/>
-        <a:font script="Java" typeface="Javanese Text"/>
-        <a:font script="Lisu" typeface="Segoe UI"/>
-        <a:font script="Mymr" typeface="Myanmar Text"/>
-        <a:font script="Nkoo" typeface="Ebrima"/>
-        <a:font script="Olck" typeface="Nirmala UI"/>
-        <a:font script="Osma" typeface="Ebrima"/>
-        <a:font script="Phag" typeface="Phagspa"/>
-        <a:font script="Syrn" typeface="Estrangelo Edessa"/>
-        <a:font script="Syrj" typeface="Estrangelo Edessa"/>
-        <a:font script="Syre" typeface="Estrangelo Edessa"/>
-        <a:font script="Sora" typeface="Nirmala UI"/>
-        <a:font script="Tale" typeface="Microsoft Tai Le"/>
-        <a:font script="Talu" typeface="Microsoft New Tai Lue"/>
-        <a:font script="Tfng" typeface="Ebrima"/>
       </a:majorFont>
       <a:minorFont>
-        <a:latin typeface="Aptos" panose="02110004020202020204"/>
+        <a:latin typeface="Aptos"/>
         <a:ea typeface=""/>
         <a:cs typeface=""/>
         <a:font script="Jpan" typeface="游ゴシック"/>
@@ -7577,23 +7350,6 @@
         <a:font script="Viet" typeface="Arial"/>
         <a:font script="Uigh" typeface="Microsoft Uighur"/>
         <a:font script="Geor" typeface="Sylfaen"/>
-        <a:font script="Armn" typeface="Arial"/>
-        <a:font script="Bugi" typeface="Leelawadee UI"/>
-        <a:font script="Bopo" typeface="Microsoft JhengHei"/>
-        <a:font script="Java" typeface="Javanese Text"/>
-        <a:font script="Lisu" typeface="Segoe UI"/>
-        <a:font script="Mymr" typeface="Myanmar Text"/>
-        <a:font script="Nkoo" typeface="Ebrima"/>
-        <a:font script="Olck" typeface="Nirmala UI"/>
-        <a:font script="Osma" typeface="Ebrima"/>
-        <a:font script="Phag" typeface="Phagspa"/>
-        <a:font script="Syrn" typeface="Estrangelo Edessa"/>
-        <a:font script="Syrj" typeface="Estrangelo Edessa"/>
-        <a:font script="Syre" typeface="Estrangelo Edessa"/>
-        <a:font script="Sora" typeface="Nirmala UI"/>
-        <a:font script="Tale" typeface="Microsoft Tai Le"/>
-        <a:font script="Talu" typeface="Microsoft New Tai Lue"/>
-        <a:font script="Tfng" typeface="Ebrima"/>
       </a:minorFont>
     </a:fontScheme>
     <a:fmtScheme name="Office">
@@ -7755,10 +7511,9 @@
       </a:style>
     </a:lnDef>
   </a:objectDefaults>
-  <a:extraClrSchemeLst/>
   <a:extLst>
     <a:ext uri="{05A4C25C-085E-4340-85A3-A5531E510DB2}">
-      <thm15:themeFamily xmlns:thm15="http://schemas.microsoft.com/office/thememl/2012/main" name="Office Theme" id="{2E142A2C-CD16-42D6-873A-C26D2A0506FA}" vid="{1BDDFF52-6CD6-40A5-AB3C-68EB2F1E4D0A}"/>
+      <thm15:themeFamily xmlns:thm15="http://schemas.microsoft.com/office/thememl/2012/main" name="Office Theme" id="{62F939B6-93AF-4DB8-9C6B-D6C7DFDC589F}" vid="{4A3C46E8-61CC-4603-A589-7422A47A8E4A}"/>
     </a:ext>
   </a:extLst>
 </a:theme>
